--- a/Presentation3.pptx
+++ b/Presentation3.pptx
@@ -5,16 +5,17 @@
     <p:sldMasterId id="2147483648" r:id="rId1"/>
   </p:sldMasterIdLst>
   <p:notesMasterIdLst>
-    <p:notesMasterId r:id="rId9"/>
+    <p:notesMasterId r:id="rId10"/>
   </p:notesMasterIdLst>
   <p:sldIdLst>
     <p:sldId id="256" r:id="rId2"/>
     <p:sldId id="258" r:id="rId3"/>
     <p:sldId id="259" r:id="rId4"/>
     <p:sldId id="260" r:id="rId5"/>
-    <p:sldId id="264" r:id="rId6"/>
-    <p:sldId id="262" r:id="rId7"/>
-    <p:sldId id="265" r:id="rId8"/>
+    <p:sldId id="266" r:id="rId6"/>
+    <p:sldId id="264" r:id="rId7"/>
+    <p:sldId id="262" r:id="rId8"/>
+    <p:sldId id="265" r:id="rId9"/>
   </p:sldIdLst>
   <p:sldSz cx="9144000" cy="5143500" type="screen16x9"/>
   <p:notesSz cx="9144000" cy="5143500"/>
@@ -42,6 +43,153 @@
 </p:presentation>
 </file>
 
+<file path=ppt/changesInfos/changesInfo1.xml><?xml version="1.0" encoding="utf-8"?>
+<pc:chgInfo xmlns:a="http://schemas.openxmlformats.org/drawingml/2006/main" xmlns:r="http://schemas.openxmlformats.org/officeDocument/2006/relationships" xmlns:ac="http://schemas.microsoft.com/office/drawing/2013/main/command" xmlns:pc="http://schemas.microsoft.com/office/powerpoint/2013/main/command">
+  <pc:docChgLst>
+    <pc:chgData name="Gavin Payne" userId="a7059ab5374b9f55" providerId="LiveId" clId="{6115755D-24C6-6E4B-929F-C8742E4B28AC}"/>
+    <pc:docChg chg="custSel addSld modSld">
+      <pc:chgData name="Gavin Payne" userId="a7059ab5374b9f55" providerId="LiveId" clId="{6115755D-24C6-6E4B-929F-C8742E4B28AC}" dt="2023-01-16T06:49:04.844" v="210" actId="1076"/>
+      <pc:docMkLst>
+        <pc:docMk/>
+      </pc:docMkLst>
+      <pc:sldChg chg="addSp delSp modSp mod">
+        <pc:chgData name="Gavin Payne" userId="a7059ab5374b9f55" providerId="LiveId" clId="{6115755D-24C6-6E4B-929F-C8742E4B28AC}" dt="2023-01-16T06:35:01.591" v="188" actId="1076"/>
+        <pc:sldMkLst>
+          <pc:docMk/>
+          <pc:sldMk cId="3097526141" sldId="258"/>
+        </pc:sldMkLst>
+        <pc:spChg chg="mod">
+          <ac:chgData name="Gavin Payne" userId="a7059ab5374b9f55" providerId="LiveId" clId="{6115755D-24C6-6E4B-929F-C8742E4B28AC}" dt="2023-01-16T06:28:35.862" v="182" actId="20577"/>
+          <ac:spMkLst>
+            <pc:docMk/>
+            <pc:sldMk cId="3097526141" sldId="258"/>
+            <ac:spMk id="3" creationId="{4D7B1C4D-6ADC-B84C-4F47-FAC0AE4AD1A6}"/>
+          </ac:spMkLst>
+        </pc:spChg>
+        <pc:picChg chg="add mod">
+          <ac:chgData name="Gavin Payne" userId="a7059ab5374b9f55" providerId="LiveId" clId="{6115755D-24C6-6E4B-929F-C8742E4B28AC}" dt="2023-01-16T06:35:01.591" v="188" actId="1076"/>
+          <ac:picMkLst>
+            <pc:docMk/>
+            <pc:sldMk cId="3097526141" sldId="258"/>
+            <ac:picMk id="6" creationId="{30E164F4-FB55-5009-27AA-FC03E17746FC}"/>
+          </ac:picMkLst>
+        </pc:picChg>
+        <pc:picChg chg="add del mod">
+          <ac:chgData name="Gavin Payne" userId="a7059ab5374b9f55" providerId="LiveId" clId="{6115755D-24C6-6E4B-929F-C8742E4B28AC}" dt="2023-01-16T06:22:31.305" v="156" actId="478"/>
+          <ac:picMkLst>
+            <pc:docMk/>
+            <pc:sldMk cId="3097526141" sldId="258"/>
+            <ac:picMk id="1026" creationId="{5A7FA68B-A71E-3724-8CFF-4E2F8BA2FA35}"/>
+          </ac:picMkLst>
+        </pc:picChg>
+        <pc:picChg chg="add mod">
+          <ac:chgData name="Gavin Payne" userId="a7059ab5374b9f55" providerId="LiveId" clId="{6115755D-24C6-6E4B-929F-C8742E4B28AC}" dt="2023-01-16T06:34:53.975" v="186" actId="1076"/>
+          <ac:picMkLst>
+            <pc:docMk/>
+            <pc:sldMk cId="3097526141" sldId="258"/>
+            <ac:picMk id="1028" creationId="{05876FAD-8179-62B7-182F-64D75F8BD4E1}"/>
+          </ac:picMkLst>
+        </pc:picChg>
+      </pc:sldChg>
+      <pc:sldChg chg="addSp delSp modSp mod">
+        <pc:chgData name="Gavin Payne" userId="a7059ab5374b9f55" providerId="LiveId" clId="{6115755D-24C6-6E4B-929F-C8742E4B28AC}" dt="2023-01-16T06:49:04.844" v="210" actId="1076"/>
+        <pc:sldMkLst>
+          <pc:docMk/>
+          <pc:sldMk cId="3959464855" sldId="260"/>
+        </pc:sldMkLst>
+        <pc:spChg chg="mod">
+          <ac:chgData name="Gavin Payne" userId="a7059ab5374b9f55" providerId="LiveId" clId="{6115755D-24C6-6E4B-929F-C8742E4B28AC}" dt="2023-01-16T06:00:13.568" v="9" actId="20577"/>
+          <ac:spMkLst>
+            <pc:docMk/>
+            <pc:sldMk cId="3959464855" sldId="260"/>
+            <ac:spMk id="2" creationId="{34FB3A1B-C244-4590-DA7E-2448C607EAA4}"/>
+          </ac:spMkLst>
+        </pc:spChg>
+        <pc:spChg chg="mod">
+          <ac:chgData name="Gavin Payne" userId="a7059ab5374b9f55" providerId="LiveId" clId="{6115755D-24C6-6E4B-929F-C8742E4B28AC}" dt="2023-01-16T06:07:41.275" v="22" actId="20577"/>
+          <ac:spMkLst>
+            <pc:docMk/>
+            <pc:sldMk cId="3959464855" sldId="260"/>
+            <ac:spMk id="3" creationId="{7011FF0D-23C9-C092-C6FB-006D5A703A81}"/>
+          </ac:spMkLst>
+        </pc:spChg>
+        <pc:picChg chg="add del mod">
+          <ac:chgData name="Gavin Payne" userId="a7059ab5374b9f55" providerId="LiveId" clId="{6115755D-24C6-6E4B-929F-C8742E4B28AC}" dt="2023-01-16T06:08:25.164" v="27" actId="478"/>
+          <ac:picMkLst>
+            <pc:docMk/>
+            <pc:sldMk cId="3959464855" sldId="260"/>
+            <ac:picMk id="6" creationId="{896B07C5-0326-DF3C-2C34-E81EA6A7ACA8}"/>
+          </ac:picMkLst>
+        </pc:picChg>
+        <pc:picChg chg="add mod">
+          <ac:chgData name="Gavin Payne" userId="a7059ab5374b9f55" providerId="LiveId" clId="{6115755D-24C6-6E4B-929F-C8742E4B28AC}" dt="2023-01-16T06:49:04.844" v="210" actId="1076"/>
+          <ac:picMkLst>
+            <pc:docMk/>
+            <pc:sldMk cId="3959464855" sldId="260"/>
+            <ac:picMk id="8" creationId="{9BB8733A-1BCF-EC68-9D30-E5F88D1DC345}"/>
+          </ac:picMkLst>
+        </pc:picChg>
+      </pc:sldChg>
+      <pc:sldChg chg="addSp delSp modSp add mod">
+        <pc:chgData name="Gavin Payne" userId="a7059ab5374b9f55" providerId="LiveId" clId="{6115755D-24C6-6E4B-929F-C8742E4B28AC}" dt="2023-01-16T06:48:32.510" v="206" actId="1076"/>
+        <pc:sldMkLst>
+          <pc:docMk/>
+          <pc:sldMk cId="2498522498" sldId="266"/>
+        </pc:sldMkLst>
+        <pc:spChg chg="mod">
+          <ac:chgData name="Gavin Payne" userId="a7059ab5374b9f55" providerId="LiveId" clId="{6115755D-24C6-6E4B-929F-C8742E4B28AC}" dt="2023-01-16T06:16:55.552" v="139" actId="1076"/>
+          <ac:spMkLst>
+            <pc:docMk/>
+            <pc:sldMk cId="2498522498" sldId="266"/>
+            <ac:spMk id="3" creationId="{7011FF0D-23C9-C092-C6FB-006D5A703A81}"/>
+          </ac:spMkLst>
+        </pc:spChg>
+        <pc:picChg chg="add del mod">
+          <ac:chgData name="Gavin Payne" userId="a7059ab5374b9f55" providerId="LiveId" clId="{6115755D-24C6-6E4B-929F-C8742E4B28AC}" dt="2023-01-16T06:47:29.609" v="189" actId="478"/>
+          <ac:picMkLst>
+            <pc:docMk/>
+            <pc:sldMk cId="2498522498" sldId="266"/>
+            <ac:picMk id="6" creationId="{75A55E8F-5AC3-DCC8-37F3-D029F3FC52FD}"/>
+          </ac:picMkLst>
+        </pc:picChg>
+        <pc:picChg chg="del">
+          <ac:chgData name="Gavin Payne" userId="a7059ab5374b9f55" providerId="LiveId" clId="{6115755D-24C6-6E4B-929F-C8742E4B28AC}" dt="2023-01-16T06:09:51.241" v="35" actId="478"/>
+          <ac:picMkLst>
+            <pc:docMk/>
+            <pc:sldMk cId="2498522498" sldId="266"/>
+            <ac:picMk id="8" creationId="{9BB8733A-1BCF-EC68-9D30-E5F88D1DC345}"/>
+          </ac:picMkLst>
+        </pc:picChg>
+        <pc:picChg chg="add del mod">
+          <ac:chgData name="Gavin Payne" userId="a7059ab5374b9f55" providerId="LiveId" clId="{6115755D-24C6-6E4B-929F-C8742E4B28AC}" dt="2023-01-16T06:47:30.616" v="190" actId="478"/>
+          <ac:picMkLst>
+            <pc:docMk/>
+            <pc:sldMk cId="2498522498" sldId="266"/>
+            <ac:picMk id="9" creationId="{67C70481-4948-9B6F-7AC1-A909CE573BCB}"/>
+          </ac:picMkLst>
+        </pc:picChg>
+        <pc:picChg chg="add mod">
+          <ac:chgData name="Gavin Payne" userId="a7059ab5374b9f55" providerId="LiveId" clId="{6115755D-24C6-6E4B-929F-C8742E4B28AC}" dt="2023-01-16T06:48:07.592" v="205" actId="14100"/>
+          <ac:picMkLst>
+            <pc:docMk/>
+            <pc:sldMk cId="2498522498" sldId="266"/>
+            <ac:picMk id="11" creationId="{329C1BBD-F345-7D41-C7DC-F9312132CB71}"/>
+          </ac:picMkLst>
+        </pc:picChg>
+        <pc:picChg chg="add mod">
+          <ac:chgData name="Gavin Payne" userId="a7059ab5374b9f55" providerId="LiveId" clId="{6115755D-24C6-6E4B-929F-C8742E4B28AC}" dt="2023-01-16T06:48:32.510" v="206" actId="1076"/>
+          <ac:picMkLst>
+            <pc:docMk/>
+            <pc:sldMk cId="2498522498" sldId="266"/>
+            <ac:picMk id="13" creationId="{5E342BA6-E8E7-1478-31F1-48BE62104971}"/>
+          </ac:picMkLst>
+        </pc:picChg>
+      </pc:sldChg>
+    </pc:docChg>
+  </pc:docChgLst>
+</pc:chgInfo>
+</file>
+
 <file path=ppt/notesMasters/notesMaster1.xml><?xml version="1.0" encoding="utf-8"?>
 <p:notesMaster xmlns:a="http://schemas.openxmlformats.org/drawingml/2006/main" xmlns:r="http://schemas.openxmlformats.org/officeDocument/2006/relationships" xmlns:p="http://schemas.openxmlformats.org/presentationml/2006/main">
   <p:cSld>
@@ -124,7 +272,7 @@
           <a:p>
             <a:fld id="{4826C7FF-12A9-4763-9657-1C9C35352C1C}" type="datetimeFigureOut">
               <a:rPr lang="en-AU" smtClean="0"/>
-              <a:t>13/1/2023</a:t>
+              <a:t>16/1/2023</a:t>
             </a:fld>
             <a:endParaRPr lang="en-AU"/>
           </a:p>
@@ -1133,12 +1281,297 @@
             </a:pPr>
             <a:r>
               <a:rPr lang="en-US" b="1" dirty="0"/>
-              <a:t>Our approach part 2: </a:t>
+              <a:t>Our approach part 1: </a:t>
             </a:r>
             <a:r>
               <a:rPr lang="en-US" b="0" dirty="0"/>
-              <a:t>Financial information for Top 100 relative to their industry peers.</a:t>
-            </a:r>
+              <a:t>bringing in finance data via the ticker code so see whether success as an acclaimed employer converts to financial performance.</a:t>
+            </a:r>
+          </a:p>
+          <a:p>
+            <a:pPr marL="0" marR="0" lvl="0" indent="0" algn="l" defTabSz="914400" rtl="0" eaLnBrk="1" fontAlgn="auto" latinLnBrk="0" hangingPunct="1">
+              <a:lnSpc>
+                <a:spcPct val="100000"/>
+              </a:lnSpc>
+              <a:spcBef>
+                <a:spcPts val="0"/>
+              </a:spcBef>
+              <a:spcAft>
+                <a:spcPts val="0"/>
+              </a:spcAft>
+              <a:buClrTx/>
+              <a:buSzTx/>
+              <a:buFontTx/>
+              <a:buNone/>
+              <a:tabLst/>
+              <a:defRPr/>
+            </a:pPr>
+            <a:r>
+              <a:rPr lang="en-US" b="0" dirty="0"/>
+              <a:t>Yahoo Finance library wrapper.</a:t>
+            </a:r>
+          </a:p>
+          <a:p>
+            <a:pPr marL="0" marR="0" lvl="0" indent="0" algn="l" defTabSz="914400" rtl="0" eaLnBrk="1" fontAlgn="auto" latinLnBrk="0" hangingPunct="1">
+              <a:lnSpc>
+                <a:spcPct val="100000"/>
+              </a:lnSpc>
+              <a:spcBef>
+                <a:spcPts val="0"/>
+              </a:spcBef>
+              <a:spcAft>
+                <a:spcPts val="0"/>
+              </a:spcAft>
+              <a:buClrTx/>
+              <a:buSzTx/>
+              <a:buFontTx/>
+              <a:buNone/>
+              <a:tabLst/>
+              <a:defRPr/>
+            </a:pPr>
+            <a:r>
+              <a:rPr lang="en-US" b="0" dirty="0"/>
+              <a:t>Financial metrics: </a:t>
+            </a:r>
+          </a:p>
+          <a:p>
+            <a:pPr marL="0" marR="0" lvl="0" indent="0" algn="l" defTabSz="914400" rtl="0" eaLnBrk="1" fontAlgn="auto" latinLnBrk="0" hangingPunct="1">
+              <a:lnSpc>
+                <a:spcPct val="100000"/>
+              </a:lnSpc>
+              <a:spcBef>
+                <a:spcPts val="0"/>
+              </a:spcBef>
+              <a:spcAft>
+                <a:spcPts val="0"/>
+              </a:spcAft>
+              <a:buClrTx/>
+              <a:buSzTx/>
+              <a:buFontTx/>
+              <a:buNone/>
+              <a:tabLst/>
+              <a:defRPr/>
+            </a:pPr>
+            <a:r>
+              <a:rPr lang="en-US" b="0" dirty="0"/>
+              <a:t>	12-month stock performance, ROE (shareholder value), </a:t>
+            </a:r>
+          </a:p>
+          <a:p>
+            <a:pPr marL="0" marR="0" lvl="0" indent="0" algn="l" defTabSz="914400" rtl="0" eaLnBrk="1" fontAlgn="auto" latinLnBrk="0" hangingPunct="1">
+              <a:lnSpc>
+                <a:spcPct val="100000"/>
+              </a:lnSpc>
+              <a:spcBef>
+                <a:spcPts val="0"/>
+              </a:spcBef>
+              <a:spcAft>
+                <a:spcPts val="0"/>
+              </a:spcAft>
+              <a:buClrTx/>
+              <a:buSzTx/>
+              <a:buFontTx/>
+              <a:buNone/>
+              <a:tabLst/>
+              <a:defRPr/>
+            </a:pPr>
+            <a:r>
+              <a:rPr lang="en-US" b="0" dirty="0"/>
+              <a:t>	average of analyst recommendations (1 strong buy, 5 strong sell), operating income per all available in the </a:t>
+            </a:r>
+            <a:r>
+              <a:rPr lang="en-US" b="0" dirty="0" err="1"/>
+              <a:t>yf.ticker.info</a:t>
+            </a:r>
+            <a:r>
+              <a:rPr lang="en-US" b="0" dirty="0"/>
+              <a:t> method.</a:t>
+            </a:r>
+          </a:p>
+          <a:p>
+            <a:pPr marL="0" marR="0" lvl="0" indent="0" algn="l" defTabSz="914400" rtl="0" eaLnBrk="1" fontAlgn="auto" latinLnBrk="0" hangingPunct="1">
+              <a:lnSpc>
+                <a:spcPct val="100000"/>
+              </a:lnSpc>
+              <a:spcBef>
+                <a:spcPts val="0"/>
+              </a:spcBef>
+              <a:spcAft>
+                <a:spcPts val="0"/>
+              </a:spcAft>
+              <a:buClrTx/>
+              <a:buSzTx/>
+              <a:buFontTx/>
+              <a:buNone/>
+              <a:tabLst/>
+              <a:defRPr/>
+            </a:pPr>
+            <a:r>
+              <a:rPr lang="en-US" b="0" dirty="0"/>
+              <a:t>Results (raw) : </a:t>
+            </a:r>
+          </a:p>
+          <a:p>
+            <a:pPr marL="0" marR="0" lvl="0" indent="0" algn="l" defTabSz="914400" rtl="0" eaLnBrk="1" fontAlgn="auto" latinLnBrk="0" hangingPunct="1">
+              <a:lnSpc>
+                <a:spcPct val="100000"/>
+              </a:lnSpc>
+              <a:spcBef>
+                <a:spcPts val="0"/>
+              </a:spcBef>
+              <a:spcAft>
+                <a:spcPts val="0"/>
+              </a:spcAft>
+              <a:buClrTx/>
+              <a:buSzTx/>
+              <a:buFontTx/>
+              <a:buNone/>
+              <a:tabLst/>
+              <a:defRPr/>
+            </a:pPr>
+            <a:r>
+              <a:rPr lang="en-US" b="0" dirty="0"/>
+              <a:t>Appears to be no correlation between ranking in the top 100, and financial performance.</a:t>
+            </a:r>
+          </a:p>
+          <a:p>
+            <a:pPr marL="0" marR="0" lvl="0" indent="0" algn="l" defTabSz="914400" rtl="0" eaLnBrk="1" fontAlgn="auto" latinLnBrk="0" hangingPunct="1">
+              <a:lnSpc>
+                <a:spcPct val="100000"/>
+              </a:lnSpc>
+              <a:spcBef>
+                <a:spcPts val="0"/>
+              </a:spcBef>
+              <a:spcAft>
+                <a:spcPts val="0"/>
+              </a:spcAft>
+              <a:buClrTx/>
+              <a:buSzTx/>
+              <a:buFontTx/>
+              <a:buNone/>
+              <a:tabLst/>
+              <a:defRPr/>
+            </a:pPr>
+            <a:r>
+              <a:rPr lang="en-US" b="0" dirty="0"/>
+              <a:t>	Already 100 high performing companies, multinationals, likely got in that position by being financially sound.</a:t>
+            </a:r>
+          </a:p>
+          <a:p>
+            <a:pPr marL="0" marR="0" lvl="0" indent="0" algn="l" defTabSz="914400" rtl="0" eaLnBrk="1" fontAlgn="auto" latinLnBrk="0" hangingPunct="1">
+              <a:lnSpc>
+                <a:spcPct val="100000"/>
+              </a:lnSpc>
+              <a:spcBef>
+                <a:spcPts val="0"/>
+              </a:spcBef>
+              <a:spcAft>
+                <a:spcPts val="0"/>
+              </a:spcAft>
+              <a:buClrTx/>
+              <a:buSzTx/>
+              <a:buFontTx/>
+              <a:buNone/>
+              <a:tabLst/>
+              <a:defRPr/>
+            </a:pPr>
+            <a:r>
+              <a:rPr lang="en-US" b="0" dirty="0"/>
+              <a:t>Results (standardized): </a:t>
+            </a:r>
+          </a:p>
+          <a:p>
+            <a:pPr marL="0" marR="0" lvl="0" indent="0" algn="l" defTabSz="914400" rtl="0" eaLnBrk="1" fontAlgn="auto" latinLnBrk="0" hangingPunct="1">
+              <a:lnSpc>
+                <a:spcPct val="100000"/>
+              </a:lnSpc>
+              <a:spcBef>
+                <a:spcPts val="0"/>
+              </a:spcBef>
+              <a:spcAft>
+                <a:spcPts val="0"/>
+              </a:spcAft>
+              <a:buClrTx/>
+              <a:buSzTx/>
+              <a:buFontTx/>
+              <a:buNone/>
+              <a:tabLst/>
+              <a:defRPr/>
+            </a:pPr>
+            <a:r>
+              <a:rPr lang="en-US" b="0" dirty="0"/>
+              <a:t>	Cluster around mean, particularly ROE. </a:t>
+            </a:r>
+          </a:p>
+          <a:p>
+            <a:pPr marL="0" marR="0" lvl="0" indent="0" algn="l" defTabSz="914400" rtl="0" eaLnBrk="1" fontAlgn="auto" latinLnBrk="0" hangingPunct="1">
+              <a:lnSpc>
+                <a:spcPct val="100000"/>
+              </a:lnSpc>
+              <a:spcBef>
+                <a:spcPts val="0"/>
+              </a:spcBef>
+              <a:spcAft>
+                <a:spcPts val="0"/>
+              </a:spcAft>
+              <a:buClrTx/>
+              <a:buSzTx/>
+              <a:buFontTx/>
+              <a:buNone/>
+              <a:tabLst/>
+              <a:defRPr/>
+            </a:pPr>
+            <a:r>
+              <a:rPr lang="en-US" b="0" dirty="0"/>
+              <a:t>	Stock price contained more variation, this may have to do with broader sector performance,</a:t>
+            </a:r>
+          </a:p>
+          <a:p>
+            <a:pPr marL="0" marR="0" lvl="0" indent="0" algn="l" defTabSz="914400" rtl="0" eaLnBrk="1" fontAlgn="auto" latinLnBrk="0" hangingPunct="1">
+              <a:lnSpc>
+                <a:spcPct val="100000"/>
+              </a:lnSpc>
+              <a:spcBef>
+                <a:spcPts val="0"/>
+              </a:spcBef>
+              <a:spcAft>
+                <a:spcPts val="0"/>
+              </a:spcAft>
+              <a:buClrTx/>
+              <a:buSzTx/>
+              <a:buFontTx/>
+              <a:buNone/>
+              <a:tabLst/>
+              <a:defRPr/>
+            </a:pPr>
+            <a:r>
+              <a:rPr lang="en-US" b="0" dirty="0"/>
+              <a:t>Segue to Javier’s approach.</a:t>
+            </a:r>
+          </a:p>
+          <a:p>
+            <a:pPr marL="0" marR="0" lvl="0" indent="0" algn="l" defTabSz="914400" rtl="0" eaLnBrk="1" fontAlgn="auto" latinLnBrk="0" hangingPunct="1">
+              <a:lnSpc>
+                <a:spcPct val="100000"/>
+              </a:lnSpc>
+              <a:spcBef>
+                <a:spcPts val="0"/>
+              </a:spcBef>
+              <a:spcAft>
+                <a:spcPts val="0"/>
+              </a:spcAft>
+              <a:buClrTx/>
+              <a:buSzTx/>
+              <a:buFontTx/>
+              <a:buNone/>
+              <a:tabLst/>
+              <a:defRPr/>
+            </a:pPr>
+            <a:r>
+              <a:rPr lang="en-US" b="0" dirty="0"/>
+              <a:t>	</a:t>
+            </a:r>
+            <a:endParaRPr lang="en-US" dirty="0"/>
           </a:p>
         </p:txBody>
       </p:sp>
@@ -1168,7 +1601,7 @@
     </p:spTree>
     <p:extLst>
       <p:ext uri="{BB962C8B-B14F-4D97-AF65-F5344CB8AC3E}">
-        <p14:creationId xmlns:p14="http://schemas.microsoft.com/office/powerpoint/2010/main" val="3339561968"/>
+        <p14:creationId xmlns:p14="http://schemas.microsoft.com/office/powerpoint/2010/main" val="3281730388"/>
       </p:ext>
     </p:extLst>
   </p:cSld>
@@ -1241,82 +1674,12 @@
             </a:pPr>
             <a:r>
               <a:rPr lang="en-US" b="1" dirty="0"/>
-              <a:t>Our approach part 3: </a:t>
+              <a:t>Our approach part 2: </a:t>
             </a:r>
             <a:r>
               <a:rPr lang="en-US" b="0" dirty="0"/>
-              <a:t>Many countries represented in the top 100 (though mostly US and Germany)</a:t>
-            </a:r>
-          </a:p>
-          <a:p>
-            <a:pPr marL="0" marR="0" lvl="0" indent="0" algn="l" defTabSz="914400" rtl="0" eaLnBrk="1" fontAlgn="auto" latinLnBrk="0" hangingPunct="1">
-              <a:lnSpc>
-                <a:spcPct val="100000"/>
-              </a:lnSpc>
-              <a:spcBef>
-                <a:spcPts val="0"/>
-              </a:spcBef>
-              <a:spcAft>
-                <a:spcPts val="0"/>
-              </a:spcAft>
-              <a:buClrTx/>
-              <a:buSzTx/>
-              <a:buFontTx/>
-              <a:buNone/>
-              <a:tabLst/>
-              <a:defRPr/>
-            </a:pPr>
-            <a:r>
-              <a:rPr lang="en-US" b="0" dirty="0"/>
-              <a:t>	Geographical factors? </a:t>
-            </a:r>
-          </a:p>
-          <a:p>
-            <a:pPr marL="0" marR="0" lvl="0" indent="0" algn="l" defTabSz="914400" rtl="0" eaLnBrk="1" fontAlgn="auto" latinLnBrk="0" hangingPunct="1">
-              <a:lnSpc>
-                <a:spcPct val="100000"/>
-              </a:lnSpc>
-              <a:spcBef>
-                <a:spcPts val="0"/>
-              </a:spcBef>
-              <a:spcAft>
-                <a:spcPts val="0"/>
-              </a:spcAft>
-              <a:buClrTx/>
-              <a:buSzTx/>
-              <a:buFontTx/>
-              <a:buNone/>
-              <a:tabLst/>
-              <a:defRPr/>
-            </a:pPr>
-            <a:r>
-              <a:rPr lang="en-US" b="0" dirty="0"/>
-              <a:t>	i.e. Is there something about employees from these countries that predisposed them to feel a certain way about their employers?</a:t>
-            </a:r>
-          </a:p>
-          <a:p>
-            <a:pPr marL="0" marR="0" lvl="0" indent="0" algn="l" defTabSz="914400" rtl="0" eaLnBrk="1" fontAlgn="auto" latinLnBrk="0" hangingPunct="1">
-              <a:lnSpc>
-                <a:spcPct val="100000"/>
-              </a:lnSpc>
-              <a:spcBef>
-                <a:spcPts val="0"/>
-              </a:spcBef>
-              <a:spcAft>
-                <a:spcPts val="0"/>
-              </a:spcAft>
-              <a:buClrTx/>
-              <a:buSzTx/>
-              <a:buFontTx/>
-              <a:buNone/>
-              <a:tabLst/>
-              <a:defRPr/>
-            </a:pPr>
-            <a:r>
-              <a:rPr lang="en-US" b="0" dirty="0"/>
-              <a:t>Rohan findings.</a:t>
-            </a:r>
-            <a:endParaRPr lang="en-US" dirty="0"/>
+              <a:t>Financial information for Top 100 relative to their industry peers.</a:t>
+            </a:r>
           </a:p>
         </p:txBody>
       </p:sp>
@@ -1338,6 +1701,184 @@
             <a:fld id="{79665B4F-CFD9-9646-8FE1-0E4B54158734}" type="slidenum">
               <a:rPr lang="en-US" smtClean="0"/>
               <a:t>6</a:t>
+            </a:fld>
+            <a:endParaRPr lang="en-US"/>
+          </a:p>
+        </p:txBody>
+      </p:sp>
+    </p:spTree>
+    <p:extLst>
+      <p:ext uri="{BB962C8B-B14F-4D97-AF65-F5344CB8AC3E}">
+        <p14:creationId xmlns:p14="http://schemas.microsoft.com/office/powerpoint/2010/main" val="3339561968"/>
+      </p:ext>
+    </p:extLst>
+  </p:cSld>
+  <p:clrMapOvr>
+    <a:masterClrMapping/>
+  </p:clrMapOvr>
+</p:notes>
+</file>
+
+<file path=ppt/notesSlides/notesSlide6.xml><?xml version="1.0" encoding="utf-8"?>
+<p:notes xmlns:a="http://schemas.openxmlformats.org/drawingml/2006/main" xmlns:r="http://schemas.openxmlformats.org/officeDocument/2006/relationships" xmlns:p="http://schemas.openxmlformats.org/presentationml/2006/main">
+  <p:cSld>
+    <p:spTree>
+      <p:nvGrpSpPr>
+        <p:cNvPr id="1" name=""/>
+        <p:cNvGrpSpPr/>
+        <p:nvPr/>
+      </p:nvGrpSpPr>
+      <p:grpSpPr>
+        <a:xfrm>
+          <a:off x="0" y="0"/>
+          <a:ext cx="0" cy="0"/>
+          <a:chOff x="0" y="0"/>
+          <a:chExt cx="0" cy="0"/>
+        </a:xfrm>
+      </p:grpSpPr>
+      <p:sp>
+        <p:nvSpPr>
+          <p:cNvPr id="2" name="Slide Image Placeholder 1"/>
+          <p:cNvSpPr>
+            <a:spLocks noGrp="1" noRot="1" noChangeAspect="1"/>
+          </p:cNvSpPr>
+          <p:nvPr>
+            <p:ph type="sldImg"/>
+          </p:nvPr>
+        </p:nvSpPr>
+        <p:spPr/>
+      </p:sp>
+      <p:sp>
+        <p:nvSpPr>
+          <p:cNvPr id="3" name="Notes Placeholder 2"/>
+          <p:cNvSpPr>
+            <a:spLocks noGrp="1"/>
+          </p:cNvSpPr>
+          <p:nvPr>
+            <p:ph type="body" idx="1"/>
+          </p:nvPr>
+        </p:nvSpPr>
+        <p:spPr/>
+        <p:txBody>
+          <a:bodyPr/>
+          <a:lstStyle/>
+          <a:p>
+            <a:pPr marL="0" marR="0" lvl="0" indent="0" algn="l" defTabSz="914400" rtl="0" eaLnBrk="1" fontAlgn="auto" latinLnBrk="0" hangingPunct="1">
+              <a:lnSpc>
+                <a:spcPct val="100000"/>
+              </a:lnSpc>
+              <a:spcBef>
+                <a:spcPts val="0"/>
+              </a:spcBef>
+              <a:spcAft>
+                <a:spcPts val="0"/>
+              </a:spcAft>
+              <a:buClrTx/>
+              <a:buSzTx/>
+              <a:buFontTx/>
+              <a:buNone/>
+              <a:tabLst/>
+              <a:defRPr/>
+            </a:pPr>
+            <a:r>
+              <a:rPr lang="en-US" b="1" dirty="0"/>
+              <a:t>Our approach part 3: </a:t>
+            </a:r>
+            <a:r>
+              <a:rPr lang="en-US" b="0" dirty="0"/>
+              <a:t>Many countries represented in the top 100 (though mostly US and Germany)</a:t>
+            </a:r>
+          </a:p>
+          <a:p>
+            <a:pPr marL="0" marR="0" lvl="0" indent="0" algn="l" defTabSz="914400" rtl="0" eaLnBrk="1" fontAlgn="auto" latinLnBrk="0" hangingPunct="1">
+              <a:lnSpc>
+                <a:spcPct val="100000"/>
+              </a:lnSpc>
+              <a:spcBef>
+                <a:spcPts val="0"/>
+              </a:spcBef>
+              <a:spcAft>
+                <a:spcPts val="0"/>
+              </a:spcAft>
+              <a:buClrTx/>
+              <a:buSzTx/>
+              <a:buFontTx/>
+              <a:buNone/>
+              <a:tabLst/>
+              <a:defRPr/>
+            </a:pPr>
+            <a:r>
+              <a:rPr lang="en-US" b="0" dirty="0"/>
+              <a:t>	Geographical factors? </a:t>
+            </a:r>
+          </a:p>
+          <a:p>
+            <a:pPr marL="0" marR="0" lvl="0" indent="0" algn="l" defTabSz="914400" rtl="0" eaLnBrk="1" fontAlgn="auto" latinLnBrk="0" hangingPunct="1">
+              <a:lnSpc>
+                <a:spcPct val="100000"/>
+              </a:lnSpc>
+              <a:spcBef>
+                <a:spcPts val="0"/>
+              </a:spcBef>
+              <a:spcAft>
+                <a:spcPts val="0"/>
+              </a:spcAft>
+              <a:buClrTx/>
+              <a:buSzTx/>
+              <a:buFontTx/>
+              <a:buNone/>
+              <a:tabLst/>
+              <a:defRPr/>
+            </a:pPr>
+            <a:r>
+              <a:rPr lang="en-US" b="0" dirty="0"/>
+              <a:t>	i.e. Is there something about employees from these countries that predisposed them to feel a certain way about their employers?</a:t>
+            </a:r>
+          </a:p>
+          <a:p>
+            <a:pPr marL="0" marR="0" lvl="0" indent="0" algn="l" defTabSz="914400" rtl="0" eaLnBrk="1" fontAlgn="auto" latinLnBrk="0" hangingPunct="1">
+              <a:lnSpc>
+                <a:spcPct val="100000"/>
+              </a:lnSpc>
+              <a:spcBef>
+                <a:spcPts val="0"/>
+              </a:spcBef>
+              <a:spcAft>
+                <a:spcPts val="0"/>
+              </a:spcAft>
+              <a:buClrTx/>
+              <a:buSzTx/>
+              <a:buFontTx/>
+              <a:buNone/>
+              <a:tabLst/>
+              <a:defRPr/>
+            </a:pPr>
+            <a:r>
+              <a:rPr lang="en-US" b="0" dirty="0"/>
+              <a:t>Rohan findings.</a:t>
+            </a:r>
+            <a:endParaRPr lang="en-US" dirty="0"/>
+          </a:p>
+        </p:txBody>
+      </p:sp>
+      <p:sp>
+        <p:nvSpPr>
+          <p:cNvPr id="4" name="Slide Number Placeholder 3"/>
+          <p:cNvSpPr>
+            <a:spLocks noGrp="1"/>
+          </p:cNvSpPr>
+          <p:nvPr>
+            <p:ph type="sldNum" sz="quarter" idx="5"/>
+          </p:nvPr>
+        </p:nvSpPr>
+        <p:spPr/>
+        <p:txBody>
+          <a:bodyPr/>
+          <a:lstStyle/>
+          <a:p>
+            <a:fld id="{79665B4F-CFD9-9646-8FE1-0E4B54158734}" type="slidenum">
+              <a:rPr lang="en-US" smtClean="0"/>
+              <a:t>7</a:t>
             </a:fld>
             <a:endParaRPr lang="en-US"/>
           </a:p>
@@ -2579,6 +3120,10 @@
           </p:nvPr>
         </p:nvSpPr>
         <p:spPr>
+          <a:xfrm>
+            <a:off x="274320" y="819150"/>
+            <a:ext cx="5059680" cy="2058228"/>
+          </a:xfrm>
           <a:prstGeom prst="rect">
             <a:avLst/>
           </a:prstGeom>
@@ -2593,7 +3138,7 @@
             </a:pPr>
             <a:r>
               <a:rPr lang="en-US" dirty="0"/>
-              <a:t>Starting point: Forbes 2022 Ranking of Best Employers</a:t>
+              <a:t>Starting point: Forbes 2022 Ranking of 100 Best Employers</a:t>
             </a:r>
           </a:p>
           <a:p>
@@ -2706,6 +3251,89 @@
           </a:p>
         </p:txBody>
       </p:sp>
+      <p:pic>
+        <p:nvPicPr>
+          <p:cNvPr id="6" name="Picture 5">
+            <a:extLst>
+              <a:ext uri="{FF2B5EF4-FFF2-40B4-BE49-F238E27FC236}">
+                <a16:creationId xmlns:a16="http://schemas.microsoft.com/office/drawing/2014/main" id="{30E164F4-FB55-5009-27AA-FC03E17746FC}"/>
+              </a:ext>
+            </a:extLst>
+          </p:cNvPr>
+          <p:cNvPicPr>
+            <a:picLocks noChangeAspect="1"/>
+          </p:cNvPicPr>
+          <p:nvPr/>
+        </p:nvPicPr>
+        <p:blipFill>
+          <a:blip r:embed="rId3">
+            <a:extLst>
+              <a:ext uri="{28A0092B-C50C-407E-A947-70E740481C1C}">
+                <a14:useLocalDpi xmlns:a14="http://schemas.microsoft.com/office/drawing/2010/main" val="0"/>
+              </a:ext>
+            </a:extLst>
+          </a:blip>
+          <a:stretch>
+            <a:fillRect/>
+          </a:stretch>
+        </p:blipFill>
+        <p:spPr>
+          <a:xfrm>
+            <a:off x="7038075" y="2890985"/>
+            <a:ext cx="1686825" cy="1546256"/>
+          </a:xfrm>
+          <a:prstGeom prst="rect">
+            <a:avLst/>
+          </a:prstGeom>
+        </p:spPr>
+      </p:pic>
+      <p:pic>
+        <p:nvPicPr>
+          <p:cNvPr id="1028" name="Picture 4" descr="SMIC">
+            <a:extLst>
+              <a:ext uri="{FF2B5EF4-FFF2-40B4-BE49-F238E27FC236}">
+                <a16:creationId xmlns:a16="http://schemas.microsoft.com/office/drawing/2014/main" id="{05876FAD-8179-62B7-182F-64D75F8BD4E1}"/>
+              </a:ext>
+            </a:extLst>
+          </p:cNvPr>
+          <p:cNvPicPr>
+            <a:picLocks noChangeAspect="1" noChangeArrowheads="1"/>
+          </p:cNvPicPr>
+          <p:nvPr/>
+        </p:nvPicPr>
+        <p:blipFill>
+          <a:blip r:embed="rId4">
+            <a:extLst>
+              <a:ext uri="{28A0092B-C50C-407E-A947-70E740481C1C}">
+                <a14:useLocalDpi xmlns:a14="http://schemas.microsoft.com/office/drawing/2010/main" val="0"/>
+              </a:ext>
+            </a:extLst>
+          </a:blip>
+          <a:srcRect/>
+          <a:stretch>
+            <a:fillRect/>
+          </a:stretch>
+        </p:blipFill>
+        <p:spPr bwMode="auto">
+          <a:xfrm>
+            <a:off x="5410200" y="1005779"/>
+            <a:ext cx="3314700" cy="1166283"/>
+          </a:xfrm>
+          <a:prstGeom prst="rect">
+            <a:avLst/>
+          </a:prstGeom>
+          <a:noFill/>
+          <a:extLst>
+            <a:ext uri="{909E8E84-426E-40DD-AFC4-6F175D3DCCD1}">
+              <a14:hiddenFill xmlns:a14="http://schemas.microsoft.com/office/drawing/2010/main">
+                <a:solidFill>
+                  <a:srgbClr val="FFFFFF"/>
+                </a:solidFill>
+              </a14:hiddenFill>
+            </a:ext>
+          </a:extLst>
+        </p:spPr>
+      </p:pic>
     </p:spTree>
     <p:extLst>
       <p:ext uri="{BB962C8B-B14F-4D97-AF65-F5344CB8AC3E}">
@@ -2960,7 +3588,7 @@
           <a:p>
             <a:r>
               <a:rPr lang="en-AU" dirty="0"/>
-              <a:t>Are good employers good companies – Look within ranked Cos</a:t>
+              <a:t>Are good employers good companies? – Look within Top 100</a:t>
             </a:r>
           </a:p>
         </p:txBody>
@@ -3048,7 +3676,7 @@
             </a:pPr>
             <a:r>
               <a:rPr lang="en-US" b="0" dirty="0"/>
-              <a:t>Bring in finance data via the ticker code to see whether success as an acclaimed employer converts to financial performance.</a:t>
+              <a:t>Approach: Bring in finance data via the ticker code to see whether success as an acclaimed employer converts to financial performance.</a:t>
             </a:r>
           </a:p>
           <a:p>
@@ -3070,249 +3698,6 @@
               <a:defRPr/>
             </a:pPr>
             <a:endParaRPr lang="en-US" dirty="0"/>
-          </a:p>
-          <a:p>
-            <a:pPr algn="l" rtl="0">
-              <a:lnSpc>
-                <a:spcPct val="100000"/>
-              </a:lnSpc>
-              <a:spcBef>
-                <a:spcPts val="0"/>
-              </a:spcBef>
-              <a:spcAft>
-                <a:spcPts val="0"/>
-              </a:spcAft>
-              <a:defRPr/>
-            </a:pPr>
-            <a:r>
-              <a:rPr lang="en-AU" dirty="0"/>
-              <a:t>[Gavin’s  graph here]</a:t>
-            </a:r>
-          </a:p>
-          <a:p>
-            <a:pPr marL="0" marR="0" lvl="0" indent="0" algn="l" defTabSz="914400" rtl="0" eaLnBrk="1" fontAlgn="auto" latinLnBrk="0" hangingPunct="1">
-              <a:lnSpc>
-                <a:spcPct val="100000"/>
-              </a:lnSpc>
-              <a:spcBef>
-                <a:spcPts val="0"/>
-              </a:spcBef>
-              <a:spcAft>
-                <a:spcPts val="0"/>
-              </a:spcAft>
-              <a:buClrTx/>
-              <a:buSzTx/>
-              <a:buFontTx/>
-              <a:buNone/>
-              <a:tabLst/>
-              <a:defRPr/>
-            </a:pPr>
-            <a:endParaRPr lang="en-US" b="0" dirty="0"/>
-          </a:p>
-          <a:p>
-            <a:pPr marL="0" marR="0" lvl="0" indent="0" algn="l" defTabSz="914400" rtl="0" eaLnBrk="1" fontAlgn="auto" latinLnBrk="0" hangingPunct="1">
-              <a:lnSpc>
-                <a:spcPct val="100000"/>
-              </a:lnSpc>
-              <a:spcBef>
-                <a:spcPts val="0"/>
-              </a:spcBef>
-              <a:spcAft>
-                <a:spcPts val="0"/>
-              </a:spcAft>
-              <a:buClrTx/>
-              <a:buSzTx/>
-              <a:buFontTx/>
-              <a:buNone/>
-              <a:tabLst/>
-              <a:defRPr/>
-            </a:pPr>
-            <a:r>
-              <a:rPr lang="en-US" b="0" dirty="0"/>
-              <a:t>Discussion</a:t>
-            </a:r>
-          </a:p>
-          <a:p>
-            <a:pPr marL="0" marR="0" lvl="0" indent="0" algn="l" defTabSz="914400" rtl="0" eaLnBrk="1" fontAlgn="auto" latinLnBrk="0" hangingPunct="1">
-              <a:lnSpc>
-                <a:spcPct val="100000"/>
-              </a:lnSpc>
-              <a:spcBef>
-                <a:spcPts val="0"/>
-              </a:spcBef>
-              <a:spcAft>
-                <a:spcPts val="0"/>
-              </a:spcAft>
-              <a:buClrTx/>
-              <a:buSzTx/>
-              <a:buFontTx/>
-              <a:buNone/>
-              <a:tabLst/>
-              <a:defRPr/>
-            </a:pPr>
-            <a:endParaRPr lang="en-US" dirty="0"/>
-          </a:p>
-          <a:p>
-            <a:pPr marL="0" marR="0" lvl="0" indent="0" algn="l" defTabSz="914400" rtl="0" eaLnBrk="1" fontAlgn="auto" latinLnBrk="0" hangingPunct="1">
-              <a:lnSpc>
-                <a:spcPct val="100000"/>
-              </a:lnSpc>
-              <a:spcBef>
-                <a:spcPts val="0"/>
-              </a:spcBef>
-              <a:spcAft>
-                <a:spcPts val="0"/>
-              </a:spcAft>
-              <a:buClrTx/>
-              <a:buSzTx/>
-              <a:buFontTx/>
-              <a:buNone/>
-              <a:tabLst/>
-              <a:defRPr/>
-            </a:pPr>
-            <a:r>
-              <a:rPr lang="en-US" b="0" dirty="0"/>
-              <a:t>Financial Analysis</a:t>
-            </a:r>
-          </a:p>
-          <a:p>
-            <a:pPr marL="285750" marR="0" lvl="0" indent="-285750" algn="l" defTabSz="914400" rtl="0" eaLnBrk="1" fontAlgn="auto" latinLnBrk="0" hangingPunct="1">
-              <a:lnSpc>
-                <a:spcPct val="100000"/>
-              </a:lnSpc>
-              <a:spcBef>
-                <a:spcPts val="0"/>
-              </a:spcBef>
-              <a:spcAft>
-                <a:spcPts val="0"/>
-              </a:spcAft>
-              <a:buClrTx/>
-              <a:buSzTx/>
-              <a:buFont typeface="Arial" panose="020B0604020202020204" pitchFamily="34" charset="0"/>
-              <a:buChar char="•"/>
-              <a:tabLst/>
-              <a:defRPr/>
-            </a:pPr>
-            <a:r>
-              <a:rPr lang="en-US" b="0" dirty="0"/>
-              <a:t>‘Yahoo Finance’ wrapper</a:t>
-            </a:r>
-          </a:p>
-          <a:p>
-            <a:pPr marL="285750" marR="0" lvl="0" indent="-285750" algn="l" defTabSz="914400" rtl="0" eaLnBrk="1" fontAlgn="auto" latinLnBrk="0" hangingPunct="1">
-              <a:lnSpc>
-                <a:spcPct val="100000"/>
-              </a:lnSpc>
-              <a:spcBef>
-                <a:spcPts val="0"/>
-              </a:spcBef>
-              <a:spcAft>
-                <a:spcPts val="0"/>
-              </a:spcAft>
-              <a:buClrTx/>
-              <a:buSzTx/>
-              <a:buFont typeface="Arial" panose="020B0604020202020204" pitchFamily="34" charset="0"/>
-              <a:buChar char="•"/>
-              <a:tabLst/>
-              <a:defRPr/>
-            </a:pPr>
-            <a:r>
-              <a:rPr lang="en-US" b="0" dirty="0"/>
-              <a:t>Financial measures selected</a:t>
-            </a:r>
-          </a:p>
-          <a:p>
-            <a:pPr marL="285750" marR="0" lvl="0" indent="-285750" algn="l" defTabSz="914400" rtl="0" eaLnBrk="1" fontAlgn="auto" latinLnBrk="0" hangingPunct="1">
-              <a:lnSpc>
-                <a:spcPct val="100000"/>
-              </a:lnSpc>
-              <a:spcBef>
-                <a:spcPts val="0"/>
-              </a:spcBef>
-              <a:spcAft>
-                <a:spcPts val="0"/>
-              </a:spcAft>
-              <a:buClrTx/>
-              <a:buSzTx/>
-              <a:buFont typeface="Arial" panose="020B0604020202020204" pitchFamily="34" charset="0"/>
-              <a:buChar char="•"/>
-              <a:tabLst/>
-              <a:defRPr/>
-            </a:pPr>
-            <a:r>
-              <a:rPr lang="en-US" dirty="0"/>
-              <a:t>D</a:t>
-            </a:r>
-            <a:r>
-              <a:rPr lang="en-US" b="0" dirty="0"/>
-              <a:t>ata cleaning</a:t>
-            </a:r>
-          </a:p>
-          <a:p>
-            <a:pPr marL="285750" marR="0" lvl="0" indent="-285750" algn="l" defTabSz="914400" rtl="0" eaLnBrk="1" fontAlgn="auto" latinLnBrk="0" hangingPunct="1">
-              <a:lnSpc>
-                <a:spcPct val="100000"/>
-              </a:lnSpc>
-              <a:spcBef>
-                <a:spcPts val="0"/>
-              </a:spcBef>
-              <a:spcAft>
-                <a:spcPts val="0"/>
-              </a:spcAft>
-              <a:buClrTx/>
-              <a:buSzTx/>
-              <a:buFont typeface="Arial" panose="020B0604020202020204" pitchFamily="34" charset="0"/>
-              <a:buChar char="•"/>
-              <a:tabLst/>
-              <a:defRPr/>
-            </a:pPr>
-            <a:r>
-              <a:rPr lang="en-US" dirty="0"/>
-              <a:t>R</a:t>
-            </a:r>
-            <a:r>
-              <a:rPr lang="en-US" b="0" dirty="0"/>
-              <a:t>esults</a:t>
-            </a:r>
-          </a:p>
-          <a:p>
-            <a:pPr marR="0" lvl="0" algn="l" defTabSz="914400" rtl="0" eaLnBrk="1" fontAlgn="auto" latinLnBrk="0" hangingPunct="1">
-              <a:lnSpc>
-                <a:spcPct val="100000"/>
-              </a:lnSpc>
-              <a:spcBef>
-                <a:spcPts val="0"/>
-              </a:spcBef>
-              <a:spcAft>
-                <a:spcPts val="0"/>
-              </a:spcAft>
-              <a:buClrTx/>
-              <a:buSzTx/>
-              <a:tabLst/>
-              <a:defRPr/>
-            </a:pPr>
-            <a:endParaRPr lang="en-US" dirty="0"/>
-          </a:p>
-          <a:p>
-            <a:pPr marR="0" lvl="0" algn="l" defTabSz="914400" rtl="0" eaLnBrk="1" fontAlgn="auto" latinLnBrk="0" hangingPunct="1">
-              <a:lnSpc>
-                <a:spcPct val="100000"/>
-              </a:lnSpc>
-              <a:spcBef>
-                <a:spcPts val="0"/>
-              </a:spcBef>
-              <a:spcAft>
-                <a:spcPts val="0"/>
-              </a:spcAft>
-              <a:buClrTx/>
-              <a:buSzTx/>
-              <a:tabLst/>
-              <a:defRPr/>
-            </a:pPr>
-            <a:r>
-              <a:rPr lang="en-US" b="0" dirty="0"/>
-              <a:t>Conclusions</a:t>
-            </a:r>
           </a:p>
           <a:p>
             <a:pPr marL="285750" marR="0" lvl="0" indent="-285750" algn="l" defTabSz="914400" rtl="0" eaLnBrk="1" fontAlgn="auto" latinLnBrk="0" hangingPunct="1">
@@ -3391,6 +3776,42 @@
           </a:p>
         </p:txBody>
       </p:sp>
+      <p:pic>
+        <p:nvPicPr>
+          <p:cNvPr id="8" name="Picture 7">
+            <a:extLst>
+              <a:ext uri="{FF2B5EF4-FFF2-40B4-BE49-F238E27FC236}">
+                <a16:creationId xmlns:a16="http://schemas.microsoft.com/office/drawing/2014/main" id="{9BB8733A-1BCF-EC68-9D30-E5F88D1DC345}"/>
+              </a:ext>
+            </a:extLst>
+          </p:cNvPr>
+          <p:cNvPicPr>
+            <a:picLocks noChangeAspect="1"/>
+          </p:cNvPicPr>
+          <p:nvPr/>
+        </p:nvPicPr>
+        <p:blipFill>
+          <a:blip r:embed="rId3">
+            <a:extLst>
+              <a:ext uri="{28A0092B-C50C-407E-A947-70E740481C1C}">
+                <a14:useLocalDpi xmlns:a14="http://schemas.microsoft.com/office/drawing/2010/main" val="0"/>
+              </a:ext>
+            </a:extLst>
+          </a:blip>
+          <a:stretch>
+            <a:fillRect/>
+          </a:stretch>
+        </p:blipFill>
+        <p:spPr>
+          <a:xfrm>
+            <a:off x="1638300" y="1788225"/>
+            <a:ext cx="5867400" cy="3009200"/>
+          </a:xfrm>
+          <a:prstGeom prst="rect">
+            <a:avLst/>
+          </a:prstGeom>
+        </p:spPr>
+      </p:pic>
     </p:spTree>
     <p:extLst>
       <p:ext uri="{BB962C8B-B14F-4D97-AF65-F5344CB8AC3E}">
@@ -3449,7 +3870,7 @@
           <a:p>
             <a:r>
               <a:rPr lang="en-AU" dirty="0"/>
-              <a:t>Are good employers good companies – Look at sector peers</a:t>
+              <a:t>Are good employers good companies? – Look within Top 100</a:t>
             </a:r>
           </a:p>
         </p:txBody>
@@ -3470,7 +3891,12 @@
             <p:ph sz="quarter" idx="15"/>
           </p:nvPr>
         </p:nvSpPr>
-        <p:spPr/>
+        <p:spPr>
+          <a:xfrm>
+            <a:off x="235753" y="674803"/>
+            <a:ext cx="8260080" cy="351056"/>
+          </a:xfrm>
+        </p:spPr>
         <p:txBody>
           <a:bodyPr/>
           <a:lstStyle/>
@@ -3494,7 +3920,7 @@
             </a:pPr>
             <a:r>
               <a:rPr lang="en-US" b="0" dirty="0"/>
-              <a:t>Source : Nasdaq API data feed</a:t>
+              <a:t>Approach: Plot the employer rankings/ratings against chosen financial metrics</a:t>
             </a:r>
           </a:p>
           <a:p>
@@ -3516,300 +3942,6 @@
               <a:defRPr/>
             </a:pPr>
             <a:endParaRPr lang="en-US" dirty="0"/>
-          </a:p>
-          <a:p>
-            <a:pPr marL="0" marR="0" lvl="0" indent="0" algn="l" defTabSz="914400" rtl="0" eaLnBrk="1" fontAlgn="auto" latinLnBrk="0" hangingPunct="1">
-              <a:lnSpc>
-                <a:spcPct val="100000"/>
-              </a:lnSpc>
-              <a:spcBef>
-                <a:spcPts val="0"/>
-              </a:spcBef>
-              <a:spcAft>
-                <a:spcPts val="0"/>
-              </a:spcAft>
-              <a:buClrTx/>
-              <a:buSzTx/>
-              <a:buFontTx/>
-              <a:buNone/>
-              <a:tabLst/>
-              <a:defRPr/>
-            </a:pPr>
-            <a:r>
-              <a:rPr lang="en-US" b="0" dirty="0"/>
-              <a:t>Bring in finance data via the ticker code to see whether success as an acclaimed employer converts to financial performance.</a:t>
-            </a:r>
-          </a:p>
-          <a:p>
-            <a:pPr marL="0" marR="0" lvl="0" indent="0" algn="l" defTabSz="914400" rtl="0" eaLnBrk="1" fontAlgn="auto" latinLnBrk="0" hangingPunct="1">
-              <a:lnSpc>
-                <a:spcPct val="100000"/>
-              </a:lnSpc>
-              <a:spcBef>
-                <a:spcPts val="0"/>
-              </a:spcBef>
-              <a:spcAft>
-                <a:spcPts val="0"/>
-              </a:spcAft>
-              <a:buClrTx/>
-              <a:buSzTx/>
-              <a:buFontTx/>
-              <a:buNone/>
-              <a:tabLst/>
-              <a:defRPr/>
-            </a:pPr>
-            <a:endParaRPr lang="en-US" dirty="0"/>
-          </a:p>
-          <a:p>
-            <a:pPr algn="l" rtl="0">
-              <a:lnSpc>
-                <a:spcPct val="100000"/>
-              </a:lnSpc>
-              <a:spcBef>
-                <a:spcPts val="0"/>
-              </a:spcBef>
-              <a:spcAft>
-                <a:spcPts val="0"/>
-              </a:spcAft>
-              <a:defRPr/>
-            </a:pPr>
-            <a:r>
-              <a:rPr lang="en-AU" dirty="0"/>
-              <a:t>[Javier’s  graph here]</a:t>
-            </a:r>
-          </a:p>
-          <a:p>
-            <a:pPr marL="0" marR="0" lvl="0" indent="0" algn="l" defTabSz="914400" rtl="0" eaLnBrk="1" fontAlgn="auto" latinLnBrk="0" hangingPunct="1">
-              <a:lnSpc>
-                <a:spcPct val="100000"/>
-              </a:lnSpc>
-              <a:spcBef>
-                <a:spcPts val="0"/>
-              </a:spcBef>
-              <a:spcAft>
-                <a:spcPts val="0"/>
-              </a:spcAft>
-              <a:buClrTx/>
-              <a:buSzTx/>
-              <a:buFontTx/>
-              <a:buNone/>
-              <a:tabLst/>
-              <a:defRPr/>
-            </a:pPr>
-            <a:endParaRPr lang="en-US" b="0" dirty="0"/>
-          </a:p>
-          <a:p>
-            <a:pPr marL="0" marR="0" lvl="0" indent="0" algn="l" defTabSz="914400" rtl="0" eaLnBrk="1" fontAlgn="auto" latinLnBrk="0" hangingPunct="1">
-              <a:lnSpc>
-                <a:spcPct val="100000"/>
-              </a:lnSpc>
-              <a:spcBef>
-                <a:spcPts val="0"/>
-              </a:spcBef>
-              <a:spcAft>
-                <a:spcPts val="0"/>
-              </a:spcAft>
-              <a:buClrTx/>
-              <a:buSzTx/>
-              <a:buFontTx/>
-              <a:buNone/>
-              <a:tabLst/>
-              <a:defRPr/>
-            </a:pPr>
-            <a:r>
-              <a:rPr lang="en-US" b="0" dirty="0"/>
-              <a:t>Discussion</a:t>
-            </a:r>
-          </a:p>
-          <a:p>
-            <a:pPr marL="0" marR="0" lvl="0" indent="0" algn="l" defTabSz="914400" rtl="0" eaLnBrk="1" fontAlgn="auto" latinLnBrk="0" hangingPunct="1">
-              <a:lnSpc>
-                <a:spcPct val="100000"/>
-              </a:lnSpc>
-              <a:spcBef>
-                <a:spcPts val="0"/>
-              </a:spcBef>
-              <a:spcAft>
-                <a:spcPts val="0"/>
-              </a:spcAft>
-              <a:buClrTx/>
-              <a:buSzTx/>
-              <a:buFontTx/>
-              <a:buNone/>
-              <a:tabLst/>
-              <a:defRPr/>
-            </a:pPr>
-            <a:endParaRPr lang="en-US" dirty="0"/>
-          </a:p>
-          <a:p>
-            <a:pPr marL="0" marR="0" lvl="0" indent="0" algn="l" defTabSz="914400" rtl="0" eaLnBrk="1" fontAlgn="auto" latinLnBrk="0" hangingPunct="1">
-              <a:lnSpc>
-                <a:spcPct val="100000"/>
-              </a:lnSpc>
-              <a:spcBef>
-                <a:spcPts val="0"/>
-              </a:spcBef>
-              <a:spcAft>
-                <a:spcPts val="0"/>
-              </a:spcAft>
-              <a:buClrTx/>
-              <a:buSzTx/>
-              <a:buFontTx/>
-              <a:buNone/>
-              <a:tabLst/>
-              <a:defRPr/>
-            </a:pPr>
-            <a:r>
-              <a:rPr lang="en-US" b="0" dirty="0"/>
-              <a:t>Financial Analysis</a:t>
-            </a:r>
-          </a:p>
-          <a:p>
-            <a:pPr marL="285750" marR="0" lvl="0" indent="-285750" algn="l" defTabSz="914400" rtl="0" eaLnBrk="1" fontAlgn="auto" latinLnBrk="0" hangingPunct="1">
-              <a:lnSpc>
-                <a:spcPct val="100000"/>
-              </a:lnSpc>
-              <a:spcBef>
-                <a:spcPts val="0"/>
-              </a:spcBef>
-              <a:spcAft>
-                <a:spcPts val="0"/>
-              </a:spcAft>
-              <a:buClrTx/>
-              <a:buSzTx/>
-              <a:buFont typeface="Arial" panose="020B0604020202020204" pitchFamily="34" charset="0"/>
-              <a:buChar char="•"/>
-              <a:tabLst/>
-              <a:defRPr/>
-            </a:pPr>
-            <a:r>
-              <a:rPr lang="en-US" b="0" dirty="0"/>
-              <a:t>‘Nasdaq API’ and ’</a:t>
-            </a:r>
-            <a:r>
-              <a:rPr lang="en-US" b="0" dirty="0" err="1"/>
-              <a:t>Mergent</a:t>
-            </a:r>
-            <a:r>
-              <a:rPr lang="en-US" b="0" dirty="0"/>
-              <a:t> Global Finance’ data feed</a:t>
-            </a:r>
-          </a:p>
-          <a:p>
-            <a:pPr marL="285750" marR="0" lvl="0" indent="-285750" algn="l" defTabSz="914400" rtl="0" eaLnBrk="1" fontAlgn="auto" latinLnBrk="0" hangingPunct="1">
-              <a:lnSpc>
-                <a:spcPct val="100000"/>
-              </a:lnSpc>
-              <a:spcBef>
-                <a:spcPts val="0"/>
-              </a:spcBef>
-              <a:spcAft>
-                <a:spcPts val="0"/>
-              </a:spcAft>
-              <a:buClrTx/>
-              <a:buSzTx/>
-              <a:buFont typeface="Arial" panose="020B0604020202020204" pitchFamily="34" charset="0"/>
-              <a:buChar char="•"/>
-              <a:tabLst/>
-              <a:defRPr/>
-            </a:pPr>
-            <a:r>
-              <a:rPr lang="en-US" b="0" dirty="0"/>
-              <a:t>Financial measures selected</a:t>
-            </a:r>
-          </a:p>
-          <a:p>
-            <a:pPr marL="285750" marR="0" lvl="0" indent="-285750" algn="l" defTabSz="914400" rtl="0" eaLnBrk="1" fontAlgn="auto" latinLnBrk="0" hangingPunct="1">
-              <a:lnSpc>
-                <a:spcPct val="100000"/>
-              </a:lnSpc>
-              <a:spcBef>
-                <a:spcPts val="0"/>
-              </a:spcBef>
-              <a:spcAft>
-                <a:spcPts val="0"/>
-              </a:spcAft>
-              <a:buClrTx/>
-              <a:buSzTx/>
-              <a:buFont typeface="Arial" panose="020B0604020202020204" pitchFamily="34" charset="0"/>
-              <a:buChar char="•"/>
-              <a:tabLst/>
-              <a:defRPr/>
-            </a:pPr>
-            <a:r>
-              <a:rPr lang="en-US" dirty="0"/>
-              <a:t>D</a:t>
-            </a:r>
-            <a:r>
-              <a:rPr lang="en-US" b="0" dirty="0"/>
-              <a:t>ata cleaning</a:t>
-            </a:r>
-          </a:p>
-          <a:p>
-            <a:pPr marL="285750" marR="0" lvl="0" indent="-285750" algn="l" defTabSz="914400" rtl="0" eaLnBrk="1" fontAlgn="auto" latinLnBrk="0" hangingPunct="1">
-              <a:lnSpc>
-                <a:spcPct val="100000"/>
-              </a:lnSpc>
-              <a:spcBef>
-                <a:spcPts val="0"/>
-              </a:spcBef>
-              <a:spcAft>
-                <a:spcPts val="0"/>
-              </a:spcAft>
-              <a:buClrTx/>
-              <a:buSzTx/>
-              <a:buFont typeface="Arial" panose="020B0604020202020204" pitchFamily="34" charset="0"/>
-              <a:buChar char="•"/>
-              <a:tabLst/>
-              <a:defRPr/>
-            </a:pPr>
-            <a:r>
-              <a:rPr lang="en-US" dirty="0"/>
-              <a:t>R</a:t>
-            </a:r>
-            <a:r>
-              <a:rPr lang="en-US" b="0" dirty="0"/>
-              <a:t>esults</a:t>
-            </a:r>
-          </a:p>
-          <a:p>
-            <a:pPr marR="0" lvl="0" algn="l" defTabSz="914400" rtl="0" eaLnBrk="1" fontAlgn="auto" latinLnBrk="0" hangingPunct="1">
-              <a:lnSpc>
-                <a:spcPct val="100000"/>
-              </a:lnSpc>
-              <a:spcBef>
-                <a:spcPts val="0"/>
-              </a:spcBef>
-              <a:spcAft>
-                <a:spcPts val="0"/>
-              </a:spcAft>
-              <a:buClrTx/>
-              <a:buSzTx/>
-              <a:tabLst/>
-              <a:defRPr/>
-            </a:pPr>
-            <a:endParaRPr lang="en-US" dirty="0"/>
-          </a:p>
-          <a:p>
-            <a:pPr marR="0" lvl="0" algn="l" defTabSz="914400" rtl="0" eaLnBrk="1" fontAlgn="auto" latinLnBrk="0" hangingPunct="1">
-              <a:lnSpc>
-                <a:spcPct val="100000"/>
-              </a:lnSpc>
-              <a:spcBef>
-                <a:spcPts val="0"/>
-              </a:spcBef>
-              <a:spcAft>
-                <a:spcPts val="0"/>
-              </a:spcAft>
-              <a:buClrTx/>
-              <a:buSzTx/>
-              <a:tabLst/>
-              <a:defRPr/>
-            </a:pPr>
-            <a:r>
-              <a:rPr lang="en-US" b="0" dirty="0"/>
-              <a:t>Conclusions</a:t>
-            </a:r>
           </a:p>
           <a:p>
             <a:pPr marL="285750" marR="0" lvl="0" indent="-285750" algn="l" defTabSz="914400" rtl="0" eaLnBrk="1" fontAlgn="auto" latinLnBrk="0" hangingPunct="1">
@@ -3888,10 +4020,82 @@
           </a:p>
         </p:txBody>
       </p:sp>
+      <p:pic>
+        <p:nvPicPr>
+          <p:cNvPr id="11" name="Picture 10">
+            <a:extLst>
+              <a:ext uri="{FF2B5EF4-FFF2-40B4-BE49-F238E27FC236}">
+                <a16:creationId xmlns:a16="http://schemas.microsoft.com/office/drawing/2014/main" id="{329C1BBD-F345-7D41-C7DC-F9312132CB71}"/>
+              </a:ext>
+            </a:extLst>
+          </p:cNvPr>
+          <p:cNvPicPr>
+            <a:picLocks noChangeAspect="1"/>
+          </p:cNvPicPr>
+          <p:nvPr/>
+        </p:nvPicPr>
+        <p:blipFill>
+          <a:blip r:embed="rId3">
+            <a:extLst>
+              <a:ext uri="{28A0092B-C50C-407E-A947-70E740481C1C}">
+                <a14:useLocalDpi xmlns:a14="http://schemas.microsoft.com/office/drawing/2010/main" val="0"/>
+              </a:ext>
+            </a:extLst>
+          </a:blip>
+          <a:stretch>
+            <a:fillRect/>
+          </a:stretch>
+        </p:blipFill>
+        <p:spPr>
+          <a:xfrm>
+            <a:off x="260658" y="997313"/>
+            <a:ext cx="4768542" cy="4000838"/>
+          </a:xfrm>
+          <a:prstGeom prst="rect">
+            <a:avLst/>
+          </a:prstGeom>
+        </p:spPr>
+      </p:pic>
+      <p:pic>
+        <p:nvPicPr>
+          <p:cNvPr id="13" name="Picture 12">
+            <a:extLst>
+              <a:ext uri="{FF2B5EF4-FFF2-40B4-BE49-F238E27FC236}">
+                <a16:creationId xmlns:a16="http://schemas.microsoft.com/office/drawing/2014/main" id="{5E342BA6-E8E7-1478-31F1-48BE62104971}"/>
+              </a:ext>
+            </a:extLst>
+          </p:cNvPr>
+          <p:cNvPicPr>
+            <a:picLocks noChangeAspect="1"/>
+          </p:cNvPicPr>
+          <p:nvPr/>
+        </p:nvPicPr>
+        <p:blipFill>
+          <a:blip r:embed="rId4">
+            <a:extLst>
+              <a:ext uri="{28A0092B-C50C-407E-A947-70E740481C1C}">
+                <a14:useLocalDpi xmlns:a14="http://schemas.microsoft.com/office/drawing/2010/main" val="0"/>
+              </a:ext>
+            </a:extLst>
+          </a:blip>
+          <a:stretch>
+            <a:fillRect/>
+          </a:stretch>
+        </p:blipFill>
+        <p:spPr>
+          <a:xfrm>
+            <a:off x="5410200" y="1829657"/>
+            <a:ext cx="3237301" cy="2364695"/>
+          </a:xfrm>
+          <a:prstGeom prst="rect">
+            <a:avLst/>
+          </a:prstGeom>
+        </p:spPr>
+      </p:pic>
     </p:spTree>
     <p:extLst>
       <p:ext uri="{BB962C8B-B14F-4D97-AF65-F5344CB8AC3E}">
-        <p14:creationId xmlns:p14="http://schemas.microsoft.com/office/powerpoint/2010/main" val="1011321571"/>
+        <p14:creationId xmlns:p14="http://schemas.microsoft.com/office/powerpoint/2010/main" val="2498522498"/>
       </p:ext>
     </p:extLst>
   </p:cSld>
@@ -3923,7 +4127,7 @@
           <p:cNvPr id="2" name="Title 1">
             <a:extLst>
               <a:ext uri="{FF2B5EF4-FFF2-40B4-BE49-F238E27FC236}">
-                <a16:creationId xmlns:a16="http://schemas.microsoft.com/office/drawing/2014/main" id="{701B6E93-FFD4-862D-8372-D965E3154947}"/>
+                <a16:creationId xmlns:a16="http://schemas.microsoft.com/office/drawing/2014/main" id="{34FB3A1B-C244-4590-DA7E-2448C607EAA4}"/>
               </a:ext>
             </a:extLst>
           </p:cNvPr>
@@ -3934,14 +4138,19 @@
             <p:ph type="title"/>
           </p:nvPr>
         </p:nvSpPr>
-        <p:spPr/>
+        <p:spPr>
+          <a:xfrm>
+            <a:off x="304800" y="224261"/>
+            <a:ext cx="8636104" cy="351056"/>
+          </a:xfrm>
+        </p:spPr>
         <p:txBody>
           <a:bodyPr/>
           <a:lstStyle/>
           <a:p>
             <a:r>
               <a:rPr lang="en-AU" dirty="0"/>
-              <a:t>Other factor contributing to being good employer</a:t>
+              <a:t>Are good employers good companies – Look at sector peers</a:t>
             </a:r>
           </a:p>
         </p:txBody>
@@ -3951,7 +4160,7 @@
           <p:cNvPr id="3" name="Content Placeholder 2">
             <a:extLst>
               <a:ext uri="{FF2B5EF4-FFF2-40B4-BE49-F238E27FC236}">
-                <a16:creationId xmlns:a16="http://schemas.microsoft.com/office/drawing/2014/main" id="{3DEF607B-8E14-862E-0DFE-14BF68696A13}"/>
+                <a16:creationId xmlns:a16="http://schemas.microsoft.com/office/drawing/2014/main" id="{7011FF0D-23C9-C092-C6FB-006D5A703A81}"/>
               </a:ext>
             </a:extLst>
           </p:cNvPr>
@@ -3967,36 +4176,6 @@
           <a:bodyPr/>
           <a:lstStyle/>
           <a:p>
-            <a:r>
-              <a:rPr lang="en-AU" dirty="0"/>
-              <a:t>Analyse demographics for country of HQ</a:t>
-            </a:r>
-          </a:p>
-          <a:p>
-            <a:endParaRPr lang="en-AU" dirty="0"/>
-          </a:p>
-          <a:p>
-            <a:endParaRPr lang="en-AU" dirty="0"/>
-          </a:p>
-          <a:p>
-            <a:pPr algn="l" rtl="0">
-              <a:lnSpc>
-                <a:spcPct val="100000"/>
-              </a:lnSpc>
-              <a:spcBef>
-                <a:spcPts val="0"/>
-              </a:spcBef>
-              <a:spcAft>
-                <a:spcPts val="0"/>
-              </a:spcAft>
-              <a:defRPr/>
-            </a:pPr>
-            <a:r>
-              <a:rPr lang="en-AU" dirty="0"/>
-              <a:t>[Rohan’s  graphs here]</a:t>
-            </a:r>
-          </a:p>
-          <a:p>
             <a:pPr marL="0" marR="0" lvl="0" indent="0" algn="l" defTabSz="914400" rtl="0" eaLnBrk="1" fontAlgn="auto" latinLnBrk="0" hangingPunct="1">
               <a:lnSpc>
                 <a:spcPct val="100000"/>
@@ -4014,7 +4193,10 @@
               <a:tabLst/>
               <a:defRPr/>
             </a:pPr>
-            <a:endParaRPr lang="en-US" b="0" dirty="0"/>
+            <a:r>
+              <a:rPr lang="en-US" b="0" dirty="0"/>
+              <a:t>Source : Nasdaq API data feed</a:t>
+            </a:r>
           </a:p>
           <a:p>
             <a:pPr marL="0" marR="0" lvl="0" indent="0" algn="l" defTabSz="914400" rtl="0" eaLnBrk="1" fontAlgn="auto" latinLnBrk="0" hangingPunct="1">
@@ -4034,6 +4216,107 @@
               <a:tabLst/>
               <a:defRPr/>
             </a:pPr>
+            <a:endParaRPr lang="en-US" dirty="0"/>
+          </a:p>
+          <a:p>
+            <a:pPr marL="0" marR="0" lvl="0" indent="0" algn="l" defTabSz="914400" rtl="0" eaLnBrk="1" fontAlgn="auto" latinLnBrk="0" hangingPunct="1">
+              <a:lnSpc>
+                <a:spcPct val="100000"/>
+              </a:lnSpc>
+              <a:spcBef>
+                <a:spcPts val="0"/>
+              </a:spcBef>
+              <a:spcAft>
+                <a:spcPts val="0"/>
+              </a:spcAft>
+              <a:buClrTx/>
+              <a:buSzTx/>
+              <a:buFontTx/>
+              <a:buNone/>
+              <a:tabLst/>
+              <a:defRPr/>
+            </a:pPr>
+            <a:r>
+              <a:rPr lang="en-US" b="0" dirty="0"/>
+              <a:t>Bring in finance data via the ticker code to see whether success as an acclaimed employer converts to financial performance.</a:t>
+            </a:r>
+          </a:p>
+          <a:p>
+            <a:pPr marL="0" marR="0" lvl="0" indent="0" algn="l" defTabSz="914400" rtl="0" eaLnBrk="1" fontAlgn="auto" latinLnBrk="0" hangingPunct="1">
+              <a:lnSpc>
+                <a:spcPct val="100000"/>
+              </a:lnSpc>
+              <a:spcBef>
+                <a:spcPts val="0"/>
+              </a:spcBef>
+              <a:spcAft>
+                <a:spcPts val="0"/>
+              </a:spcAft>
+              <a:buClrTx/>
+              <a:buSzTx/>
+              <a:buFontTx/>
+              <a:buNone/>
+              <a:tabLst/>
+              <a:defRPr/>
+            </a:pPr>
+            <a:endParaRPr lang="en-US" dirty="0"/>
+          </a:p>
+          <a:p>
+            <a:pPr algn="l" rtl="0">
+              <a:lnSpc>
+                <a:spcPct val="100000"/>
+              </a:lnSpc>
+              <a:spcBef>
+                <a:spcPts val="0"/>
+              </a:spcBef>
+              <a:spcAft>
+                <a:spcPts val="0"/>
+              </a:spcAft>
+              <a:defRPr/>
+            </a:pPr>
+            <a:r>
+              <a:rPr lang="en-AU" dirty="0"/>
+              <a:t>[Javier’s  graph here]</a:t>
+            </a:r>
+          </a:p>
+          <a:p>
+            <a:pPr marL="0" marR="0" lvl="0" indent="0" algn="l" defTabSz="914400" rtl="0" eaLnBrk="1" fontAlgn="auto" latinLnBrk="0" hangingPunct="1">
+              <a:lnSpc>
+                <a:spcPct val="100000"/>
+              </a:lnSpc>
+              <a:spcBef>
+                <a:spcPts val="0"/>
+              </a:spcBef>
+              <a:spcAft>
+                <a:spcPts val="0"/>
+              </a:spcAft>
+              <a:buClrTx/>
+              <a:buSzTx/>
+              <a:buFontTx/>
+              <a:buNone/>
+              <a:tabLst/>
+              <a:defRPr/>
+            </a:pPr>
+            <a:endParaRPr lang="en-US" b="0" dirty="0"/>
+          </a:p>
+          <a:p>
+            <a:pPr marL="0" marR="0" lvl="0" indent="0" algn="l" defTabSz="914400" rtl="0" eaLnBrk="1" fontAlgn="auto" latinLnBrk="0" hangingPunct="1">
+              <a:lnSpc>
+                <a:spcPct val="100000"/>
+              </a:lnSpc>
+              <a:spcBef>
+                <a:spcPts val="0"/>
+              </a:spcBef>
+              <a:spcAft>
+                <a:spcPts val="0"/>
+              </a:spcAft>
+              <a:buClrTx/>
+              <a:buSzTx/>
+              <a:buFontTx/>
+              <a:buNone/>
+              <a:tabLst/>
+              <a:defRPr/>
+            </a:pPr>
             <a:r>
               <a:rPr lang="en-US" b="0" dirty="0"/>
               <a:t>Discussion</a:t>
@@ -4079,7 +4362,7 @@
             </a:pPr>
             <a:r>
               <a:rPr lang="en-US" b="0" dirty="0"/>
-              <a:t>Country Analysis</a:t>
+              <a:t>Financial Analysis</a:t>
             </a:r>
           </a:p>
           <a:p>
@@ -4102,7 +4385,92 @@
             </a:pPr>
             <a:r>
               <a:rPr lang="en-US" b="0" dirty="0"/>
-              <a:t>Any country-specific qualities affecting company performance in Forbes ranking or Glassdoor scores</a:t>
+              <a:t>‘Nasdaq API’ and ’</a:t>
+            </a:r>
+            <a:r>
+              <a:rPr lang="en-US" b="0" dirty="0" err="1"/>
+              <a:t>Mergent</a:t>
+            </a:r>
+            <a:r>
+              <a:rPr lang="en-US" b="0" dirty="0"/>
+              <a:t> Global Finance’ data feed</a:t>
+            </a:r>
+          </a:p>
+          <a:p>
+            <a:pPr marL="285750" marR="0" lvl="0" indent="-285750" algn="l" defTabSz="914400" rtl="0" eaLnBrk="1" fontAlgn="auto" latinLnBrk="0" hangingPunct="1">
+              <a:lnSpc>
+                <a:spcPct val="100000"/>
+              </a:lnSpc>
+              <a:spcBef>
+                <a:spcPts val="0"/>
+              </a:spcBef>
+              <a:spcAft>
+                <a:spcPts val="0"/>
+              </a:spcAft>
+              <a:buClrTx/>
+              <a:buSzTx/>
+              <a:buFont typeface="Arial" panose="020B0604020202020204" pitchFamily="34" charset="0"/>
+              <a:buChar char="•"/>
+              <a:tabLst/>
+              <a:defRPr/>
+            </a:pPr>
+            <a:r>
+              <a:rPr lang="en-US" b="0" dirty="0"/>
+              <a:t>Financial measures selected</a:t>
+            </a:r>
+          </a:p>
+          <a:p>
+            <a:pPr marL="285750" marR="0" lvl="0" indent="-285750" algn="l" defTabSz="914400" rtl="0" eaLnBrk="1" fontAlgn="auto" latinLnBrk="0" hangingPunct="1">
+              <a:lnSpc>
+                <a:spcPct val="100000"/>
+              </a:lnSpc>
+              <a:spcBef>
+                <a:spcPts val="0"/>
+              </a:spcBef>
+              <a:spcAft>
+                <a:spcPts val="0"/>
+              </a:spcAft>
+              <a:buClrTx/>
+              <a:buSzTx/>
+              <a:buFont typeface="Arial" panose="020B0604020202020204" pitchFamily="34" charset="0"/>
+              <a:buChar char="•"/>
+              <a:tabLst/>
+              <a:defRPr/>
+            </a:pPr>
+            <a:r>
+              <a:rPr lang="en-US" dirty="0"/>
+              <a:t>D</a:t>
+            </a:r>
+            <a:r>
+              <a:rPr lang="en-US" b="0" dirty="0"/>
+              <a:t>ata cleaning</a:t>
+            </a:r>
+          </a:p>
+          <a:p>
+            <a:pPr marL="285750" marR="0" lvl="0" indent="-285750" algn="l" defTabSz="914400" rtl="0" eaLnBrk="1" fontAlgn="auto" latinLnBrk="0" hangingPunct="1">
+              <a:lnSpc>
+                <a:spcPct val="100000"/>
+              </a:lnSpc>
+              <a:spcBef>
+                <a:spcPts val="0"/>
+              </a:spcBef>
+              <a:spcAft>
+                <a:spcPts val="0"/>
+              </a:spcAft>
+              <a:buClrTx/>
+              <a:buSzTx/>
+              <a:buFont typeface="Arial" panose="020B0604020202020204" pitchFamily="34" charset="0"/>
+              <a:buChar char="•"/>
+              <a:tabLst/>
+              <a:defRPr/>
+            </a:pPr>
+            <a:r>
+              <a:rPr lang="en-US" dirty="0"/>
+              <a:t>R</a:t>
+            </a:r>
+            <a:r>
+              <a:rPr lang="en-US" b="0" dirty="0"/>
+              <a:t>esults</a:t>
             </a:r>
           </a:p>
           <a:p>
@@ -4145,7 +4513,44 @@
             </a:r>
           </a:p>
           <a:p>
-            <a:endParaRPr lang="en-AU" dirty="0"/>
+            <a:pPr marL="285750" marR="0" lvl="0" indent="-285750" algn="l" defTabSz="914400" rtl="0" eaLnBrk="1" fontAlgn="auto" latinLnBrk="0" hangingPunct="1">
+              <a:lnSpc>
+                <a:spcPct val="100000"/>
+              </a:lnSpc>
+              <a:spcBef>
+                <a:spcPts val="0"/>
+              </a:spcBef>
+              <a:spcAft>
+                <a:spcPts val="0"/>
+              </a:spcAft>
+              <a:buClrTx/>
+              <a:buSzTx/>
+              <a:buFont typeface="Arial" panose="020B0604020202020204" pitchFamily="34" charset="0"/>
+              <a:buChar char="•"/>
+              <a:tabLst/>
+              <a:defRPr/>
+            </a:pPr>
+            <a:endParaRPr lang="en-US" b="0" dirty="0"/>
+          </a:p>
+          <a:p>
+            <a:pPr marL="285750" marR="0" lvl="0" indent="-285750" algn="l" defTabSz="914400" rtl="0" eaLnBrk="1" fontAlgn="auto" latinLnBrk="0" hangingPunct="1">
+              <a:lnSpc>
+                <a:spcPct val="100000"/>
+              </a:lnSpc>
+              <a:spcBef>
+                <a:spcPts val="0"/>
+              </a:spcBef>
+              <a:spcAft>
+                <a:spcPts val="0"/>
+              </a:spcAft>
+              <a:buClrTx/>
+              <a:buSzTx/>
+              <a:buFont typeface="Arial" panose="020B0604020202020204" pitchFamily="34" charset="0"/>
+              <a:buChar char="•"/>
+              <a:tabLst/>
+              <a:defRPr/>
+            </a:pPr>
+            <a:endParaRPr lang="en-US" b="0" dirty="0"/>
           </a:p>
         </p:txBody>
       </p:sp>
@@ -4154,7 +4559,7 @@
           <p:cNvPr id="4" name="Slide Number Placeholder 3">
             <a:extLst>
               <a:ext uri="{FF2B5EF4-FFF2-40B4-BE49-F238E27FC236}">
-                <a16:creationId xmlns:a16="http://schemas.microsoft.com/office/drawing/2014/main" id="{1FE8C455-97BF-6B95-5335-911BD4DB4D59}"/>
+                <a16:creationId xmlns:a16="http://schemas.microsoft.com/office/drawing/2014/main" id="{8A6E1B47-09E8-4494-59A8-65DB94E69513}"/>
               </a:ext>
             </a:extLst>
           </p:cNvPr>
@@ -4187,7 +4592,7 @@
     </p:spTree>
     <p:extLst>
       <p:ext uri="{BB962C8B-B14F-4D97-AF65-F5344CB8AC3E}">
-        <p14:creationId xmlns:p14="http://schemas.microsoft.com/office/powerpoint/2010/main" val="684092711"/>
+        <p14:creationId xmlns:p14="http://schemas.microsoft.com/office/powerpoint/2010/main" val="1011321571"/>
       </p:ext>
     </p:extLst>
   </p:cSld>
@@ -4219,6 +4624,302 @@
           <p:cNvPr id="2" name="Title 1">
             <a:extLst>
               <a:ext uri="{FF2B5EF4-FFF2-40B4-BE49-F238E27FC236}">
+                <a16:creationId xmlns:a16="http://schemas.microsoft.com/office/drawing/2014/main" id="{701B6E93-FFD4-862D-8372-D965E3154947}"/>
+              </a:ext>
+            </a:extLst>
+          </p:cNvPr>
+          <p:cNvSpPr>
+            <a:spLocks noGrp="1"/>
+          </p:cNvSpPr>
+          <p:nvPr>
+            <p:ph type="title"/>
+          </p:nvPr>
+        </p:nvSpPr>
+        <p:spPr/>
+        <p:txBody>
+          <a:bodyPr/>
+          <a:lstStyle/>
+          <a:p>
+            <a:r>
+              <a:rPr lang="en-AU" dirty="0"/>
+              <a:t>Other factor contributing to being good employer</a:t>
+            </a:r>
+          </a:p>
+        </p:txBody>
+      </p:sp>
+      <p:sp>
+        <p:nvSpPr>
+          <p:cNvPr id="3" name="Content Placeholder 2">
+            <a:extLst>
+              <a:ext uri="{FF2B5EF4-FFF2-40B4-BE49-F238E27FC236}">
+                <a16:creationId xmlns:a16="http://schemas.microsoft.com/office/drawing/2014/main" id="{3DEF607B-8E14-862E-0DFE-14BF68696A13}"/>
+              </a:ext>
+            </a:extLst>
+          </p:cNvPr>
+          <p:cNvSpPr>
+            <a:spLocks noGrp="1"/>
+          </p:cNvSpPr>
+          <p:nvPr>
+            <p:ph sz="quarter" idx="15"/>
+          </p:nvPr>
+        </p:nvSpPr>
+        <p:spPr/>
+        <p:txBody>
+          <a:bodyPr/>
+          <a:lstStyle/>
+          <a:p>
+            <a:r>
+              <a:rPr lang="en-AU" dirty="0"/>
+              <a:t>Analyse demographics for country of HQ</a:t>
+            </a:r>
+          </a:p>
+          <a:p>
+            <a:endParaRPr lang="en-AU" dirty="0"/>
+          </a:p>
+          <a:p>
+            <a:endParaRPr lang="en-AU" dirty="0"/>
+          </a:p>
+          <a:p>
+            <a:pPr algn="l" rtl="0">
+              <a:lnSpc>
+                <a:spcPct val="100000"/>
+              </a:lnSpc>
+              <a:spcBef>
+                <a:spcPts val="0"/>
+              </a:spcBef>
+              <a:spcAft>
+                <a:spcPts val="0"/>
+              </a:spcAft>
+              <a:defRPr/>
+            </a:pPr>
+            <a:r>
+              <a:rPr lang="en-AU" dirty="0"/>
+              <a:t>[Rohan’s  graphs here]</a:t>
+            </a:r>
+          </a:p>
+          <a:p>
+            <a:pPr marL="0" marR="0" lvl="0" indent="0" algn="l" defTabSz="914400" rtl="0" eaLnBrk="1" fontAlgn="auto" latinLnBrk="0" hangingPunct="1">
+              <a:lnSpc>
+                <a:spcPct val="100000"/>
+              </a:lnSpc>
+              <a:spcBef>
+                <a:spcPts val="0"/>
+              </a:spcBef>
+              <a:spcAft>
+                <a:spcPts val="0"/>
+              </a:spcAft>
+              <a:buClrTx/>
+              <a:buSzTx/>
+              <a:buFontTx/>
+              <a:buNone/>
+              <a:tabLst/>
+              <a:defRPr/>
+            </a:pPr>
+            <a:endParaRPr lang="en-US" b="0" dirty="0"/>
+          </a:p>
+          <a:p>
+            <a:pPr marL="0" marR="0" lvl="0" indent="0" algn="l" defTabSz="914400" rtl="0" eaLnBrk="1" fontAlgn="auto" latinLnBrk="0" hangingPunct="1">
+              <a:lnSpc>
+                <a:spcPct val="100000"/>
+              </a:lnSpc>
+              <a:spcBef>
+                <a:spcPts val="0"/>
+              </a:spcBef>
+              <a:spcAft>
+                <a:spcPts val="0"/>
+              </a:spcAft>
+              <a:buClrTx/>
+              <a:buSzTx/>
+              <a:buFontTx/>
+              <a:buNone/>
+              <a:tabLst/>
+              <a:defRPr/>
+            </a:pPr>
+            <a:r>
+              <a:rPr lang="en-US" b="0" dirty="0"/>
+              <a:t>Discussion</a:t>
+            </a:r>
+          </a:p>
+          <a:p>
+            <a:pPr marL="0" marR="0" lvl="0" indent="0" algn="l" defTabSz="914400" rtl="0" eaLnBrk="1" fontAlgn="auto" latinLnBrk="0" hangingPunct="1">
+              <a:lnSpc>
+                <a:spcPct val="100000"/>
+              </a:lnSpc>
+              <a:spcBef>
+                <a:spcPts val="0"/>
+              </a:spcBef>
+              <a:spcAft>
+                <a:spcPts val="0"/>
+              </a:spcAft>
+              <a:buClrTx/>
+              <a:buSzTx/>
+              <a:buFontTx/>
+              <a:buNone/>
+              <a:tabLst/>
+              <a:defRPr/>
+            </a:pPr>
+            <a:endParaRPr lang="en-US" dirty="0"/>
+          </a:p>
+          <a:p>
+            <a:pPr marL="0" marR="0" lvl="0" indent="0" algn="l" defTabSz="914400" rtl="0" eaLnBrk="1" fontAlgn="auto" latinLnBrk="0" hangingPunct="1">
+              <a:lnSpc>
+                <a:spcPct val="100000"/>
+              </a:lnSpc>
+              <a:spcBef>
+                <a:spcPts val="0"/>
+              </a:spcBef>
+              <a:spcAft>
+                <a:spcPts val="0"/>
+              </a:spcAft>
+              <a:buClrTx/>
+              <a:buSzTx/>
+              <a:buFontTx/>
+              <a:buNone/>
+              <a:tabLst/>
+              <a:defRPr/>
+            </a:pPr>
+            <a:r>
+              <a:rPr lang="en-US" b="0" dirty="0"/>
+              <a:t>Country Analysis</a:t>
+            </a:r>
+          </a:p>
+          <a:p>
+            <a:pPr marL="285750" marR="0" lvl="0" indent="-285750" algn="l" defTabSz="914400" rtl="0" eaLnBrk="1" fontAlgn="auto" latinLnBrk="0" hangingPunct="1">
+              <a:lnSpc>
+                <a:spcPct val="100000"/>
+              </a:lnSpc>
+              <a:spcBef>
+                <a:spcPts val="0"/>
+              </a:spcBef>
+              <a:spcAft>
+                <a:spcPts val="0"/>
+              </a:spcAft>
+              <a:buClrTx/>
+              <a:buSzTx/>
+              <a:buFont typeface="Arial" panose="020B0604020202020204" pitchFamily="34" charset="0"/>
+              <a:buChar char="•"/>
+              <a:tabLst/>
+              <a:defRPr/>
+            </a:pPr>
+            <a:r>
+              <a:rPr lang="en-US" b="0" dirty="0"/>
+              <a:t>Any country-specific qualities affecting company performance in Forbes ranking or Glassdoor scores</a:t>
+            </a:r>
+          </a:p>
+          <a:p>
+            <a:pPr marR="0" lvl="0" algn="l" defTabSz="914400" rtl="0" eaLnBrk="1" fontAlgn="auto" latinLnBrk="0" hangingPunct="1">
+              <a:lnSpc>
+                <a:spcPct val="100000"/>
+              </a:lnSpc>
+              <a:spcBef>
+                <a:spcPts val="0"/>
+              </a:spcBef>
+              <a:spcAft>
+                <a:spcPts val="0"/>
+              </a:spcAft>
+              <a:buClrTx/>
+              <a:buSzTx/>
+              <a:tabLst/>
+              <a:defRPr/>
+            </a:pPr>
+            <a:endParaRPr lang="en-US" dirty="0"/>
+          </a:p>
+          <a:p>
+            <a:pPr marR="0" lvl="0" algn="l" defTabSz="914400" rtl="0" eaLnBrk="1" fontAlgn="auto" latinLnBrk="0" hangingPunct="1">
+              <a:lnSpc>
+                <a:spcPct val="100000"/>
+              </a:lnSpc>
+              <a:spcBef>
+                <a:spcPts val="0"/>
+              </a:spcBef>
+              <a:spcAft>
+                <a:spcPts val="0"/>
+              </a:spcAft>
+              <a:buClrTx/>
+              <a:buSzTx/>
+              <a:tabLst/>
+              <a:defRPr/>
+            </a:pPr>
+            <a:r>
+              <a:rPr lang="en-US" b="0" dirty="0"/>
+              <a:t>Conclusions</a:t>
+            </a:r>
+          </a:p>
+          <a:p>
+            <a:endParaRPr lang="en-AU" dirty="0"/>
+          </a:p>
+        </p:txBody>
+      </p:sp>
+      <p:sp>
+        <p:nvSpPr>
+          <p:cNvPr id="4" name="Slide Number Placeholder 3">
+            <a:extLst>
+              <a:ext uri="{FF2B5EF4-FFF2-40B4-BE49-F238E27FC236}">
+                <a16:creationId xmlns:a16="http://schemas.microsoft.com/office/drawing/2014/main" id="{1FE8C455-97BF-6B95-5335-911BD4DB4D59}"/>
+              </a:ext>
+            </a:extLst>
+          </p:cNvPr>
+          <p:cNvSpPr>
+            <a:spLocks noGrp="1"/>
+          </p:cNvSpPr>
+          <p:nvPr>
+            <p:ph type="sldNum" sz="quarter" idx="4"/>
+          </p:nvPr>
+        </p:nvSpPr>
+        <p:spPr>
+          <a:xfrm>
+            <a:off x="8153400" y="4797425"/>
+            <a:ext cx="787504" cy="288925"/>
+          </a:xfrm>
+        </p:spPr>
+        <p:txBody>
+          <a:bodyPr/>
+          <a:lstStyle/>
+          <a:p>
+            <a:fld id="{454586D2-FC10-4911-B5CA-CBCADE2DC1FC}" type="slidenum">
+              <a:rPr lang="en-AU" smtClean="0"/>
+              <a:pPr/>
+              <a:t>7</a:t>
+            </a:fld>
+            <a:endParaRPr lang="en-AU" dirty="0"/>
+          </a:p>
+        </p:txBody>
+      </p:sp>
+    </p:spTree>
+    <p:extLst>
+      <p:ext uri="{BB962C8B-B14F-4D97-AF65-F5344CB8AC3E}">
+        <p14:creationId xmlns:p14="http://schemas.microsoft.com/office/powerpoint/2010/main" val="684092711"/>
+      </p:ext>
+    </p:extLst>
+  </p:cSld>
+  <p:clrMapOvr>
+    <a:masterClrMapping/>
+  </p:clrMapOvr>
+</p:sld>
+</file>
+
+<file path=ppt/slides/slide8.xml><?xml version="1.0" encoding="utf-8"?>
+<p:sld xmlns:a="http://schemas.openxmlformats.org/drawingml/2006/main" xmlns:r="http://schemas.openxmlformats.org/officeDocument/2006/relationships" xmlns:p="http://schemas.openxmlformats.org/presentationml/2006/main">
+  <p:cSld>
+    <p:spTree>
+      <p:nvGrpSpPr>
+        <p:cNvPr id="1" name=""/>
+        <p:cNvGrpSpPr/>
+        <p:nvPr/>
+      </p:nvGrpSpPr>
+      <p:grpSpPr>
+        <a:xfrm>
+          <a:off x="0" y="0"/>
+          <a:ext cx="0" cy="0"/>
+          <a:chOff x="0" y="0"/>
+          <a:chExt cx="0" cy="0"/>
+        </a:xfrm>
+      </p:grpSpPr>
+      <p:sp>
+        <p:nvSpPr>
+          <p:cNvPr id="2" name="Title 1">
+            <a:extLst>
+              <a:ext uri="{FF2B5EF4-FFF2-40B4-BE49-F238E27FC236}">
                 <a16:creationId xmlns:a16="http://schemas.microsoft.com/office/drawing/2014/main" id="{05FE03FE-07FA-7C03-D6E5-555C2B2EE4E7}"/>
               </a:ext>
             </a:extLst>
@@ -4266,7 +4967,7 @@
             <a:fld id="{454586D2-FC10-4911-B5CA-CBCADE2DC1FC}" type="slidenum">
               <a:rPr lang="en-AU" smtClean="0"/>
               <a:pPr/>
-              <a:t>7</a:t>
+              <a:t>8</a:t>
             </a:fld>
             <a:endParaRPr lang="en-AU" dirty="0"/>
           </a:p>

--- a/Presentation3.pptx
+++ b/Presentation3.pptx
@@ -48,12 +48,12 @@
   <pc:docChgLst>
     <pc:chgData name="Gavin Payne" userId="a7059ab5374b9f55" providerId="LiveId" clId="{6115755D-24C6-6E4B-929F-C8742E4B28AC}"/>
     <pc:docChg chg="custSel addSld modSld">
-      <pc:chgData name="Gavin Payne" userId="a7059ab5374b9f55" providerId="LiveId" clId="{6115755D-24C6-6E4B-929F-C8742E4B28AC}" dt="2023-01-16T06:49:04.844" v="210" actId="1076"/>
+      <pc:chgData name="Gavin Payne" userId="a7059ab5374b9f55" providerId="LiveId" clId="{6115755D-24C6-6E4B-929F-C8742E4B28AC}" dt="2023-01-16T09:54:05.005" v="1670" actId="20577"/>
       <pc:docMkLst>
         <pc:docMk/>
       </pc:docMkLst>
-      <pc:sldChg chg="addSp delSp modSp mod">
-        <pc:chgData name="Gavin Payne" userId="a7059ab5374b9f55" providerId="LiveId" clId="{6115755D-24C6-6E4B-929F-C8742E4B28AC}" dt="2023-01-16T06:35:01.591" v="188" actId="1076"/>
+      <pc:sldChg chg="addSp delSp modSp mod modNotesTx">
+        <pc:chgData name="Gavin Payne" userId="a7059ab5374b9f55" providerId="LiveId" clId="{6115755D-24C6-6E4B-929F-C8742E4B28AC}" dt="2023-01-16T09:48:33.384" v="1120" actId="20577"/>
         <pc:sldMkLst>
           <pc:docMk/>
           <pc:sldMk cId="3097526141" sldId="258"/>
@@ -91,8 +91,8 @@
           </ac:picMkLst>
         </pc:picChg>
       </pc:sldChg>
-      <pc:sldChg chg="addSp delSp modSp mod">
-        <pc:chgData name="Gavin Payne" userId="a7059ab5374b9f55" providerId="LiveId" clId="{6115755D-24C6-6E4B-929F-C8742E4B28AC}" dt="2023-01-16T06:49:04.844" v="210" actId="1076"/>
+      <pc:sldChg chg="addSp delSp modSp mod modNotesTx">
+        <pc:chgData name="Gavin Payne" userId="a7059ab5374b9f55" providerId="LiveId" clId="{6115755D-24C6-6E4B-929F-C8742E4B28AC}" dt="2023-01-16T09:52:28.263" v="1666" actId="20577"/>
         <pc:sldMkLst>
           <pc:docMk/>
           <pc:sldMk cId="3959464855" sldId="260"/>
@@ -130,8 +130,8 @@
           </ac:picMkLst>
         </pc:picChg>
       </pc:sldChg>
-      <pc:sldChg chg="addSp delSp modSp add mod">
-        <pc:chgData name="Gavin Payne" userId="a7059ab5374b9f55" providerId="LiveId" clId="{6115755D-24C6-6E4B-929F-C8742E4B28AC}" dt="2023-01-16T06:48:32.510" v="206" actId="1076"/>
+      <pc:sldChg chg="addSp delSp modSp add mod modNotesTx">
+        <pc:chgData name="Gavin Payne" userId="a7059ab5374b9f55" providerId="LiveId" clId="{6115755D-24C6-6E4B-929F-C8742E4B28AC}" dt="2023-01-16T09:54:05.005" v="1670" actId="20577"/>
         <pc:sldMkLst>
           <pc:docMk/>
           <pc:sldMk cId="2498522498" sldId="266"/>
@@ -586,7 +586,7 @@
           <a:p>
             <a:r>
               <a:rPr lang="en-US" b="1" dirty="0"/>
-              <a:t>Forbes b/g: </a:t>
+              <a:t>Forbes background: </a:t>
             </a:r>
             <a:r>
               <a:rPr lang="en-US" b="0" dirty="0"/>
@@ -605,13 +605,16 @@
             <a:endParaRPr lang="en-US" b="1" dirty="0"/>
           </a:p>
           <a:p>
+            <a:endParaRPr lang="en-US" b="1" dirty="0"/>
+          </a:p>
+          <a:p>
             <a:r>
               <a:rPr lang="en-US" b="1" dirty="0"/>
               <a:t>Context (why): </a:t>
             </a:r>
             <a:r>
               <a:rPr lang="en-US" b="0" dirty="0"/>
-              <a:t>Since covid, a) employee priorities have shifted</a:t>
+              <a:t>Since covid: a) employee priorities have shifted in terms of what they are looking for in an employer (for example, flexible working arrangements, working from home allowance).</a:t>
             </a:r>
           </a:p>
           <a:p>
@@ -621,17 +624,28 @@
             </a:r>
             <a:r>
               <a:rPr lang="en-US" b="0" dirty="0"/>
-              <a:t>b) employers: have had the talent pool depleted, have had to offer more flexibility to attract, retain.</a:t>
-            </a:r>
-          </a:p>
-          <a:p>
+              <a:t>b) employers: have had to compete for </a:t>
+            </a:r>
+            <a:r>
+              <a:rPr lang="en-US" b="0" dirty="0" err="1"/>
+              <a:t>labour</a:t>
+            </a:r>
             <a:r>
               <a:rPr lang="en-US" b="0" dirty="0"/>
-              <a:t>		c) 2022 list: those frictions have played out and had time to feed into the 2022 list.</a:t>
+              <a:t> in a depleted talent pool - have had to offer more flexibility to attract, retain.</a:t>
             </a:r>
           </a:p>
           <a:p>
             <a:endParaRPr lang="en-US" b="0" dirty="0"/>
+          </a:p>
+          <a:p>
+            <a:r>
+              <a:rPr lang="en-US" b="0" dirty="0"/>
+              <a:t>We believe that the survey responses for the 2022 list will have captured those frictions</a:t>
+            </a:r>
+          </a:p>
+          <a:p>
+            <a:endParaRPr lang="en-US" b="1" dirty="0"/>
           </a:p>
           <a:p>
             <a:r>
@@ -640,7 +654,19 @@
             </a:r>
             <a:r>
               <a:rPr lang="en-US" b="0" dirty="0"/>
-              <a:t>State as above.</a:t>
+              <a:t>What are the characteristics of the world’s best employers (as determined by Forbes/Statista)?</a:t>
+            </a:r>
+          </a:p>
+          <a:p>
+            <a:r>
+              <a:rPr lang="en-US" b="0" dirty="0"/>
+              <a:t>	Does a good employer make a good company and/or a good investment? </a:t>
+            </a:r>
+          </a:p>
+          <a:p>
+            <a:r>
+              <a:rPr lang="en-US" b="0" dirty="0"/>
+              <a:t>	Are there potentially other factors that may contribute to people’s perceptions of the companies they work for? Geography? Alignment with the union movement? General pay and conditions?</a:t>
             </a:r>
             <a:endParaRPr lang="en-US" b="1" dirty="0"/>
           </a:p>
@@ -892,7 +918,7 @@
             </a:r>
             <a:r>
               <a:rPr lang="en-US" b="0" dirty="0"/>
-              <a:t>bringing in finance data via the ticker code so see whether success as an acclaimed employer converts to financial performance.</a:t>
+              <a:t>After drawing out the key characteristics of the Top 100 employers, and combining the Glassdoor rating, we brought in some key financial metrics on each of the companies to measure the financial health/outlook of the companies, and whether it was related to performance as an employer.</a:t>
             </a:r>
           </a:p>
           <a:p>
@@ -913,10 +939,7 @@
               <a:tabLst/>
               <a:defRPr/>
             </a:pPr>
-            <a:r>
-              <a:rPr lang="en-US" b="0" dirty="0"/>
-              <a:t>Yahoo Finance library wrapper.</a:t>
-            </a:r>
+            <a:endParaRPr lang="en-US" b="0" dirty="0"/>
           </a:p>
           <a:p>
             <a:pPr marL="0" marR="0" lvl="0" indent="0" algn="l" defTabSz="914400" rtl="0" eaLnBrk="1" fontAlgn="auto" latinLnBrk="0" hangingPunct="1">
@@ -938,7 +961,15 @@
             </a:pPr>
             <a:r>
               <a:rPr lang="en-US" b="0" dirty="0"/>
-              <a:t>Financial metrics: </a:t>
+              <a:t>We did this using the Yahoo Finance library wrapper. It is </a:t>
+            </a:r>
+            <a:r>
+              <a:rPr lang="en-US" b="0" dirty="0" err="1"/>
+              <a:t>alibrary</a:t>
+            </a:r>
+            <a:r>
+              <a:rPr lang="en-US" b="0" dirty="0"/>
+              <a:t> that makes an unofficial API call to the Yahoo Finance server, and returns a dictionary of financial information for each listed company in the world.</a:t>
             </a:r>
           </a:p>
           <a:p>
@@ -959,10 +990,7 @@
               <a:tabLst/>
               <a:defRPr/>
             </a:pPr>
-            <a:r>
-              <a:rPr lang="en-US" b="0" dirty="0"/>
-              <a:t>	12-month stock performance, ROE (shareholder value), </a:t>
-            </a:r>
+            <a:endParaRPr lang="en-US" b="0" dirty="0"/>
           </a:p>
           <a:p>
             <a:pPr marL="0" marR="0" lvl="0" indent="0" algn="l" defTabSz="914400" rtl="0" eaLnBrk="1" fontAlgn="auto" latinLnBrk="0" hangingPunct="1">
@@ -984,6 +1012,75 @@
             </a:pPr>
             <a:r>
               <a:rPr lang="en-US" b="0" dirty="0"/>
+              <a:t>Our financial metrics of interest: </a:t>
+            </a:r>
+          </a:p>
+          <a:p>
+            <a:pPr marL="0" marR="0" lvl="0" indent="0" algn="l" defTabSz="914400" rtl="0" eaLnBrk="1" fontAlgn="auto" latinLnBrk="0" hangingPunct="1">
+              <a:lnSpc>
+                <a:spcPct val="100000"/>
+              </a:lnSpc>
+              <a:spcBef>
+                <a:spcPts val="0"/>
+              </a:spcBef>
+              <a:spcAft>
+                <a:spcPts val="0"/>
+              </a:spcAft>
+              <a:buClrTx/>
+              <a:buSzTx/>
+              <a:buFontTx/>
+              <a:buNone/>
+              <a:tabLst/>
+              <a:defRPr/>
+            </a:pPr>
+            <a:r>
+              <a:rPr lang="en-US" b="0" dirty="0"/>
+              <a:t>	12-month stock performance, </a:t>
+            </a:r>
+          </a:p>
+          <a:p>
+            <a:pPr marL="0" marR="0" lvl="0" indent="0" algn="l" defTabSz="914400" rtl="0" eaLnBrk="1" fontAlgn="auto" latinLnBrk="0" hangingPunct="1">
+              <a:lnSpc>
+                <a:spcPct val="100000"/>
+              </a:lnSpc>
+              <a:spcBef>
+                <a:spcPts val="0"/>
+              </a:spcBef>
+              <a:spcAft>
+                <a:spcPts val="0"/>
+              </a:spcAft>
+              <a:buClrTx/>
+              <a:buSzTx/>
+              <a:buFontTx/>
+              <a:buNone/>
+              <a:tabLst/>
+              <a:defRPr/>
+            </a:pPr>
+            <a:r>
+              <a:rPr lang="en-US" b="0" dirty="0"/>
+              <a:t>	Return on equity (Net income /  shareholder’s equity), </a:t>
+            </a:r>
+          </a:p>
+          <a:p>
+            <a:pPr marL="0" marR="0" lvl="0" indent="0" algn="l" defTabSz="914400" rtl="0" eaLnBrk="1" fontAlgn="auto" latinLnBrk="0" hangingPunct="1">
+              <a:lnSpc>
+                <a:spcPct val="100000"/>
+              </a:lnSpc>
+              <a:spcBef>
+                <a:spcPts val="0"/>
+              </a:spcBef>
+              <a:spcAft>
+                <a:spcPts val="0"/>
+              </a:spcAft>
+              <a:buClrTx/>
+              <a:buSzTx/>
+              <a:buFontTx/>
+              <a:buNone/>
+              <a:tabLst/>
+              <a:defRPr/>
+            </a:pPr>
+            <a:r>
+              <a:rPr lang="en-US" b="0" dirty="0"/>
               <a:t>	average of analyst recommendations (1 strong buy, 5 strong sell), operating income per all available in the </a:t>
             </a:r>
             <a:r>
@@ -1013,148 +1110,7 @@
               <a:tabLst/>
               <a:defRPr/>
             </a:pPr>
-            <a:r>
-              <a:rPr lang="en-US" b="0" dirty="0"/>
-              <a:t>Results (raw) : </a:t>
-            </a:r>
-          </a:p>
-          <a:p>
-            <a:pPr marL="0" marR="0" lvl="0" indent="0" algn="l" defTabSz="914400" rtl="0" eaLnBrk="1" fontAlgn="auto" latinLnBrk="0" hangingPunct="1">
-              <a:lnSpc>
-                <a:spcPct val="100000"/>
-              </a:lnSpc>
-              <a:spcBef>
-                <a:spcPts val="0"/>
-              </a:spcBef>
-              <a:spcAft>
-                <a:spcPts val="0"/>
-              </a:spcAft>
-              <a:buClrTx/>
-              <a:buSzTx/>
-              <a:buFontTx/>
-              <a:buNone/>
-              <a:tabLst/>
-              <a:defRPr/>
-            </a:pPr>
-            <a:r>
-              <a:rPr lang="en-US" b="0" dirty="0"/>
-              <a:t>Appears to be no correlation between ranking in the top 100, and financial performance.</a:t>
-            </a:r>
-          </a:p>
-          <a:p>
-            <a:pPr marL="0" marR="0" lvl="0" indent="0" algn="l" defTabSz="914400" rtl="0" eaLnBrk="1" fontAlgn="auto" latinLnBrk="0" hangingPunct="1">
-              <a:lnSpc>
-                <a:spcPct val="100000"/>
-              </a:lnSpc>
-              <a:spcBef>
-                <a:spcPts val="0"/>
-              </a:spcBef>
-              <a:spcAft>
-                <a:spcPts val="0"/>
-              </a:spcAft>
-              <a:buClrTx/>
-              <a:buSzTx/>
-              <a:buFontTx/>
-              <a:buNone/>
-              <a:tabLst/>
-              <a:defRPr/>
-            </a:pPr>
-            <a:r>
-              <a:rPr lang="en-US" b="0" dirty="0"/>
-              <a:t>	Already 100 high performing companies, multinationals, likely got in that position by being financially sound.</a:t>
-            </a:r>
-          </a:p>
-          <a:p>
-            <a:pPr marL="0" marR="0" lvl="0" indent="0" algn="l" defTabSz="914400" rtl="0" eaLnBrk="1" fontAlgn="auto" latinLnBrk="0" hangingPunct="1">
-              <a:lnSpc>
-                <a:spcPct val="100000"/>
-              </a:lnSpc>
-              <a:spcBef>
-                <a:spcPts val="0"/>
-              </a:spcBef>
-              <a:spcAft>
-                <a:spcPts val="0"/>
-              </a:spcAft>
-              <a:buClrTx/>
-              <a:buSzTx/>
-              <a:buFontTx/>
-              <a:buNone/>
-              <a:tabLst/>
-              <a:defRPr/>
-            </a:pPr>
-            <a:r>
-              <a:rPr lang="en-US" b="0" dirty="0"/>
-              <a:t>Results (standardized): </a:t>
-            </a:r>
-          </a:p>
-          <a:p>
-            <a:pPr marL="0" marR="0" lvl="0" indent="0" algn="l" defTabSz="914400" rtl="0" eaLnBrk="1" fontAlgn="auto" latinLnBrk="0" hangingPunct="1">
-              <a:lnSpc>
-                <a:spcPct val="100000"/>
-              </a:lnSpc>
-              <a:spcBef>
-                <a:spcPts val="0"/>
-              </a:spcBef>
-              <a:spcAft>
-                <a:spcPts val="0"/>
-              </a:spcAft>
-              <a:buClrTx/>
-              <a:buSzTx/>
-              <a:buFontTx/>
-              <a:buNone/>
-              <a:tabLst/>
-              <a:defRPr/>
-            </a:pPr>
-            <a:r>
-              <a:rPr lang="en-US" b="0" dirty="0"/>
-              <a:t>	Cluster around mean, particularly ROE. </a:t>
-            </a:r>
-          </a:p>
-          <a:p>
-            <a:pPr marL="0" marR="0" lvl="0" indent="0" algn="l" defTabSz="914400" rtl="0" eaLnBrk="1" fontAlgn="auto" latinLnBrk="0" hangingPunct="1">
-              <a:lnSpc>
-                <a:spcPct val="100000"/>
-              </a:lnSpc>
-              <a:spcBef>
-                <a:spcPts val="0"/>
-              </a:spcBef>
-              <a:spcAft>
-                <a:spcPts val="0"/>
-              </a:spcAft>
-              <a:buClrTx/>
-              <a:buSzTx/>
-              <a:buFontTx/>
-              <a:buNone/>
-              <a:tabLst/>
-              <a:defRPr/>
-            </a:pPr>
-            <a:r>
-              <a:rPr lang="en-US" b="0" dirty="0"/>
-              <a:t>	Stock price contained more variation, this may have to do with broader sector performance,</a:t>
-            </a:r>
-          </a:p>
-          <a:p>
-            <a:pPr marL="0" marR="0" lvl="0" indent="0" algn="l" defTabSz="914400" rtl="0" eaLnBrk="1" fontAlgn="auto" latinLnBrk="0" hangingPunct="1">
-              <a:lnSpc>
-                <a:spcPct val="100000"/>
-              </a:lnSpc>
-              <a:spcBef>
-                <a:spcPts val="0"/>
-              </a:spcBef>
-              <a:spcAft>
-                <a:spcPts val="0"/>
-              </a:spcAft>
-              <a:buClrTx/>
-              <a:buSzTx/>
-              <a:buFontTx/>
-              <a:buNone/>
-              <a:tabLst/>
-              <a:defRPr/>
-            </a:pPr>
-            <a:r>
-              <a:rPr lang="en-US" b="0" dirty="0"/>
-              <a:t>Segue to Javier’s approach.</a:t>
-            </a:r>
+            <a:endParaRPr lang="en-US" b="0" dirty="0"/>
           </a:p>
           <a:p>
             <a:pPr marL="0" marR="0" lvl="0" indent="0" algn="l" defTabSz="914400" rtl="0" eaLnBrk="1" fontAlgn="auto" latinLnBrk="0" hangingPunct="1">
@@ -1283,10 +1239,6 @@
               <a:rPr lang="en-US" b="1" dirty="0"/>
               <a:t>Our approach part 1: </a:t>
             </a:r>
-            <a:r>
-              <a:rPr lang="en-US" b="0" dirty="0"/>
-              <a:t>bringing in finance data via the ticker code so see whether success as an acclaimed employer converts to financial performance.</a:t>
-            </a:r>
           </a:p>
           <a:p>
             <a:pPr marL="0" marR="0" lvl="0" indent="0" algn="l" defTabSz="914400" rtl="0" eaLnBrk="1" fontAlgn="auto" latinLnBrk="0" hangingPunct="1">
@@ -1306,10 +1258,7 @@
               <a:tabLst/>
               <a:defRPr/>
             </a:pPr>
-            <a:r>
-              <a:rPr lang="en-US" b="0" dirty="0"/>
-              <a:t>Yahoo Finance library wrapper.</a:t>
-            </a:r>
+            <a:endParaRPr lang="en-US" b="0" dirty="0"/>
           </a:p>
           <a:p>
             <a:pPr marL="0" marR="0" lvl="0" indent="0" algn="l" defTabSz="914400" rtl="0" eaLnBrk="1" fontAlgn="auto" latinLnBrk="0" hangingPunct="1">
@@ -1331,7 +1280,7 @@
             </a:pPr>
             <a:r>
               <a:rPr lang="en-US" b="0" dirty="0"/>
-              <a:t>Financial metrics: </a:t>
+              <a:t>Results (raw) : </a:t>
             </a:r>
           </a:p>
           <a:p>
@@ -1354,7 +1303,7 @@
             </a:pPr>
             <a:r>
               <a:rPr lang="en-US" b="0" dirty="0"/>
-              <a:t>	12-month stock performance, ROE (shareholder value), </a:t>
+              <a:t>Appears to be no correlation between ranking in the top 100, and financial performance.</a:t>
             </a:r>
           </a:p>
           <a:p>
@@ -1377,15 +1326,7 @@
             </a:pPr>
             <a:r>
               <a:rPr lang="en-US" b="0" dirty="0"/>
-              <a:t>	average of analyst recommendations (1 strong buy, 5 strong sell), operating income per all available in the </a:t>
-            </a:r>
-            <a:r>
-              <a:rPr lang="en-US" b="0" dirty="0" err="1"/>
-              <a:t>yf.ticker.info</a:t>
-            </a:r>
-            <a:r>
-              <a:rPr lang="en-US" b="0" dirty="0"/>
-              <a:t> method.</a:t>
+              <a:t>Already 100 high performing companies, multinationals, likely got in that position by being financially sound.</a:t>
             </a:r>
           </a:p>
           <a:p>
@@ -1406,56 +1347,7 @@
               <a:tabLst/>
               <a:defRPr/>
             </a:pPr>
-            <a:r>
-              <a:rPr lang="en-US" b="0" dirty="0"/>
-              <a:t>Results (raw) : </a:t>
-            </a:r>
-          </a:p>
-          <a:p>
-            <a:pPr marL="0" marR="0" lvl="0" indent="0" algn="l" defTabSz="914400" rtl="0" eaLnBrk="1" fontAlgn="auto" latinLnBrk="0" hangingPunct="1">
-              <a:lnSpc>
-                <a:spcPct val="100000"/>
-              </a:lnSpc>
-              <a:spcBef>
-                <a:spcPts val="0"/>
-              </a:spcBef>
-              <a:spcAft>
-                <a:spcPts val="0"/>
-              </a:spcAft>
-              <a:buClrTx/>
-              <a:buSzTx/>
-              <a:buFontTx/>
-              <a:buNone/>
-              <a:tabLst/>
-              <a:defRPr/>
-            </a:pPr>
-            <a:r>
-              <a:rPr lang="en-US" b="0" dirty="0"/>
-              <a:t>Appears to be no correlation between ranking in the top 100, and financial performance.</a:t>
-            </a:r>
-          </a:p>
-          <a:p>
-            <a:pPr marL="0" marR="0" lvl="0" indent="0" algn="l" defTabSz="914400" rtl="0" eaLnBrk="1" fontAlgn="auto" latinLnBrk="0" hangingPunct="1">
-              <a:lnSpc>
-                <a:spcPct val="100000"/>
-              </a:lnSpc>
-              <a:spcBef>
-                <a:spcPts val="0"/>
-              </a:spcBef>
-              <a:spcAft>
-                <a:spcPts val="0"/>
-              </a:spcAft>
-              <a:buClrTx/>
-              <a:buSzTx/>
-              <a:buFontTx/>
-              <a:buNone/>
-              <a:tabLst/>
-              <a:defRPr/>
-            </a:pPr>
-            <a:r>
-              <a:rPr lang="en-US" b="0" dirty="0"/>
-              <a:t>	Already 100 high performing companies, multinationals, likely got in that position by being financially sound.</a:t>
-            </a:r>
+            <a:endParaRPr lang="en-US" b="0" dirty="0"/>
           </a:p>
           <a:p>
             <a:pPr marL="0" marR="0" lvl="0" indent="0" algn="l" defTabSz="914400" rtl="0" eaLnBrk="1" fontAlgn="auto" latinLnBrk="0" hangingPunct="1">

--- a/Presentation3.pptx
+++ b/Presentation3.pptx
@@ -48,7 +48,7 @@
   <pc:docChgLst>
     <pc:chgData name="Gavin Payne" userId="a7059ab5374b9f55" providerId="LiveId" clId="{6115755D-24C6-6E4B-929F-C8742E4B28AC}"/>
     <pc:docChg chg="custSel addSld modSld">
-      <pc:chgData name="Gavin Payne" userId="a7059ab5374b9f55" providerId="LiveId" clId="{6115755D-24C6-6E4B-929F-C8742E4B28AC}" dt="2023-01-16T09:54:05.005" v="1670" actId="20577"/>
+      <pc:chgData name="Gavin Payne" userId="a7059ab5374b9f55" providerId="LiveId" clId="{6115755D-24C6-6E4B-929F-C8742E4B28AC}" dt="2023-01-16T10:25:16.600" v="1711" actId="20577"/>
       <pc:docMkLst>
         <pc:docMk/>
       </pc:docMkLst>
@@ -92,7 +92,7 @@
         </pc:picChg>
       </pc:sldChg>
       <pc:sldChg chg="addSp delSp modSp mod modNotesTx">
-        <pc:chgData name="Gavin Payne" userId="a7059ab5374b9f55" providerId="LiveId" clId="{6115755D-24C6-6E4B-929F-C8742E4B28AC}" dt="2023-01-16T09:52:28.263" v="1666" actId="20577"/>
+        <pc:chgData name="Gavin Payne" userId="a7059ab5374b9f55" providerId="LiveId" clId="{6115755D-24C6-6E4B-929F-C8742E4B28AC}" dt="2023-01-16T10:25:16.600" v="1711" actId="20577"/>
         <pc:sldMkLst>
           <pc:docMk/>
           <pc:sldMk cId="3959464855" sldId="260"/>
@@ -106,7 +106,7 @@
           </ac:spMkLst>
         </pc:spChg>
         <pc:spChg chg="mod">
-          <ac:chgData name="Gavin Payne" userId="a7059ab5374b9f55" providerId="LiveId" clId="{6115755D-24C6-6E4B-929F-C8742E4B28AC}" dt="2023-01-16T06:07:41.275" v="22" actId="20577"/>
+          <ac:chgData name="Gavin Payne" userId="a7059ab5374b9f55" providerId="LiveId" clId="{6115755D-24C6-6E4B-929F-C8742E4B28AC}" dt="2023-01-16T10:01:15.776" v="1710" actId="20577"/>
           <ac:spMkLst>
             <pc:docMk/>
             <pc:sldMk cId="3959464855" sldId="260"/>
@@ -131,13 +131,13 @@
         </pc:picChg>
       </pc:sldChg>
       <pc:sldChg chg="addSp delSp modSp add mod modNotesTx">
-        <pc:chgData name="Gavin Payne" userId="a7059ab5374b9f55" providerId="LiveId" clId="{6115755D-24C6-6E4B-929F-C8742E4B28AC}" dt="2023-01-16T09:54:05.005" v="1670" actId="20577"/>
+        <pc:chgData name="Gavin Payne" userId="a7059ab5374b9f55" providerId="LiveId" clId="{6115755D-24C6-6E4B-929F-C8742E4B28AC}" dt="2023-01-16T10:01:06.505" v="1701" actId="20577"/>
         <pc:sldMkLst>
           <pc:docMk/>
           <pc:sldMk cId="2498522498" sldId="266"/>
         </pc:sldMkLst>
         <pc:spChg chg="mod">
-          <ac:chgData name="Gavin Payne" userId="a7059ab5374b9f55" providerId="LiveId" clId="{6115755D-24C6-6E4B-929F-C8742E4B28AC}" dt="2023-01-16T06:16:55.552" v="139" actId="1076"/>
+          <ac:chgData name="Gavin Payne" userId="a7059ab5374b9f55" providerId="LiveId" clId="{6115755D-24C6-6E4B-929F-C8742E4B28AC}" dt="2023-01-16T10:01:06.505" v="1701" actId="20577"/>
           <ac:spMkLst>
             <pc:docMk/>
             <pc:sldMk cId="2498522498" sldId="266"/>
@@ -961,15 +961,7 @@
             </a:pPr>
             <a:r>
               <a:rPr lang="en-US" b="0" dirty="0"/>
-              <a:t>We did this using the Yahoo Finance library wrapper. It is </a:t>
-            </a:r>
-            <a:r>
-              <a:rPr lang="en-US" b="0" dirty="0" err="1"/>
-              <a:t>alibrary</a:t>
-            </a:r>
-            <a:r>
-              <a:rPr lang="en-US" b="0" dirty="0"/>
-              <a:t> that makes an unofficial API call to the Yahoo Finance server, and returns a dictionary of financial information for each listed company in the world.</a:t>
+              <a:t>We did this using the Yahoo Finance library wrapper. It is a library that makes an unofficial API call to the Yahoo Finance server, and returns a dictionary of financial information for each listed company in the world.</a:t>
             </a:r>
           </a:p>
           <a:p>
@@ -1780,6 +1772,90 @@
     <p:extLst>
       <p:ext uri="{BB962C8B-B14F-4D97-AF65-F5344CB8AC3E}">
         <p14:creationId xmlns:p14="http://schemas.microsoft.com/office/powerpoint/2010/main" val="3908953611"/>
+      </p:ext>
+    </p:extLst>
+  </p:cSld>
+  <p:clrMapOvr>
+    <a:masterClrMapping/>
+  </p:clrMapOvr>
+</p:notes>
+</file>
+
+<file path=ppt/notesSlides/notesSlide7.xml><?xml version="1.0" encoding="utf-8"?>
+<p:notes xmlns:a="http://schemas.openxmlformats.org/drawingml/2006/main" xmlns:r="http://schemas.openxmlformats.org/officeDocument/2006/relationships" xmlns:p="http://schemas.openxmlformats.org/presentationml/2006/main">
+  <p:cSld>
+    <p:spTree>
+      <p:nvGrpSpPr>
+        <p:cNvPr id="1" name=""/>
+        <p:cNvGrpSpPr/>
+        <p:nvPr/>
+      </p:nvGrpSpPr>
+      <p:grpSpPr>
+        <a:xfrm>
+          <a:off x="0" y="0"/>
+          <a:ext cx="0" cy="0"/>
+          <a:chOff x="0" y="0"/>
+          <a:chExt cx="0" cy="0"/>
+        </a:xfrm>
+      </p:grpSpPr>
+      <p:sp>
+        <p:nvSpPr>
+          <p:cNvPr id="2" name="Slide Image Placeholder 1"/>
+          <p:cNvSpPr>
+            <a:spLocks noGrp="1" noRot="1" noChangeAspect="1"/>
+          </p:cNvSpPr>
+          <p:nvPr>
+            <p:ph type="sldImg"/>
+          </p:nvPr>
+        </p:nvSpPr>
+        <p:spPr/>
+      </p:sp>
+      <p:sp>
+        <p:nvSpPr>
+          <p:cNvPr id="3" name="Notes Placeholder 2"/>
+          <p:cNvSpPr>
+            <a:spLocks noGrp="1"/>
+          </p:cNvSpPr>
+          <p:nvPr>
+            <p:ph type="body" idx="1"/>
+          </p:nvPr>
+        </p:nvSpPr>
+        <p:spPr/>
+        <p:txBody>
+          <a:bodyPr/>
+          <a:lstStyle/>
+          <a:p>
+            <a:endParaRPr lang="en-US" dirty="0"/>
+          </a:p>
+        </p:txBody>
+      </p:sp>
+      <p:sp>
+        <p:nvSpPr>
+          <p:cNvPr id="4" name="Slide Number Placeholder 3"/>
+          <p:cNvSpPr>
+            <a:spLocks noGrp="1"/>
+          </p:cNvSpPr>
+          <p:nvPr>
+            <p:ph type="sldNum" sz="quarter" idx="5"/>
+          </p:nvPr>
+        </p:nvSpPr>
+        <p:spPr/>
+        <p:txBody>
+          <a:bodyPr/>
+          <a:lstStyle/>
+          <a:p>
+            <a:fld id="{B218123B-D959-4832-8E02-3B88859AFBD8}" type="slidenum">
+              <a:rPr lang="en-AU" smtClean="0"/>
+              <a:t>8</a:t>
+            </a:fld>
+            <a:endParaRPr lang="en-AU"/>
+          </a:p>
+        </p:txBody>
+      </p:sp>
+    </p:spTree>
+    <p:extLst>
+      <p:ext uri="{BB962C8B-B14F-4D97-AF65-F5344CB8AC3E}">
+        <p14:creationId xmlns:p14="http://schemas.microsoft.com/office/powerpoint/2010/main" val="1408102090"/>
       </p:ext>
     </p:extLst>
   </p:cSld>
@@ -3568,7 +3644,7 @@
             </a:pPr>
             <a:r>
               <a:rPr lang="en-US" b="0" dirty="0"/>
-              <a:t>Approach: Bring in finance data via the ticker code to see whether success as an acclaimed employer converts to financial performance.</a:t>
+              <a:t>Approach (step 1): Bring in finance data via the ticker code to see whether success as an acclaimed employer converts to financial performance.</a:t>
             </a:r>
           </a:p>
           <a:p>
@@ -3812,7 +3888,15 @@
             </a:pPr>
             <a:r>
               <a:rPr lang="en-US" b="0" dirty="0"/>
-              <a:t>Approach: Plot the employer rankings/ratings against chosen financial metrics</a:t>
+              <a:t>Approach</a:t>
+            </a:r>
+            <a:r>
+              <a:rPr lang="en-US" dirty="0"/>
+              <a:t> (step 2): </a:t>
+            </a:r>
+            <a:r>
+              <a:rPr lang="en-US" b="0" dirty="0"/>
+              <a:t>Plot the employer rankings/ratings against chosen financial metrics</a:t>
             </a:r>
           </a:p>
           <a:p>

--- a/Presentation3.pptx
+++ b/Presentation3.pptx
@@ -5,17 +5,25 @@
     <p:sldMasterId id="2147483648" r:id="rId1"/>
   </p:sldMasterIdLst>
   <p:notesMasterIdLst>
-    <p:notesMasterId r:id="rId10"/>
+    <p:notesMasterId r:id="rId18"/>
   </p:notesMasterIdLst>
   <p:sldIdLst>
     <p:sldId id="256" r:id="rId2"/>
     <p:sldId id="258" r:id="rId3"/>
     <p:sldId id="259" r:id="rId4"/>
-    <p:sldId id="260" r:id="rId5"/>
-    <p:sldId id="266" r:id="rId6"/>
-    <p:sldId id="264" r:id="rId7"/>
-    <p:sldId id="262" r:id="rId8"/>
-    <p:sldId id="265" r:id="rId9"/>
+    <p:sldId id="267" r:id="rId5"/>
+    <p:sldId id="268" r:id="rId6"/>
+    <p:sldId id="274" r:id="rId7"/>
+    <p:sldId id="269" r:id="rId8"/>
+    <p:sldId id="273" r:id="rId9"/>
+    <p:sldId id="272" r:id="rId10"/>
+    <p:sldId id="270" r:id="rId11"/>
+    <p:sldId id="271" r:id="rId12"/>
+    <p:sldId id="260" r:id="rId13"/>
+    <p:sldId id="266" r:id="rId14"/>
+    <p:sldId id="264" r:id="rId15"/>
+    <p:sldId id="262" r:id="rId16"/>
+    <p:sldId id="265" r:id="rId17"/>
   </p:sldIdLst>
   <p:sldSz cx="9144000" cy="5143500" type="screen16x9"/>
   <p:notesSz cx="9144000" cy="5143500"/>
@@ -41,6 +49,14 @@
     </p:ext>
   </p:extLst>
 </p:presentation>
+</file>
+
+<file path=ppt/revisionInfo.xml><?xml version="1.0" encoding="utf-8"?>
+<p1510:revInfo xmlns:a="http://schemas.openxmlformats.org/drawingml/2006/main" xmlns:r="http://schemas.openxmlformats.org/officeDocument/2006/relationships" xmlns:p1510="http://schemas.microsoft.com/office/powerpoint/2015/10/main">
+  <p1510:revLst>
+    <p1510:client id="{09D5FD29-49B0-471E-A102-6A2A6F514EB8}" v="10" dt="2023-01-16T10:11:00.206"/>
+  </p1510:revLst>
+</p1510:revInfo>
 </file>
 
 <file path=ppt/changesInfos/changesInfo1.xml><?xml version="1.0" encoding="utf-8"?>
@@ -187,6 +203,382 @@
       </pc:sldChg>
     </pc:docChg>
   </pc:docChgLst>
+  <pc:docChgLst>
+    <pc:chgData name="Tim Nugraha" userId="a1da4e2f-35da-4433-913d-78a68c3ab8ce" providerId="ADAL" clId="{09D5FD29-49B0-471E-A102-6A2A6F514EB8}"/>
+    <pc:docChg chg="undo redo custSel addSld modSld sldOrd">
+      <pc:chgData name="Tim Nugraha" userId="a1da4e2f-35da-4433-913d-78a68c3ab8ce" providerId="ADAL" clId="{09D5FD29-49B0-471E-A102-6A2A6F514EB8}" dt="2023-01-16T10:38:42.647" v="1853" actId="1076"/>
+      <pc:docMkLst>
+        <pc:docMk/>
+      </pc:docMkLst>
+      <pc:sldChg chg="modSp mod">
+        <pc:chgData name="Tim Nugraha" userId="a1da4e2f-35da-4433-913d-78a68c3ab8ce" providerId="ADAL" clId="{09D5FD29-49B0-471E-A102-6A2A6F514EB8}" dt="2023-01-16T10:15:13.288" v="1840" actId="20577"/>
+        <pc:sldMkLst>
+          <pc:docMk/>
+          <pc:sldMk cId="3573855860" sldId="259"/>
+        </pc:sldMkLst>
+        <pc:spChg chg="mod">
+          <ac:chgData name="Tim Nugraha" userId="a1da4e2f-35da-4433-913d-78a68c3ab8ce" providerId="ADAL" clId="{09D5FD29-49B0-471E-A102-6A2A6F514EB8}" dt="2023-01-16T09:23:25.109" v="892"/>
+          <ac:spMkLst>
+            <pc:docMk/>
+            <pc:sldMk cId="3573855860" sldId="259"/>
+            <ac:spMk id="2" creationId="{FC7D0E95-E1CD-7BF8-16DC-217CCFCECF6A}"/>
+          </ac:spMkLst>
+        </pc:spChg>
+        <pc:spChg chg="mod">
+          <ac:chgData name="Tim Nugraha" userId="a1da4e2f-35da-4433-913d-78a68c3ab8ce" providerId="ADAL" clId="{09D5FD29-49B0-471E-A102-6A2A6F514EB8}" dt="2023-01-16T10:15:13.288" v="1840" actId="20577"/>
+          <ac:spMkLst>
+            <pc:docMk/>
+            <pc:sldMk cId="3573855860" sldId="259"/>
+            <ac:spMk id="3" creationId="{6C332B5E-123E-D41B-5537-50F40DB171E9}"/>
+          </ac:spMkLst>
+        </pc:spChg>
+      </pc:sldChg>
+      <pc:sldChg chg="addSp modSp new mod">
+        <pc:chgData name="Tim Nugraha" userId="a1da4e2f-35da-4433-913d-78a68c3ab8ce" providerId="ADAL" clId="{09D5FD29-49B0-471E-A102-6A2A6F514EB8}" dt="2023-01-16T09:54:16.707" v="1231" actId="20577"/>
+        <pc:sldMkLst>
+          <pc:docMk/>
+          <pc:sldMk cId="1166823927" sldId="267"/>
+        </pc:sldMkLst>
+        <pc:spChg chg="mod">
+          <ac:chgData name="Tim Nugraha" userId="a1da4e2f-35da-4433-913d-78a68c3ab8ce" providerId="ADAL" clId="{09D5FD29-49B0-471E-A102-6A2A6F514EB8}" dt="2023-01-16T09:37:11.399" v="966" actId="20577"/>
+          <ac:spMkLst>
+            <pc:docMk/>
+            <pc:sldMk cId="1166823927" sldId="267"/>
+            <ac:spMk id="2" creationId="{D7914F4B-639C-A99A-D3A2-308261FE90B9}"/>
+          </ac:spMkLst>
+        </pc:spChg>
+        <pc:spChg chg="mod">
+          <ac:chgData name="Tim Nugraha" userId="a1da4e2f-35da-4433-913d-78a68c3ab8ce" providerId="ADAL" clId="{09D5FD29-49B0-471E-A102-6A2A6F514EB8}" dt="2023-01-16T09:54:16.707" v="1231" actId="20577"/>
+          <ac:spMkLst>
+            <pc:docMk/>
+            <pc:sldMk cId="1166823927" sldId="267"/>
+            <ac:spMk id="4" creationId="{9BCB96DB-9115-2958-A83B-6AC4F9D538FC}"/>
+          </ac:spMkLst>
+        </pc:spChg>
+        <pc:picChg chg="add mod">
+          <ac:chgData name="Tim Nugraha" userId="a1da4e2f-35da-4433-913d-78a68c3ab8ce" providerId="ADAL" clId="{09D5FD29-49B0-471E-A102-6A2A6F514EB8}" dt="2023-01-16T09:35:42.366" v="922" actId="14100"/>
+          <ac:picMkLst>
+            <pc:docMk/>
+            <pc:sldMk cId="1166823927" sldId="267"/>
+            <ac:picMk id="6" creationId="{7457AB27-E475-1601-5BA5-206516BD02D8}"/>
+          </ac:picMkLst>
+        </pc:picChg>
+        <pc:picChg chg="add mod">
+          <ac:chgData name="Tim Nugraha" userId="a1da4e2f-35da-4433-913d-78a68c3ab8ce" providerId="ADAL" clId="{09D5FD29-49B0-471E-A102-6A2A6F514EB8}" dt="2023-01-16T09:35:56.647" v="926" actId="14100"/>
+          <ac:picMkLst>
+            <pc:docMk/>
+            <pc:sldMk cId="1166823927" sldId="267"/>
+            <ac:picMk id="8" creationId="{55D8A3E7-7B9C-FC67-70F6-19EA7225A500}"/>
+          </ac:picMkLst>
+        </pc:picChg>
+      </pc:sldChg>
+      <pc:sldChg chg="addSp delSp modSp new mod ord">
+        <pc:chgData name="Tim Nugraha" userId="a1da4e2f-35da-4433-913d-78a68c3ab8ce" providerId="ADAL" clId="{09D5FD29-49B0-471E-A102-6A2A6F514EB8}" dt="2023-01-16T10:05:02.656" v="1457" actId="21"/>
+        <pc:sldMkLst>
+          <pc:docMk/>
+          <pc:sldMk cId="182249374" sldId="268"/>
+        </pc:sldMkLst>
+        <pc:spChg chg="mod">
+          <ac:chgData name="Tim Nugraha" userId="a1da4e2f-35da-4433-913d-78a68c3ab8ce" providerId="ADAL" clId="{09D5FD29-49B0-471E-A102-6A2A6F514EB8}" dt="2023-01-16T09:57:47.002" v="1346" actId="20577"/>
+          <ac:spMkLst>
+            <pc:docMk/>
+            <pc:sldMk cId="182249374" sldId="268"/>
+            <ac:spMk id="2" creationId="{0D9D6DCA-36F2-785D-34D5-BBF651A84B0E}"/>
+          </ac:spMkLst>
+        </pc:spChg>
+        <pc:spChg chg="del">
+          <ac:chgData name="Tim Nugraha" userId="a1da4e2f-35da-4433-913d-78a68c3ab8ce" providerId="ADAL" clId="{09D5FD29-49B0-471E-A102-6A2A6F514EB8}" dt="2023-01-16T09:39:21.043" v="983" actId="22"/>
+          <ac:spMkLst>
+            <pc:docMk/>
+            <pc:sldMk cId="182249374" sldId="268"/>
+            <ac:spMk id="4" creationId="{A5575241-9476-0F67-AE6D-934CDBC25A11}"/>
+          </ac:spMkLst>
+        </pc:spChg>
+        <pc:spChg chg="add del mod">
+          <ac:chgData name="Tim Nugraha" userId="a1da4e2f-35da-4433-913d-78a68c3ab8ce" providerId="ADAL" clId="{09D5FD29-49B0-471E-A102-6A2A6F514EB8}" dt="2023-01-16T10:05:02.656" v="1457" actId="21"/>
+          <ac:spMkLst>
+            <pc:docMk/>
+            <pc:sldMk cId="182249374" sldId="268"/>
+            <ac:spMk id="12" creationId="{D7ED362A-63C3-7119-72EC-901B49B19E22}"/>
+          </ac:spMkLst>
+        </pc:spChg>
+        <pc:picChg chg="add mod ord">
+          <ac:chgData name="Tim Nugraha" userId="a1da4e2f-35da-4433-913d-78a68c3ab8ce" providerId="ADAL" clId="{09D5FD29-49B0-471E-A102-6A2A6F514EB8}" dt="2023-01-16T09:41:57.415" v="1075" actId="1076"/>
+          <ac:picMkLst>
+            <pc:docMk/>
+            <pc:sldMk cId="182249374" sldId="268"/>
+            <ac:picMk id="6" creationId="{7825BB0D-E2E7-97F7-F1CB-113320BC2C1F}"/>
+          </ac:picMkLst>
+        </pc:picChg>
+        <pc:picChg chg="add del mod">
+          <ac:chgData name="Tim Nugraha" userId="a1da4e2f-35da-4433-913d-78a68c3ab8ce" providerId="ADAL" clId="{09D5FD29-49B0-471E-A102-6A2A6F514EB8}" dt="2023-01-16T09:50:28.033" v="1172" actId="21"/>
+          <ac:picMkLst>
+            <pc:docMk/>
+            <pc:sldMk cId="182249374" sldId="268"/>
+            <ac:picMk id="8" creationId="{8DE2EAA0-B5F2-FF8C-CFA2-48C6B05141D8}"/>
+          </ac:picMkLst>
+        </pc:picChg>
+        <pc:picChg chg="add del mod">
+          <ac:chgData name="Tim Nugraha" userId="a1da4e2f-35da-4433-913d-78a68c3ab8ce" providerId="ADAL" clId="{09D5FD29-49B0-471E-A102-6A2A6F514EB8}" dt="2023-01-16T09:50:19.747" v="1170" actId="21"/>
+          <ac:picMkLst>
+            <pc:docMk/>
+            <pc:sldMk cId="182249374" sldId="268"/>
+            <ac:picMk id="10" creationId="{7616A5E5-CBFB-5126-896D-CD4F78BBFB2C}"/>
+          </ac:picMkLst>
+        </pc:picChg>
+        <pc:picChg chg="add mod">
+          <ac:chgData name="Tim Nugraha" userId="a1da4e2f-35da-4433-913d-78a68c3ab8ce" providerId="ADAL" clId="{09D5FD29-49B0-471E-A102-6A2A6F514EB8}" dt="2023-01-16T09:50:34.379" v="1174" actId="1076"/>
+          <ac:picMkLst>
+            <pc:docMk/>
+            <pc:sldMk cId="182249374" sldId="268"/>
+            <ac:picMk id="11" creationId="{81D6B378-9483-330C-6320-086B2E293EBF}"/>
+          </ac:picMkLst>
+        </pc:picChg>
+      </pc:sldChg>
+      <pc:sldChg chg="addSp delSp modSp new mod ord">
+        <pc:chgData name="Tim Nugraha" userId="a1da4e2f-35da-4433-913d-78a68c3ab8ce" providerId="ADAL" clId="{09D5FD29-49B0-471E-A102-6A2A6F514EB8}" dt="2023-01-16T10:14:08.658" v="1821" actId="20577"/>
+        <pc:sldMkLst>
+          <pc:docMk/>
+          <pc:sldMk cId="2050227451" sldId="269"/>
+        </pc:sldMkLst>
+        <pc:spChg chg="mod">
+          <ac:chgData name="Tim Nugraha" userId="a1da4e2f-35da-4433-913d-78a68c3ab8ce" providerId="ADAL" clId="{09D5FD29-49B0-471E-A102-6A2A6F514EB8}" dt="2023-01-16T09:55:19.737" v="1252" actId="20577"/>
+          <ac:spMkLst>
+            <pc:docMk/>
+            <pc:sldMk cId="2050227451" sldId="269"/>
+            <ac:spMk id="2" creationId="{86EC6851-090E-F639-3C13-756323298A23}"/>
+          </ac:spMkLst>
+        </pc:spChg>
+        <pc:spChg chg="del">
+          <ac:chgData name="Tim Nugraha" userId="a1da4e2f-35da-4433-913d-78a68c3ab8ce" providerId="ADAL" clId="{09D5FD29-49B0-471E-A102-6A2A6F514EB8}" dt="2023-01-16T09:45:32.190" v="1151" actId="22"/>
+          <ac:spMkLst>
+            <pc:docMk/>
+            <pc:sldMk cId="2050227451" sldId="269"/>
+            <ac:spMk id="4" creationId="{3220574E-5EF6-B188-9F2A-06218222E845}"/>
+          </ac:spMkLst>
+        </pc:spChg>
+        <pc:spChg chg="add del mod">
+          <ac:chgData name="Tim Nugraha" userId="a1da4e2f-35da-4433-913d-78a68c3ab8ce" providerId="ADAL" clId="{09D5FD29-49B0-471E-A102-6A2A6F514EB8}" dt="2023-01-16T10:03:29.819" v="1376" actId="21"/>
+          <ac:spMkLst>
+            <pc:docMk/>
+            <pc:sldMk cId="2050227451" sldId="269"/>
+            <ac:spMk id="10" creationId="{318D54AB-24F3-302E-BA60-A71F9407365D}"/>
+          </ac:spMkLst>
+        </pc:spChg>
+        <pc:spChg chg="add del mod">
+          <ac:chgData name="Tim Nugraha" userId="a1da4e2f-35da-4433-913d-78a68c3ab8ce" providerId="ADAL" clId="{09D5FD29-49B0-471E-A102-6A2A6F514EB8}" dt="2023-01-16T10:05:47.707" v="1467"/>
+          <ac:spMkLst>
+            <pc:docMk/>
+            <pc:sldMk cId="2050227451" sldId="269"/>
+            <ac:spMk id="12" creationId="{AB47247A-0A0C-53B1-C102-6A83C203A34C}"/>
+          </ac:spMkLst>
+        </pc:spChg>
+        <pc:spChg chg="add mod">
+          <ac:chgData name="Tim Nugraha" userId="a1da4e2f-35da-4433-913d-78a68c3ab8ce" providerId="ADAL" clId="{09D5FD29-49B0-471E-A102-6A2A6F514EB8}" dt="2023-01-16T10:14:08.658" v="1821" actId="20577"/>
+          <ac:spMkLst>
+            <pc:docMk/>
+            <pc:sldMk cId="2050227451" sldId="269"/>
+            <ac:spMk id="13" creationId="{4C465C02-5156-6D7F-7ACD-719EA0308090}"/>
+          </ac:spMkLst>
+        </pc:spChg>
+        <pc:picChg chg="add del mod ord">
+          <ac:chgData name="Tim Nugraha" userId="a1da4e2f-35da-4433-913d-78a68c3ab8ce" providerId="ADAL" clId="{09D5FD29-49B0-471E-A102-6A2A6F514EB8}" dt="2023-01-16T10:03:35.100" v="1380" actId="21"/>
+          <ac:picMkLst>
+            <pc:docMk/>
+            <pc:sldMk cId="2050227451" sldId="269"/>
+            <ac:picMk id="6" creationId="{A13587AB-4DC0-C612-0B44-F4D59D088159}"/>
+          </ac:picMkLst>
+        </pc:picChg>
+        <pc:picChg chg="add del mod">
+          <ac:chgData name="Tim Nugraha" userId="a1da4e2f-35da-4433-913d-78a68c3ab8ce" providerId="ADAL" clId="{09D5FD29-49B0-471E-A102-6A2A6F514EB8}" dt="2023-01-16T10:09:25.231" v="1656" actId="21"/>
+          <ac:picMkLst>
+            <pc:docMk/>
+            <pc:sldMk cId="2050227451" sldId="269"/>
+            <ac:picMk id="8" creationId="{4CADFD10-3472-2E8D-A2C5-CC214A24E37E}"/>
+          </ac:picMkLst>
+        </pc:picChg>
+        <pc:picChg chg="add del">
+          <ac:chgData name="Tim Nugraha" userId="a1da4e2f-35da-4433-913d-78a68c3ab8ce" providerId="ADAL" clId="{09D5FD29-49B0-471E-A102-6A2A6F514EB8}" dt="2023-01-16T10:08:46.694" v="1649" actId="22"/>
+          <ac:picMkLst>
+            <pc:docMk/>
+            <pc:sldMk cId="2050227451" sldId="269"/>
+            <ac:picMk id="15" creationId="{761E328D-DBC1-A29C-EC25-1A8D1DE70264}"/>
+          </ac:picMkLst>
+        </pc:picChg>
+        <pc:picChg chg="add mod">
+          <ac:chgData name="Tim Nugraha" userId="a1da4e2f-35da-4433-913d-78a68c3ab8ce" providerId="ADAL" clId="{09D5FD29-49B0-471E-A102-6A2A6F514EB8}" dt="2023-01-16T10:10:20.154" v="1677" actId="1076"/>
+          <ac:picMkLst>
+            <pc:docMk/>
+            <pc:sldMk cId="2050227451" sldId="269"/>
+            <ac:picMk id="16" creationId="{F881E350-E2A2-5587-5777-137F52755260}"/>
+          </ac:picMkLst>
+        </pc:picChg>
+      </pc:sldChg>
+      <pc:sldChg chg="addSp delSp modSp new mod">
+        <pc:chgData name="Tim Nugraha" userId="a1da4e2f-35da-4433-913d-78a68c3ab8ce" providerId="ADAL" clId="{09D5FD29-49B0-471E-A102-6A2A6F514EB8}" dt="2023-01-16T09:47:19.516" v="1163" actId="1076"/>
+        <pc:sldMkLst>
+          <pc:docMk/>
+          <pc:sldMk cId="2664002550" sldId="270"/>
+        </pc:sldMkLst>
+        <pc:spChg chg="del">
+          <ac:chgData name="Tim Nugraha" userId="a1da4e2f-35da-4433-913d-78a68c3ab8ce" providerId="ADAL" clId="{09D5FD29-49B0-471E-A102-6A2A6F514EB8}" dt="2023-01-16T09:46:51.629" v="1160" actId="22"/>
+          <ac:spMkLst>
+            <pc:docMk/>
+            <pc:sldMk cId="2664002550" sldId="270"/>
+            <ac:spMk id="4" creationId="{F823CBD5-002A-5AF8-0A44-B2A73853C35C}"/>
+          </ac:spMkLst>
+        </pc:spChg>
+        <pc:picChg chg="add mod ord">
+          <ac:chgData name="Tim Nugraha" userId="a1da4e2f-35da-4433-913d-78a68c3ab8ce" providerId="ADAL" clId="{09D5FD29-49B0-471E-A102-6A2A6F514EB8}" dt="2023-01-16T09:46:54.771" v="1161" actId="1076"/>
+          <ac:picMkLst>
+            <pc:docMk/>
+            <pc:sldMk cId="2664002550" sldId="270"/>
+            <ac:picMk id="6" creationId="{238ADE17-0D04-25E7-502E-A8AEA8A2E864}"/>
+          </ac:picMkLst>
+        </pc:picChg>
+        <pc:picChg chg="add mod">
+          <ac:chgData name="Tim Nugraha" userId="a1da4e2f-35da-4433-913d-78a68c3ab8ce" providerId="ADAL" clId="{09D5FD29-49B0-471E-A102-6A2A6F514EB8}" dt="2023-01-16T09:47:19.516" v="1163" actId="1076"/>
+          <ac:picMkLst>
+            <pc:docMk/>
+            <pc:sldMk cId="2664002550" sldId="270"/>
+            <ac:picMk id="8" creationId="{A6981846-7881-7E95-E5D3-088A748C5ACA}"/>
+          </ac:picMkLst>
+        </pc:picChg>
+      </pc:sldChg>
+      <pc:sldChg chg="addSp delSp modSp new mod">
+        <pc:chgData name="Tim Nugraha" userId="a1da4e2f-35da-4433-913d-78a68c3ab8ce" providerId="ADAL" clId="{09D5FD29-49B0-471E-A102-6A2A6F514EB8}" dt="2023-01-16T09:48:21.701" v="1167" actId="1076"/>
+        <pc:sldMkLst>
+          <pc:docMk/>
+          <pc:sldMk cId="3185965009" sldId="271"/>
+        </pc:sldMkLst>
+        <pc:spChg chg="del">
+          <ac:chgData name="Tim Nugraha" userId="a1da4e2f-35da-4433-913d-78a68c3ab8ce" providerId="ADAL" clId="{09D5FD29-49B0-471E-A102-6A2A6F514EB8}" dt="2023-01-16T09:48:16.005" v="1165" actId="22"/>
+          <ac:spMkLst>
+            <pc:docMk/>
+            <pc:sldMk cId="3185965009" sldId="271"/>
+            <ac:spMk id="4" creationId="{2B7259D1-7248-B728-3912-8FE59225A8C3}"/>
+          </ac:spMkLst>
+        </pc:spChg>
+        <pc:picChg chg="add mod ord">
+          <ac:chgData name="Tim Nugraha" userId="a1da4e2f-35da-4433-913d-78a68c3ab8ce" providerId="ADAL" clId="{09D5FD29-49B0-471E-A102-6A2A6F514EB8}" dt="2023-01-16T09:48:21.701" v="1167" actId="1076"/>
+          <ac:picMkLst>
+            <pc:docMk/>
+            <pc:sldMk cId="3185965009" sldId="271"/>
+            <ac:picMk id="6" creationId="{07C95A97-6616-FCE9-1F73-E71D4F561E9D}"/>
+          </ac:picMkLst>
+        </pc:picChg>
+      </pc:sldChg>
+      <pc:sldChg chg="addSp delSp modSp new mod">
+        <pc:chgData name="Tim Nugraha" userId="a1da4e2f-35da-4433-913d-78a68c3ab8ce" providerId="ADAL" clId="{09D5FD29-49B0-471E-A102-6A2A6F514EB8}" dt="2023-01-16T10:38:42.647" v="1853" actId="1076"/>
+        <pc:sldMkLst>
+          <pc:docMk/>
+          <pc:sldMk cId="4094196653" sldId="272"/>
+        </pc:sldMkLst>
+        <pc:spChg chg="del">
+          <ac:chgData name="Tim Nugraha" userId="a1da4e2f-35da-4433-913d-78a68c3ab8ce" providerId="ADAL" clId="{09D5FD29-49B0-471E-A102-6A2A6F514EB8}" dt="2023-01-16T09:59:46.993" v="1349" actId="22"/>
+          <ac:spMkLst>
+            <pc:docMk/>
+            <pc:sldMk cId="4094196653" sldId="272"/>
+            <ac:spMk id="4" creationId="{6E0458ED-DE12-D46F-FC0E-61B4FCC84C3B}"/>
+          </ac:spMkLst>
+        </pc:spChg>
+        <pc:spChg chg="add mod">
+          <ac:chgData name="Tim Nugraha" userId="a1da4e2f-35da-4433-913d-78a68c3ab8ce" providerId="ADAL" clId="{09D5FD29-49B0-471E-A102-6A2A6F514EB8}" dt="2023-01-16T10:05:35.211" v="1466" actId="20577"/>
+          <ac:spMkLst>
+            <pc:docMk/>
+            <pc:sldMk cId="4094196653" sldId="272"/>
+            <ac:spMk id="7" creationId="{B8544F2B-3D5A-4CB2-A598-A70FC830BF24}"/>
+          </ac:spMkLst>
+        </pc:spChg>
+        <pc:picChg chg="add mod ord">
+          <ac:chgData name="Tim Nugraha" userId="a1da4e2f-35da-4433-913d-78a68c3ab8ce" providerId="ADAL" clId="{09D5FD29-49B0-471E-A102-6A2A6F514EB8}" dt="2023-01-16T10:38:31.279" v="1851" actId="1076"/>
+          <ac:picMkLst>
+            <pc:docMk/>
+            <pc:sldMk cId="4094196653" sldId="272"/>
+            <ac:picMk id="6" creationId="{597B5DC0-2AC5-3B61-FE8E-E2A679B06963}"/>
+          </ac:picMkLst>
+        </pc:picChg>
+        <pc:picChg chg="add mod">
+          <ac:chgData name="Tim Nugraha" userId="a1da4e2f-35da-4433-913d-78a68c3ab8ce" providerId="ADAL" clId="{09D5FD29-49B0-471E-A102-6A2A6F514EB8}" dt="2023-01-16T10:38:42.647" v="1853" actId="1076"/>
+          <ac:picMkLst>
+            <pc:docMk/>
+            <pc:sldMk cId="4094196653" sldId="272"/>
+            <ac:picMk id="9" creationId="{445E89D1-9BCF-318D-1736-BC7389CA0B67}"/>
+          </ac:picMkLst>
+        </pc:picChg>
+      </pc:sldChg>
+      <pc:sldChg chg="addSp delSp modSp new mod">
+        <pc:chgData name="Tim Nugraha" userId="a1da4e2f-35da-4433-913d-78a68c3ab8ce" providerId="ADAL" clId="{09D5FD29-49B0-471E-A102-6A2A6F514EB8}" dt="2023-01-16T10:12:50.178" v="1820" actId="14100"/>
+        <pc:sldMkLst>
+          <pc:docMk/>
+          <pc:sldMk cId="2854953237" sldId="273"/>
+        </pc:sldMkLst>
+        <pc:spChg chg="del mod">
+          <ac:chgData name="Tim Nugraha" userId="a1da4e2f-35da-4433-913d-78a68c3ab8ce" providerId="ADAL" clId="{09D5FD29-49B0-471E-A102-6A2A6F514EB8}" dt="2023-01-16T10:10:43.204" v="1682" actId="478"/>
+          <ac:spMkLst>
+            <pc:docMk/>
+            <pc:sldMk cId="2854953237" sldId="273"/>
+            <ac:spMk id="4" creationId="{00DDB779-F005-505B-5179-BE3F7926E905}"/>
+          </ac:spMkLst>
+        </pc:spChg>
+        <pc:spChg chg="add mod">
+          <ac:chgData name="Tim Nugraha" userId="a1da4e2f-35da-4433-913d-78a68c3ab8ce" providerId="ADAL" clId="{09D5FD29-49B0-471E-A102-6A2A6F514EB8}" dt="2023-01-16T10:12:36.170" v="1816" actId="20577"/>
+          <ac:spMkLst>
+            <pc:docMk/>
+            <pc:sldMk cId="2854953237" sldId="273"/>
+            <ac:spMk id="8" creationId="{2EF712AA-899B-E742-E755-0C5F83C9390D}"/>
+          </ac:spMkLst>
+        </pc:spChg>
+        <pc:picChg chg="add del mod">
+          <ac:chgData name="Tim Nugraha" userId="a1da4e2f-35da-4433-913d-78a68c3ab8ce" providerId="ADAL" clId="{09D5FD29-49B0-471E-A102-6A2A6F514EB8}" dt="2023-01-16T10:10:04.836" v="1673" actId="21"/>
+          <ac:picMkLst>
+            <pc:docMk/>
+            <pc:sldMk cId="2854953237" sldId="273"/>
+            <ac:picMk id="6" creationId="{38CBFB90-839D-A4B2-5BAA-2C1B4502E69F}"/>
+          </ac:picMkLst>
+        </pc:picChg>
+        <pc:picChg chg="add mod">
+          <ac:chgData name="Tim Nugraha" userId="a1da4e2f-35da-4433-913d-78a68c3ab8ce" providerId="ADAL" clId="{09D5FD29-49B0-471E-A102-6A2A6F514EB8}" dt="2023-01-16T10:12:50.178" v="1820" actId="14100"/>
+          <ac:picMkLst>
+            <pc:docMk/>
+            <pc:sldMk cId="2854953237" sldId="273"/>
+            <ac:picMk id="7" creationId="{9E1EC619-C453-136B-A96C-8DE64A1AF381}"/>
+          </ac:picMkLst>
+        </pc:picChg>
+        <pc:picChg chg="add mod">
+          <ac:chgData name="Tim Nugraha" userId="a1da4e2f-35da-4433-913d-78a68c3ab8ce" providerId="ADAL" clId="{09D5FD29-49B0-471E-A102-6A2A6F514EB8}" dt="2023-01-16T10:12:47.962" v="1819" actId="1076"/>
+          <ac:picMkLst>
+            <pc:docMk/>
+            <pc:sldMk cId="2854953237" sldId="273"/>
+            <ac:picMk id="10" creationId="{A07F6F04-5D76-93F8-C9A2-0617AB05B042}"/>
+          </ac:picMkLst>
+        </pc:picChg>
+      </pc:sldChg>
+      <pc:sldChg chg="addSp delSp modSp new mod">
+        <pc:chgData name="Tim Nugraha" userId="a1da4e2f-35da-4433-913d-78a68c3ab8ce" providerId="ADAL" clId="{09D5FD29-49B0-471E-A102-6A2A6F514EB8}" dt="2023-01-16T10:14:21.345" v="1826" actId="1076"/>
+        <pc:sldMkLst>
+          <pc:docMk/>
+          <pc:sldMk cId="3512528556" sldId="274"/>
+        </pc:sldMkLst>
+        <pc:spChg chg="del">
+          <ac:chgData name="Tim Nugraha" userId="a1da4e2f-35da-4433-913d-78a68c3ab8ce" providerId="ADAL" clId="{09D5FD29-49B0-471E-A102-6A2A6F514EB8}" dt="2023-01-16T10:14:14.416" v="1823" actId="22"/>
+          <ac:spMkLst>
+            <pc:docMk/>
+            <pc:sldMk cId="3512528556" sldId="274"/>
+            <ac:spMk id="4" creationId="{9E5978E5-20D9-B415-3556-058764B80B00}"/>
+          </ac:spMkLst>
+        </pc:spChg>
+        <pc:picChg chg="add mod ord">
+          <ac:chgData name="Tim Nugraha" userId="a1da4e2f-35da-4433-913d-78a68c3ab8ce" providerId="ADAL" clId="{09D5FD29-49B0-471E-A102-6A2A6F514EB8}" dt="2023-01-16T10:14:21.345" v="1826" actId="1076"/>
+          <ac:picMkLst>
+            <pc:docMk/>
+            <pc:sldMk cId="3512528556" sldId="274"/>
+            <ac:picMk id="6" creationId="{C4A26DE3-D08A-861B-92FC-A02307B969C8}"/>
+          </ac:picMkLst>
+        </pc:picChg>
+      </pc:sldChg>
+    </pc:docChg>
+  </pc:docChgLst>
 </pc:chgInfo>
 </file>
 
@@ -272,7 +664,7 @@
           <a:p>
             <a:fld id="{4826C7FF-12A9-4763-9657-1C9C35352C1C}" type="datetimeFigureOut">
               <a:rPr lang="en-AU" smtClean="0"/>
-              <a:t>16/1/2023</a:t>
+              <a:t>16/01/2023</a:t>
             </a:fld>
             <a:endParaRPr lang="en-AU"/>
           </a:p>
@@ -1199,7 +1591,7 @@
           <a:p>
             <a:fld id="{79665B4F-CFD9-9646-8FE1-0E4B54158734}" type="slidenum">
               <a:rPr lang="en-US" smtClean="0"/>
-              <a:t>4</a:t>
+              <a:t>12</a:t>
             </a:fld>
             <a:endParaRPr lang="en-US"/>
           </a:p>
@@ -1592,7 +1984,7 @@
           <a:p>
             <a:fld id="{79665B4F-CFD9-9646-8FE1-0E4B54158734}" type="slidenum">
               <a:rPr lang="en-US" smtClean="0"/>
-              <a:t>5</a:t>
+              <a:t>13</a:t>
             </a:fld>
             <a:endParaRPr lang="en-US"/>
           </a:p>
@@ -1700,7 +2092,7 @@
           <a:p>
             <a:fld id="{79665B4F-CFD9-9646-8FE1-0E4B54158734}" type="slidenum">
               <a:rPr lang="en-US" smtClean="0"/>
-              <a:t>6</a:t>
+              <a:t>14</a:t>
             </a:fld>
             <a:endParaRPr lang="en-US"/>
           </a:p>
@@ -1878,7 +2270,7 @@
           <a:p>
             <a:fld id="{79665B4F-CFD9-9646-8FE1-0E4B54158734}" type="slidenum">
               <a:rPr lang="en-US" smtClean="0"/>
-              <a:t>7</a:t>
+              <a:t>15</a:t>
             </a:fld>
             <a:endParaRPr lang="en-US"/>
           </a:p>
@@ -3058,6 +3450,1804 @@
 </p:sld>
 </file>
 
+<file path=ppt/slides/slide10.xml><?xml version="1.0" encoding="utf-8"?>
+<p:sld xmlns:a="http://schemas.openxmlformats.org/drawingml/2006/main" xmlns:r="http://schemas.openxmlformats.org/officeDocument/2006/relationships" xmlns:p="http://schemas.openxmlformats.org/presentationml/2006/main">
+  <p:cSld>
+    <p:spTree>
+      <p:nvGrpSpPr>
+        <p:cNvPr id="1" name=""/>
+        <p:cNvGrpSpPr/>
+        <p:nvPr/>
+      </p:nvGrpSpPr>
+      <p:grpSpPr>
+        <a:xfrm>
+          <a:off x="0" y="0"/>
+          <a:ext cx="0" cy="0"/>
+          <a:chOff x="0" y="0"/>
+          <a:chExt cx="0" cy="0"/>
+        </a:xfrm>
+      </p:grpSpPr>
+      <p:sp>
+        <p:nvSpPr>
+          <p:cNvPr id="2" name="Title 1">
+            <a:extLst>
+              <a:ext uri="{FF2B5EF4-FFF2-40B4-BE49-F238E27FC236}">
+                <a16:creationId xmlns:a16="http://schemas.microsoft.com/office/drawing/2014/main" id="{FA37684C-6D82-F0C5-040E-57E7EC8E395A}"/>
+              </a:ext>
+            </a:extLst>
+          </p:cNvPr>
+          <p:cNvSpPr>
+            <a:spLocks noGrp="1"/>
+          </p:cNvSpPr>
+          <p:nvPr>
+            <p:ph type="title"/>
+          </p:nvPr>
+        </p:nvSpPr>
+        <p:spPr/>
+        <p:txBody>
+          <a:bodyPr/>
+          <a:lstStyle/>
+          <a:p>
+            <a:endParaRPr lang="en-AU"/>
+          </a:p>
+        </p:txBody>
+      </p:sp>
+      <p:sp>
+        <p:nvSpPr>
+          <p:cNvPr id="3" name="Slide Number Placeholder 2">
+            <a:extLst>
+              <a:ext uri="{FF2B5EF4-FFF2-40B4-BE49-F238E27FC236}">
+                <a16:creationId xmlns:a16="http://schemas.microsoft.com/office/drawing/2014/main" id="{CB54859E-9D43-B0AD-CDCC-5038BFA236A0}"/>
+              </a:ext>
+            </a:extLst>
+          </p:cNvPr>
+          <p:cNvSpPr>
+            <a:spLocks noGrp="1"/>
+          </p:cNvSpPr>
+          <p:nvPr>
+            <p:ph type="sldNum" sz="quarter" idx="4"/>
+          </p:nvPr>
+        </p:nvSpPr>
+        <p:spPr/>
+        <p:txBody>
+          <a:bodyPr/>
+          <a:lstStyle/>
+          <a:p>
+            <a:fld id="{454586D2-FC10-4911-B5CA-CBCADE2DC1FC}" type="slidenum">
+              <a:rPr lang="en-AU" smtClean="0"/>
+              <a:pPr/>
+              <a:t>10</a:t>
+            </a:fld>
+            <a:endParaRPr lang="en-AU" dirty="0"/>
+          </a:p>
+        </p:txBody>
+      </p:sp>
+      <p:pic>
+        <p:nvPicPr>
+          <p:cNvPr id="6" name="Content Placeholder 5">
+            <a:extLst>
+              <a:ext uri="{FF2B5EF4-FFF2-40B4-BE49-F238E27FC236}">
+                <a16:creationId xmlns:a16="http://schemas.microsoft.com/office/drawing/2014/main" id="{238ADE17-0D04-25E7-502E-A8AEA8A2E864}"/>
+              </a:ext>
+            </a:extLst>
+          </p:cNvPr>
+          <p:cNvPicPr>
+            <a:picLocks noGrp="1" noChangeAspect="1"/>
+          </p:cNvPicPr>
+          <p:nvPr>
+            <p:ph sz="quarter" idx="15"/>
+          </p:nvPr>
+        </p:nvPicPr>
+        <p:blipFill>
+          <a:blip r:embed="rId2"/>
+          <a:stretch>
+            <a:fillRect/>
+          </a:stretch>
+        </p:blipFill>
+        <p:spPr>
+          <a:xfrm>
+            <a:off x="304800" y="895350"/>
+            <a:ext cx="3753374" cy="2524477"/>
+          </a:xfrm>
+        </p:spPr>
+      </p:pic>
+      <p:pic>
+        <p:nvPicPr>
+          <p:cNvPr id="8" name="Picture 7">
+            <a:extLst>
+              <a:ext uri="{FF2B5EF4-FFF2-40B4-BE49-F238E27FC236}">
+                <a16:creationId xmlns:a16="http://schemas.microsoft.com/office/drawing/2014/main" id="{A6981846-7881-7E95-E5D3-088A748C5ACA}"/>
+              </a:ext>
+            </a:extLst>
+          </p:cNvPr>
+          <p:cNvPicPr>
+            <a:picLocks noChangeAspect="1"/>
+          </p:cNvPicPr>
+          <p:nvPr/>
+        </p:nvPicPr>
+        <p:blipFill>
+          <a:blip r:embed="rId3"/>
+          <a:stretch>
+            <a:fillRect/>
+          </a:stretch>
+        </p:blipFill>
+        <p:spPr>
+          <a:xfrm>
+            <a:off x="4267200" y="858037"/>
+            <a:ext cx="4010585" cy="2867425"/>
+          </a:xfrm>
+          <a:prstGeom prst="rect">
+            <a:avLst/>
+          </a:prstGeom>
+        </p:spPr>
+      </p:pic>
+    </p:spTree>
+    <p:extLst>
+      <p:ext uri="{BB962C8B-B14F-4D97-AF65-F5344CB8AC3E}">
+        <p14:creationId xmlns:p14="http://schemas.microsoft.com/office/powerpoint/2010/main" val="2664002550"/>
+      </p:ext>
+    </p:extLst>
+  </p:cSld>
+  <p:clrMapOvr>
+    <a:masterClrMapping/>
+  </p:clrMapOvr>
+</p:sld>
+</file>
+
+<file path=ppt/slides/slide11.xml><?xml version="1.0" encoding="utf-8"?>
+<p:sld xmlns:a="http://schemas.openxmlformats.org/drawingml/2006/main" xmlns:r="http://schemas.openxmlformats.org/officeDocument/2006/relationships" xmlns:p="http://schemas.openxmlformats.org/presentationml/2006/main">
+  <p:cSld>
+    <p:spTree>
+      <p:nvGrpSpPr>
+        <p:cNvPr id="1" name=""/>
+        <p:cNvGrpSpPr/>
+        <p:nvPr/>
+      </p:nvGrpSpPr>
+      <p:grpSpPr>
+        <a:xfrm>
+          <a:off x="0" y="0"/>
+          <a:ext cx="0" cy="0"/>
+          <a:chOff x="0" y="0"/>
+          <a:chExt cx="0" cy="0"/>
+        </a:xfrm>
+      </p:grpSpPr>
+      <p:sp>
+        <p:nvSpPr>
+          <p:cNvPr id="2" name="Title 1">
+            <a:extLst>
+              <a:ext uri="{FF2B5EF4-FFF2-40B4-BE49-F238E27FC236}">
+                <a16:creationId xmlns:a16="http://schemas.microsoft.com/office/drawing/2014/main" id="{F7DE1B47-CD0E-9F7E-3E9F-C74C9C79F3A3}"/>
+              </a:ext>
+            </a:extLst>
+          </p:cNvPr>
+          <p:cNvSpPr>
+            <a:spLocks noGrp="1"/>
+          </p:cNvSpPr>
+          <p:nvPr>
+            <p:ph type="title"/>
+          </p:nvPr>
+        </p:nvSpPr>
+        <p:spPr/>
+        <p:txBody>
+          <a:bodyPr/>
+          <a:lstStyle/>
+          <a:p>
+            <a:endParaRPr lang="en-AU"/>
+          </a:p>
+        </p:txBody>
+      </p:sp>
+      <p:sp>
+        <p:nvSpPr>
+          <p:cNvPr id="3" name="Slide Number Placeholder 2">
+            <a:extLst>
+              <a:ext uri="{FF2B5EF4-FFF2-40B4-BE49-F238E27FC236}">
+                <a16:creationId xmlns:a16="http://schemas.microsoft.com/office/drawing/2014/main" id="{DB029808-FD06-2731-9612-F869B1836E78}"/>
+              </a:ext>
+            </a:extLst>
+          </p:cNvPr>
+          <p:cNvSpPr>
+            <a:spLocks noGrp="1"/>
+          </p:cNvSpPr>
+          <p:nvPr>
+            <p:ph type="sldNum" sz="quarter" idx="4"/>
+          </p:nvPr>
+        </p:nvSpPr>
+        <p:spPr/>
+        <p:txBody>
+          <a:bodyPr/>
+          <a:lstStyle/>
+          <a:p>
+            <a:fld id="{454586D2-FC10-4911-B5CA-CBCADE2DC1FC}" type="slidenum">
+              <a:rPr lang="en-AU" smtClean="0"/>
+              <a:pPr/>
+              <a:t>11</a:t>
+            </a:fld>
+            <a:endParaRPr lang="en-AU" dirty="0"/>
+          </a:p>
+        </p:txBody>
+      </p:sp>
+      <p:pic>
+        <p:nvPicPr>
+          <p:cNvPr id="6" name="Content Placeholder 5">
+            <a:extLst>
+              <a:ext uri="{FF2B5EF4-FFF2-40B4-BE49-F238E27FC236}">
+                <a16:creationId xmlns:a16="http://schemas.microsoft.com/office/drawing/2014/main" id="{07C95A97-6616-FCE9-1F73-E71D4F561E9D}"/>
+              </a:ext>
+            </a:extLst>
+          </p:cNvPr>
+          <p:cNvPicPr>
+            <a:picLocks noGrp="1" noChangeAspect="1"/>
+          </p:cNvPicPr>
+          <p:nvPr>
+            <p:ph sz="quarter" idx="15"/>
+          </p:nvPr>
+        </p:nvPicPr>
+        <p:blipFill>
+          <a:blip r:embed="rId2"/>
+          <a:stretch>
+            <a:fillRect/>
+          </a:stretch>
+        </p:blipFill>
+        <p:spPr>
+          <a:xfrm>
+            <a:off x="203096" y="777735"/>
+            <a:ext cx="5293567" cy="4019690"/>
+          </a:xfrm>
+        </p:spPr>
+      </p:pic>
+    </p:spTree>
+    <p:extLst>
+      <p:ext uri="{BB962C8B-B14F-4D97-AF65-F5344CB8AC3E}">
+        <p14:creationId xmlns:p14="http://schemas.microsoft.com/office/powerpoint/2010/main" val="3185965009"/>
+      </p:ext>
+    </p:extLst>
+  </p:cSld>
+  <p:clrMapOvr>
+    <a:masterClrMapping/>
+  </p:clrMapOvr>
+</p:sld>
+</file>
+
+<file path=ppt/slides/slide12.xml><?xml version="1.0" encoding="utf-8"?>
+<p:sld xmlns:a="http://schemas.openxmlformats.org/drawingml/2006/main" xmlns:r="http://schemas.openxmlformats.org/officeDocument/2006/relationships" xmlns:p="http://schemas.openxmlformats.org/presentationml/2006/main">
+  <p:cSld>
+    <p:spTree>
+      <p:nvGrpSpPr>
+        <p:cNvPr id="1" name=""/>
+        <p:cNvGrpSpPr/>
+        <p:nvPr/>
+      </p:nvGrpSpPr>
+      <p:grpSpPr>
+        <a:xfrm>
+          <a:off x="0" y="0"/>
+          <a:ext cx="0" cy="0"/>
+          <a:chOff x="0" y="0"/>
+          <a:chExt cx="0" cy="0"/>
+        </a:xfrm>
+      </p:grpSpPr>
+      <p:sp>
+        <p:nvSpPr>
+          <p:cNvPr id="2" name="Title 1">
+            <a:extLst>
+              <a:ext uri="{FF2B5EF4-FFF2-40B4-BE49-F238E27FC236}">
+                <a16:creationId xmlns:a16="http://schemas.microsoft.com/office/drawing/2014/main" id="{34FB3A1B-C244-4590-DA7E-2448C607EAA4}"/>
+              </a:ext>
+            </a:extLst>
+          </p:cNvPr>
+          <p:cNvSpPr>
+            <a:spLocks noGrp="1"/>
+          </p:cNvSpPr>
+          <p:nvPr>
+            <p:ph type="title"/>
+          </p:nvPr>
+        </p:nvSpPr>
+        <p:spPr>
+          <a:xfrm>
+            <a:off x="304800" y="224261"/>
+            <a:ext cx="8636104" cy="351056"/>
+          </a:xfrm>
+        </p:spPr>
+        <p:txBody>
+          <a:bodyPr/>
+          <a:lstStyle/>
+          <a:p>
+            <a:r>
+              <a:rPr lang="en-AU" dirty="0"/>
+              <a:t>Are good employers good companies? – Look within Top 100</a:t>
+            </a:r>
+          </a:p>
+        </p:txBody>
+      </p:sp>
+      <p:sp>
+        <p:nvSpPr>
+          <p:cNvPr id="3" name="Content Placeholder 2">
+            <a:extLst>
+              <a:ext uri="{FF2B5EF4-FFF2-40B4-BE49-F238E27FC236}">
+                <a16:creationId xmlns:a16="http://schemas.microsoft.com/office/drawing/2014/main" id="{7011FF0D-23C9-C092-C6FB-006D5A703A81}"/>
+              </a:ext>
+            </a:extLst>
+          </p:cNvPr>
+          <p:cNvSpPr>
+            <a:spLocks noGrp="1"/>
+          </p:cNvSpPr>
+          <p:nvPr>
+            <p:ph sz="quarter" idx="15"/>
+          </p:nvPr>
+        </p:nvSpPr>
+        <p:spPr/>
+        <p:txBody>
+          <a:bodyPr/>
+          <a:lstStyle/>
+          <a:p>
+            <a:pPr marL="0" marR="0" lvl="0" indent="0" algn="l" defTabSz="914400" rtl="0" eaLnBrk="1" fontAlgn="auto" latinLnBrk="0" hangingPunct="1">
+              <a:lnSpc>
+                <a:spcPct val="100000"/>
+              </a:lnSpc>
+              <a:spcBef>
+                <a:spcPts val="0"/>
+              </a:spcBef>
+              <a:spcAft>
+                <a:spcPts val="0"/>
+              </a:spcAft>
+              <a:buClrTx/>
+              <a:buSzTx/>
+              <a:buFontTx/>
+              <a:buNone/>
+              <a:tabLst/>
+              <a:defRPr/>
+            </a:pPr>
+            <a:r>
+              <a:rPr lang="en-US" b="0" dirty="0"/>
+              <a:t>Source : Yahoo Finance data feed</a:t>
+            </a:r>
+          </a:p>
+          <a:p>
+            <a:pPr marL="0" marR="0" lvl="0" indent="0" algn="l" defTabSz="914400" rtl="0" eaLnBrk="1" fontAlgn="auto" latinLnBrk="0" hangingPunct="1">
+              <a:lnSpc>
+                <a:spcPct val="100000"/>
+              </a:lnSpc>
+              <a:spcBef>
+                <a:spcPts val="0"/>
+              </a:spcBef>
+              <a:spcAft>
+                <a:spcPts val="0"/>
+              </a:spcAft>
+              <a:buClrTx/>
+              <a:buSzTx/>
+              <a:buFontTx/>
+              <a:buNone/>
+              <a:tabLst/>
+              <a:defRPr/>
+            </a:pPr>
+            <a:endParaRPr lang="en-US" dirty="0"/>
+          </a:p>
+          <a:p>
+            <a:pPr marL="0" marR="0" lvl="0" indent="0" algn="l" defTabSz="914400" rtl="0" eaLnBrk="1" fontAlgn="auto" latinLnBrk="0" hangingPunct="1">
+              <a:lnSpc>
+                <a:spcPct val="100000"/>
+              </a:lnSpc>
+              <a:spcBef>
+                <a:spcPts val="0"/>
+              </a:spcBef>
+              <a:spcAft>
+                <a:spcPts val="0"/>
+              </a:spcAft>
+              <a:buClrTx/>
+              <a:buSzTx/>
+              <a:buFontTx/>
+              <a:buNone/>
+              <a:tabLst/>
+              <a:defRPr/>
+            </a:pPr>
+            <a:r>
+              <a:rPr lang="en-US" b="0" dirty="0"/>
+              <a:t>Approach: Bring in finance data via the ticker code to see whether success as an acclaimed employer converts to financial performance.</a:t>
+            </a:r>
+          </a:p>
+          <a:p>
+            <a:pPr marL="0" marR="0" lvl="0" indent="0" algn="l" defTabSz="914400" rtl="0" eaLnBrk="1" fontAlgn="auto" latinLnBrk="0" hangingPunct="1">
+              <a:lnSpc>
+                <a:spcPct val="100000"/>
+              </a:lnSpc>
+              <a:spcBef>
+                <a:spcPts val="0"/>
+              </a:spcBef>
+              <a:spcAft>
+                <a:spcPts val="0"/>
+              </a:spcAft>
+              <a:buClrTx/>
+              <a:buSzTx/>
+              <a:buFontTx/>
+              <a:buNone/>
+              <a:tabLst/>
+              <a:defRPr/>
+            </a:pPr>
+            <a:endParaRPr lang="en-US" dirty="0"/>
+          </a:p>
+          <a:p>
+            <a:pPr marL="285750" marR="0" lvl="0" indent="-285750" algn="l" defTabSz="914400" rtl="0" eaLnBrk="1" fontAlgn="auto" latinLnBrk="0" hangingPunct="1">
+              <a:lnSpc>
+                <a:spcPct val="100000"/>
+              </a:lnSpc>
+              <a:spcBef>
+                <a:spcPts val="0"/>
+              </a:spcBef>
+              <a:spcAft>
+                <a:spcPts val="0"/>
+              </a:spcAft>
+              <a:buClrTx/>
+              <a:buSzTx/>
+              <a:buFont typeface="Arial" panose="020B0604020202020204" pitchFamily="34" charset="0"/>
+              <a:buChar char="•"/>
+              <a:tabLst/>
+              <a:defRPr/>
+            </a:pPr>
+            <a:endParaRPr lang="en-US" b="0" dirty="0"/>
+          </a:p>
+          <a:p>
+            <a:pPr marL="285750" marR="0" lvl="0" indent="-285750" algn="l" defTabSz="914400" rtl="0" eaLnBrk="1" fontAlgn="auto" latinLnBrk="0" hangingPunct="1">
+              <a:lnSpc>
+                <a:spcPct val="100000"/>
+              </a:lnSpc>
+              <a:spcBef>
+                <a:spcPts val="0"/>
+              </a:spcBef>
+              <a:spcAft>
+                <a:spcPts val="0"/>
+              </a:spcAft>
+              <a:buClrTx/>
+              <a:buSzTx/>
+              <a:buFont typeface="Arial" panose="020B0604020202020204" pitchFamily="34" charset="0"/>
+              <a:buChar char="•"/>
+              <a:tabLst/>
+              <a:defRPr/>
+            </a:pPr>
+            <a:endParaRPr lang="en-US" b="0" dirty="0"/>
+          </a:p>
+        </p:txBody>
+      </p:sp>
+      <p:sp>
+        <p:nvSpPr>
+          <p:cNvPr id="4" name="Slide Number Placeholder 3">
+            <a:extLst>
+              <a:ext uri="{FF2B5EF4-FFF2-40B4-BE49-F238E27FC236}">
+                <a16:creationId xmlns:a16="http://schemas.microsoft.com/office/drawing/2014/main" id="{8A6E1B47-09E8-4494-59A8-65DB94E69513}"/>
+              </a:ext>
+            </a:extLst>
+          </p:cNvPr>
+          <p:cNvSpPr>
+            <a:spLocks noGrp="1"/>
+          </p:cNvSpPr>
+          <p:nvPr>
+            <p:ph type="sldNum" sz="quarter" idx="4"/>
+          </p:nvPr>
+        </p:nvSpPr>
+        <p:spPr>
+          <a:xfrm>
+            <a:off x="8153400" y="4797425"/>
+            <a:ext cx="787504" cy="288925"/>
+          </a:xfrm>
+        </p:spPr>
+        <p:txBody>
+          <a:bodyPr/>
+          <a:lstStyle/>
+          <a:p>
+            <a:fld id="{454586D2-FC10-4911-B5CA-CBCADE2DC1FC}" type="slidenum">
+              <a:rPr lang="en-AU" smtClean="0"/>
+              <a:pPr/>
+              <a:t>12</a:t>
+            </a:fld>
+            <a:endParaRPr lang="en-AU" dirty="0"/>
+          </a:p>
+        </p:txBody>
+      </p:sp>
+      <p:pic>
+        <p:nvPicPr>
+          <p:cNvPr id="8" name="Picture 7">
+            <a:extLst>
+              <a:ext uri="{FF2B5EF4-FFF2-40B4-BE49-F238E27FC236}">
+                <a16:creationId xmlns:a16="http://schemas.microsoft.com/office/drawing/2014/main" id="{9BB8733A-1BCF-EC68-9D30-E5F88D1DC345}"/>
+              </a:ext>
+            </a:extLst>
+          </p:cNvPr>
+          <p:cNvPicPr>
+            <a:picLocks noChangeAspect="1"/>
+          </p:cNvPicPr>
+          <p:nvPr/>
+        </p:nvPicPr>
+        <p:blipFill>
+          <a:blip r:embed="rId3">
+            <a:extLst>
+              <a:ext uri="{28A0092B-C50C-407E-A947-70E740481C1C}">
+                <a14:useLocalDpi xmlns:a14="http://schemas.microsoft.com/office/drawing/2010/main" val="0"/>
+              </a:ext>
+            </a:extLst>
+          </a:blip>
+          <a:stretch>
+            <a:fillRect/>
+          </a:stretch>
+        </p:blipFill>
+        <p:spPr>
+          <a:xfrm>
+            <a:off x="1638300" y="1788225"/>
+            <a:ext cx="5867400" cy="3009200"/>
+          </a:xfrm>
+          <a:prstGeom prst="rect">
+            <a:avLst/>
+          </a:prstGeom>
+        </p:spPr>
+      </p:pic>
+    </p:spTree>
+    <p:extLst>
+      <p:ext uri="{BB962C8B-B14F-4D97-AF65-F5344CB8AC3E}">
+        <p14:creationId xmlns:p14="http://schemas.microsoft.com/office/powerpoint/2010/main" val="3959464855"/>
+      </p:ext>
+    </p:extLst>
+  </p:cSld>
+  <p:clrMapOvr>
+    <a:masterClrMapping/>
+  </p:clrMapOvr>
+</p:sld>
+</file>
+
+<file path=ppt/slides/slide13.xml><?xml version="1.0" encoding="utf-8"?>
+<p:sld xmlns:a="http://schemas.openxmlformats.org/drawingml/2006/main" xmlns:r="http://schemas.openxmlformats.org/officeDocument/2006/relationships" xmlns:p="http://schemas.openxmlformats.org/presentationml/2006/main">
+  <p:cSld>
+    <p:spTree>
+      <p:nvGrpSpPr>
+        <p:cNvPr id="1" name=""/>
+        <p:cNvGrpSpPr/>
+        <p:nvPr/>
+      </p:nvGrpSpPr>
+      <p:grpSpPr>
+        <a:xfrm>
+          <a:off x="0" y="0"/>
+          <a:ext cx="0" cy="0"/>
+          <a:chOff x="0" y="0"/>
+          <a:chExt cx="0" cy="0"/>
+        </a:xfrm>
+      </p:grpSpPr>
+      <p:sp>
+        <p:nvSpPr>
+          <p:cNvPr id="2" name="Title 1">
+            <a:extLst>
+              <a:ext uri="{FF2B5EF4-FFF2-40B4-BE49-F238E27FC236}">
+                <a16:creationId xmlns:a16="http://schemas.microsoft.com/office/drawing/2014/main" id="{34FB3A1B-C244-4590-DA7E-2448C607EAA4}"/>
+              </a:ext>
+            </a:extLst>
+          </p:cNvPr>
+          <p:cNvSpPr>
+            <a:spLocks noGrp="1"/>
+          </p:cNvSpPr>
+          <p:nvPr>
+            <p:ph type="title"/>
+          </p:nvPr>
+        </p:nvSpPr>
+        <p:spPr>
+          <a:xfrm>
+            <a:off x="304800" y="224261"/>
+            <a:ext cx="8636104" cy="351056"/>
+          </a:xfrm>
+        </p:spPr>
+        <p:txBody>
+          <a:bodyPr/>
+          <a:lstStyle/>
+          <a:p>
+            <a:r>
+              <a:rPr lang="en-AU" dirty="0"/>
+              <a:t>Are good employers good companies? – Look within Top 100</a:t>
+            </a:r>
+          </a:p>
+        </p:txBody>
+      </p:sp>
+      <p:sp>
+        <p:nvSpPr>
+          <p:cNvPr id="3" name="Content Placeholder 2">
+            <a:extLst>
+              <a:ext uri="{FF2B5EF4-FFF2-40B4-BE49-F238E27FC236}">
+                <a16:creationId xmlns:a16="http://schemas.microsoft.com/office/drawing/2014/main" id="{7011FF0D-23C9-C092-C6FB-006D5A703A81}"/>
+              </a:ext>
+            </a:extLst>
+          </p:cNvPr>
+          <p:cNvSpPr>
+            <a:spLocks noGrp="1"/>
+          </p:cNvSpPr>
+          <p:nvPr>
+            <p:ph sz="quarter" idx="15"/>
+          </p:nvPr>
+        </p:nvSpPr>
+        <p:spPr>
+          <a:xfrm>
+            <a:off x="235753" y="674803"/>
+            <a:ext cx="8260080" cy="351056"/>
+          </a:xfrm>
+        </p:spPr>
+        <p:txBody>
+          <a:bodyPr/>
+          <a:lstStyle/>
+          <a:p>
+            <a:pPr marL="0" marR="0" lvl="0" indent="0" algn="l" defTabSz="914400" rtl="0" eaLnBrk="1" fontAlgn="auto" latinLnBrk="0" hangingPunct="1">
+              <a:lnSpc>
+                <a:spcPct val="100000"/>
+              </a:lnSpc>
+              <a:spcBef>
+                <a:spcPts val="0"/>
+              </a:spcBef>
+              <a:spcAft>
+                <a:spcPts val="0"/>
+              </a:spcAft>
+              <a:buClrTx/>
+              <a:buSzTx/>
+              <a:buFontTx/>
+              <a:buNone/>
+              <a:tabLst/>
+              <a:defRPr/>
+            </a:pPr>
+            <a:r>
+              <a:rPr lang="en-US" b="0" dirty="0"/>
+              <a:t>Approach: Plot the employer rankings/ratings against chosen financial metrics</a:t>
+            </a:r>
+          </a:p>
+          <a:p>
+            <a:pPr marL="0" marR="0" lvl="0" indent="0" algn="l" defTabSz="914400" rtl="0" eaLnBrk="1" fontAlgn="auto" latinLnBrk="0" hangingPunct="1">
+              <a:lnSpc>
+                <a:spcPct val="100000"/>
+              </a:lnSpc>
+              <a:spcBef>
+                <a:spcPts val="0"/>
+              </a:spcBef>
+              <a:spcAft>
+                <a:spcPts val="0"/>
+              </a:spcAft>
+              <a:buClrTx/>
+              <a:buSzTx/>
+              <a:buFontTx/>
+              <a:buNone/>
+              <a:tabLst/>
+              <a:defRPr/>
+            </a:pPr>
+            <a:endParaRPr lang="en-US" dirty="0"/>
+          </a:p>
+          <a:p>
+            <a:pPr marL="285750" marR="0" lvl="0" indent="-285750" algn="l" defTabSz="914400" rtl="0" eaLnBrk="1" fontAlgn="auto" latinLnBrk="0" hangingPunct="1">
+              <a:lnSpc>
+                <a:spcPct val="100000"/>
+              </a:lnSpc>
+              <a:spcBef>
+                <a:spcPts val="0"/>
+              </a:spcBef>
+              <a:spcAft>
+                <a:spcPts val="0"/>
+              </a:spcAft>
+              <a:buClrTx/>
+              <a:buSzTx/>
+              <a:buFont typeface="Arial" panose="020B0604020202020204" pitchFamily="34" charset="0"/>
+              <a:buChar char="•"/>
+              <a:tabLst/>
+              <a:defRPr/>
+            </a:pPr>
+            <a:endParaRPr lang="en-US" b="0" dirty="0"/>
+          </a:p>
+          <a:p>
+            <a:pPr marL="285750" marR="0" lvl="0" indent="-285750" algn="l" defTabSz="914400" rtl="0" eaLnBrk="1" fontAlgn="auto" latinLnBrk="0" hangingPunct="1">
+              <a:lnSpc>
+                <a:spcPct val="100000"/>
+              </a:lnSpc>
+              <a:spcBef>
+                <a:spcPts val="0"/>
+              </a:spcBef>
+              <a:spcAft>
+                <a:spcPts val="0"/>
+              </a:spcAft>
+              <a:buClrTx/>
+              <a:buSzTx/>
+              <a:buFont typeface="Arial" panose="020B0604020202020204" pitchFamily="34" charset="0"/>
+              <a:buChar char="•"/>
+              <a:tabLst/>
+              <a:defRPr/>
+            </a:pPr>
+            <a:endParaRPr lang="en-US" b="0" dirty="0"/>
+          </a:p>
+        </p:txBody>
+      </p:sp>
+      <p:sp>
+        <p:nvSpPr>
+          <p:cNvPr id="4" name="Slide Number Placeholder 3">
+            <a:extLst>
+              <a:ext uri="{FF2B5EF4-FFF2-40B4-BE49-F238E27FC236}">
+                <a16:creationId xmlns:a16="http://schemas.microsoft.com/office/drawing/2014/main" id="{8A6E1B47-09E8-4494-59A8-65DB94E69513}"/>
+              </a:ext>
+            </a:extLst>
+          </p:cNvPr>
+          <p:cNvSpPr>
+            <a:spLocks noGrp="1"/>
+          </p:cNvSpPr>
+          <p:nvPr>
+            <p:ph type="sldNum" sz="quarter" idx="4"/>
+          </p:nvPr>
+        </p:nvSpPr>
+        <p:spPr>
+          <a:xfrm>
+            <a:off x="8153400" y="4797425"/>
+            <a:ext cx="787504" cy="288925"/>
+          </a:xfrm>
+        </p:spPr>
+        <p:txBody>
+          <a:bodyPr/>
+          <a:lstStyle/>
+          <a:p>
+            <a:fld id="{454586D2-FC10-4911-B5CA-CBCADE2DC1FC}" type="slidenum">
+              <a:rPr lang="en-AU" smtClean="0"/>
+              <a:pPr/>
+              <a:t>13</a:t>
+            </a:fld>
+            <a:endParaRPr lang="en-AU" dirty="0"/>
+          </a:p>
+        </p:txBody>
+      </p:sp>
+      <p:pic>
+        <p:nvPicPr>
+          <p:cNvPr id="11" name="Picture 10">
+            <a:extLst>
+              <a:ext uri="{FF2B5EF4-FFF2-40B4-BE49-F238E27FC236}">
+                <a16:creationId xmlns:a16="http://schemas.microsoft.com/office/drawing/2014/main" id="{329C1BBD-F345-7D41-C7DC-F9312132CB71}"/>
+              </a:ext>
+            </a:extLst>
+          </p:cNvPr>
+          <p:cNvPicPr>
+            <a:picLocks noChangeAspect="1"/>
+          </p:cNvPicPr>
+          <p:nvPr/>
+        </p:nvPicPr>
+        <p:blipFill>
+          <a:blip r:embed="rId3">
+            <a:extLst>
+              <a:ext uri="{28A0092B-C50C-407E-A947-70E740481C1C}">
+                <a14:useLocalDpi xmlns:a14="http://schemas.microsoft.com/office/drawing/2010/main" val="0"/>
+              </a:ext>
+            </a:extLst>
+          </a:blip>
+          <a:stretch>
+            <a:fillRect/>
+          </a:stretch>
+        </p:blipFill>
+        <p:spPr>
+          <a:xfrm>
+            <a:off x="260658" y="997313"/>
+            <a:ext cx="4768542" cy="4000838"/>
+          </a:xfrm>
+          <a:prstGeom prst="rect">
+            <a:avLst/>
+          </a:prstGeom>
+        </p:spPr>
+      </p:pic>
+      <p:pic>
+        <p:nvPicPr>
+          <p:cNvPr id="13" name="Picture 12">
+            <a:extLst>
+              <a:ext uri="{FF2B5EF4-FFF2-40B4-BE49-F238E27FC236}">
+                <a16:creationId xmlns:a16="http://schemas.microsoft.com/office/drawing/2014/main" id="{5E342BA6-E8E7-1478-31F1-48BE62104971}"/>
+              </a:ext>
+            </a:extLst>
+          </p:cNvPr>
+          <p:cNvPicPr>
+            <a:picLocks noChangeAspect="1"/>
+          </p:cNvPicPr>
+          <p:nvPr/>
+        </p:nvPicPr>
+        <p:blipFill>
+          <a:blip r:embed="rId4">
+            <a:extLst>
+              <a:ext uri="{28A0092B-C50C-407E-A947-70E740481C1C}">
+                <a14:useLocalDpi xmlns:a14="http://schemas.microsoft.com/office/drawing/2010/main" val="0"/>
+              </a:ext>
+            </a:extLst>
+          </a:blip>
+          <a:stretch>
+            <a:fillRect/>
+          </a:stretch>
+        </p:blipFill>
+        <p:spPr>
+          <a:xfrm>
+            <a:off x="5410200" y="1829657"/>
+            <a:ext cx="3237301" cy="2364695"/>
+          </a:xfrm>
+          <a:prstGeom prst="rect">
+            <a:avLst/>
+          </a:prstGeom>
+        </p:spPr>
+      </p:pic>
+    </p:spTree>
+    <p:extLst>
+      <p:ext uri="{BB962C8B-B14F-4D97-AF65-F5344CB8AC3E}">
+        <p14:creationId xmlns:p14="http://schemas.microsoft.com/office/powerpoint/2010/main" val="2498522498"/>
+      </p:ext>
+    </p:extLst>
+  </p:cSld>
+  <p:clrMapOvr>
+    <a:masterClrMapping/>
+  </p:clrMapOvr>
+</p:sld>
+</file>
+
+<file path=ppt/slides/slide14.xml><?xml version="1.0" encoding="utf-8"?>
+<p:sld xmlns:a="http://schemas.openxmlformats.org/drawingml/2006/main" xmlns:r="http://schemas.openxmlformats.org/officeDocument/2006/relationships" xmlns:p="http://schemas.openxmlformats.org/presentationml/2006/main">
+  <p:cSld>
+    <p:spTree>
+      <p:nvGrpSpPr>
+        <p:cNvPr id="1" name=""/>
+        <p:cNvGrpSpPr/>
+        <p:nvPr/>
+      </p:nvGrpSpPr>
+      <p:grpSpPr>
+        <a:xfrm>
+          <a:off x="0" y="0"/>
+          <a:ext cx="0" cy="0"/>
+          <a:chOff x="0" y="0"/>
+          <a:chExt cx="0" cy="0"/>
+        </a:xfrm>
+      </p:grpSpPr>
+      <p:sp>
+        <p:nvSpPr>
+          <p:cNvPr id="2" name="Title 1">
+            <a:extLst>
+              <a:ext uri="{FF2B5EF4-FFF2-40B4-BE49-F238E27FC236}">
+                <a16:creationId xmlns:a16="http://schemas.microsoft.com/office/drawing/2014/main" id="{34FB3A1B-C244-4590-DA7E-2448C607EAA4}"/>
+              </a:ext>
+            </a:extLst>
+          </p:cNvPr>
+          <p:cNvSpPr>
+            <a:spLocks noGrp="1"/>
+          </p:cNvSpPr>
+          <p:nvPr>
+            <p:ph type="title"/>
+          </p:nvPr>
+        </p:nvSpPr>
+        <p:spPr>
+          <a:xfrm>
+            <a:off x="304800" y="224261"/>
+            <a:ext cx="8636104" cy="351056"/>
+          </a:xfrm>
+        </p:spPr>
+        <p:txBody>
+          <a:bodyPr/>
+          <a:lstStyle/>
+          <a:p>
+            <a:r>
+              <a:rPr lang="en-AU" dirty="0"/>
+              <a:t>Are good employers good companies – Look at sector peers</a:t>
+            </a:r>
+          </a:p>
+        </p:txBody>
+      </p:sp>
+      <p:sp>
+        <p:nvSpPr>
+          <p:cNvPr id="3" name="Content Placeholder 2">
+            <a:extLst>
+              <a:ext uri="{FF2B5EF4-FFF2-40B4-BE49-F238E27FC236}">
+                <a16:creationId xmlns:a16="http://schemas.microsoft.com/office/drawing/2014/main" id="{7011FF0D-23C9-C092-C6FB-006D5A703A81}"/>
+              </a:ext>
+            </a:extLst>
+          </p:cNvPr>
+          <p:cNvSpPr>
+            <a:spLocks noGrp="1"/>
+          </p:cNvSpPr>
+          <p:nvPr>
+            <p:ph sz="quarter" idx="15"/>
+          </p:nvPr>
+        </p:nvSpPr>
+        <p:spPr/>
+        <p:txBody>
+          <a:bodyPr/>
+          <a:lstStyle/>
+          <a:p>
+            <a:pPr marL="0" marR="0" lvl="0" indent="0" algn="l" defTabSz="914400" rtl="0" eaLnBrk="1" fontAlgn="auto" latinLnBrk="0" hangingPunct="1">
+              <a:lnSpc>
+                <a:spcPct val="100000"/>
+              </a:lnSpc>
+              <a:spcBef>
+                <a:spcPts val="0"/>
+              </a:spcBef>
+              <a:spcAft>
+                <a:spcPts val="0"/>
+              </a:spcAft>
+              <a:buClrTx/>
+              <a:buSzTx/>
+              <a:buFontTx/>
+              <a:buNone/>
+              <a:tabLst/>
+              <a:defRPr/>
+            </a:pPr>
+            <a:r>
+              <a:rPr lang="en-US" b="0" dirty="0"/>
+              <a:t>Source : Nasdaq API data feed</a:t>
+            </a:r>
+          </a:p>
+          <a:p>
+            <a:pPr marL="0" marR="0" lvl="0" indent="0" algn="l" defTabSz="914400" rtl="0" eaLnBrk="1" fontAlgn="auto" latinLnBrk="0" hangingPunct="1">
+              <a:lnSpc>
+                <a:spcPct val="100000"/>
+              </a:lnSpc>
+              <a:spcBef>
+                <a:spcPts val="0"/>
+              </a:spcBef>
+              <a:spcAft>
+                <a:spcPts val="0"/>
+              </a:spcAft>
+              <a:buClrTx/>
+              <a:buSzTx/>
+              <a:buFontTx/>
+              <a:buNone/>
+              <a:tabLst/>
+              <a:defRPr/>
+            </a:pPr>
+            <a:endParaRPr lang="en-US" dirty="0"/>
+          </a:p>
+          <a:p>
+            <a:pPr marL="0" marR="0" lvl="0" indent="0" algn="l" defTabSz="914400" rtl="0" eaLnBrk="1" fontAlgn="auto" latinLnBrk="0" hangingPunct="1">
+              <a:lnSpc>
+                <a:spcPct val="100000"/>
+              </a:lnSpc>
+              <a:spcBef>
+                <a:spcPts val="0"/>
+              </a:spcBef>
+              <a:spcAft>
+                <a:spcPts val="0"/>
+              </a:spcAft>
+              <a:buClrTx/>
+              <a:buSzTx/>
+              <a:buFontTx/>
+              <a:buNone/>
+              <a:tabLst/>
+              <a:defRPr/>
+            </a:pPr>
+            <a:r>
+              <a:rPr lang="en-US" b="0" dirty="0"/>
+              <a:t>Bring in finance data via the ticker code to see whether success as an acclaimed employer converts to financial performance.</a:t>
+            </a:r>
+          </a:p>
+          <a:p>
+            <a:pPr marL="0" marR="0" lvl="0" indent="0" algn="l" defTabSz="914400" rtl="0" eaLnBrk="1" fontAlgn="auto" latinLnBrk="0" hangingPunct="1">
+              <a:lnSpc>
+                <a:spcPct val="100000"/>
+              </a:lnSpc>
+              <a:spcBef>
+                <a:spcPts val="0"/>
+              </a:spcBef>
+              <a:spcAft>
+                <a:spcPts val="0"/>
+              </a:spcAft>
+              <a:buClrTx/>
+              <a:buSzTx/>
+              <a:buFontTx/>
+              <a:buNone/>
+              <a:tabLst/>
+              <a:defRPr/>
+            </a:pPr>
+            <a:endParaRPr lang="en-US" dirty="0"/>
+          </a:p>
+          <a:p>
+            <a:pPr algn="l" rtl="0">
+              <a:lnSpc>
+                <a:spcPct val="100000"/>
+              </a:lnSpc>
+              <a:spcBef>
+                <a:spcPts val="0"/>
+              </a:spcBef>
+              <a:spcAft>
+                <a:spcPts val="0"/>
+              </a:spcAft>
+              <a:defRPr/>
+            </a:pPr>
+            <a:r>
+              <a:rPr lang="en-AU" dirty="0"/>
+              <a:t>[Javier’s  graph here]</a:t>
+            </a:r>
+          </a:p>
+          <a:p>
+            <a:pPr marL="0" marR="0" lvl="0" indent="0" algn="l" defTabSz="914400" rtl="0" eaLnBrk="1" fontAlgn="auto" latinLnBrk="0" hangingPunct="1">
+              <a:lnSpc>
+                <a:spcPct val="100000"/>
+              </a:lnSpc>
+              <a:spcBef>
+                <a:spcPts val="0"/>
+              </a:spcBef>
+              <a:spcAft>
+                <a:spcPts val="0"/>
+              </a:spcAft>
+              <a:buClrTx/>
+              <a:buSzTx/>
+              <a:buFontTx/>
+              <a:buNone/>
+              <a:tabLst/>
+              <a:defRPr/>
+            </a:pPr>
+            <a:endParaRPr lang="en-US" b="0" dirty="0"/>
+          </a:p>
+          <a:p>
+            <a:pPr marL="0" marR="0" lvl="0" indent="0" algn="l" defTabSz="914400" rtl="0" eaLnBrk="1" fontAlgn="auto" latinLnBrk="0" hangingPunct="1">
+              <a:lnSpc>
+                <a:spcPct val="100000"/>
+              </a:lnSpc>
+              <a:spcBef>
+                <a:spcPts val="0"/>
+              </a:spcBef>
+              <a:spcAft>
+                <a:spcPts val="0"/>
+              </a:spcAft>
+              <a:buClrTx/>
+              <a:buSzTx/>
+              <a:buFontTx/>
+              <a:buNone/>
+              <a:tabLst/>
+              <a:defRPr/>
+            </a:pPr>
+            <a:r>
+              <a:rPr lang="en-US" b="0" dirty="0"/>
+              <a:t>Discussion</a:t>
+            </a:r>
+          </a:p>
+          <a:p>
+            <a:pPr marL="0" marR="0" lvl="0" indent="0" algn="l" defTabSz="914400" rtl="0" eaLnBrk="1" fontAlgn="auto" latinLnBrk="0" hangingPunct="1">
+              <a:lnSpc>
+                <a:spcPct val="100000"/>
+              </a:lnSpc>
+              <a:spcBef>
+                <a:spcPts val="0"/>
+              </a:spcBef>
+              <a:spcAft>
+                <a:spcPts val="0"/>
+              </a:spcAft>
+              <a:buClrTx/>
+              <a:buSzTx/>
+              <a:buFontTx/>
+              <a:buNone/>
+              <a:tabLst/>
+              <a:defRPr/>
+            </a:pPr>
+            <a:endParaRPr lang="en-US" dirty="0"/>
+          </a:p>
+          <a:p>
+            <a:pPr marL="0" marR="0" lvl="0" indent="0" algn="l" defTabSz="914400" rtl="0" eaLnBrk="1" fontAlgn="auto" latinLnBrk="0" hangingPunct="1">
+              <a:lnSpc>
+                <a:spcPct val="100000"/>
+              </a:lnSpc>
+              <a:spcBef>
+                <a:spcPts val="0"/>
+              </a:spcBef>
+              <a:spcAft>
+                <a:spcPts val="0"/>
+              </a:spcAft>
+              <a:buClrTx/>
+              <a:buSzTx/>
+              <a:buFontTx/>
+              <a:buNone/>
+              <a:tabLst/>
+              <a:defRPr/>
+            </a:pPr>
+            <a:r>
+              <a:rPr lang="en-US" b="0" dirty="0"/>
+              <a:t>Financial Analysis</a:t>
+            </a:r>
+          </a:p>
+          <a:p>
+            <a:pPr marL="285750" marR="0" lvl="0" indent="-285750" algn="l" defTabSz="914400" rtl="0" eaLnBrk="1" fontAlgn="auto" latinLnBrk="0" hangingPunct="1">
+              <a:lnSpc>
+                <a:spcPct val="100000"/>
+              </a:lnSpc>
+              <a:spcBef>
+                <a:spcPts val="0"/>
+              </a:spcBef>
+              <a:spcAft>
+                <a:spcPts val="0"/>
+              </a:spcAft>
+              <a:buClrTx/>
+              <a:buSzTx/>
+              <a:buFont typeface="Arial" panose="020B0604020202020204" pitchFamily="34" charset="0"/>
+              <a:buChar char="•"/>
+              <a:tabLst/>
+              <a:defRPr/>
+            </a:pPr>
+            <a:r>
+              <a:rPr lang="en-US" b="0" dirty="0"/>
+              <a:t>‘Nasdaq API’ and ’</a:t>
+            </a:r>
+            <a:r>
+              <a:rPr lang="en-US" b="0" dirty="0" err="1"/>
+              <a:t>Mergent</a:t>
+            </a:r>
+            <a:r>
+              <a:rPr lang="en-US" b="0" dirty="0"/>
+              <a:t> Global Finance’ data feed</a:t>
+            </a:r>
+          </a:p>
+          <a:p>
+            <a:pPr marL="285750" marR="0" lvl="0" indent="-285750" algn="l" defTabSz="914400" rtl="0" eaLnBrk="1" fontAlgn="auto" latinLnBrk="0" hangingPunct="1">
+              <a:lnSpc>
+                <a:spcPct val="100000"/>
+              </a:lnSpc>
+              <a:spcBef>
+                <a:spcPts val="0"/>
+              </a:spcBef>
+              <a:spcAft>
+                <a:spcPts val="0"/>
+              </a:spcAft>
+              <a:buClrTx/>
+              <a:buSzTx/>
+              <a:buFont typeface="Arial" panose="020B0604020202020204" pitchFamily="34" charset="0"/>
+              <a:buChar char="•"/>
+              <a:tabLst/>
+              <a:defRPr/>
+            </a:pPr>
+            <a:r>
+              <a:rPr lang="en-US" b="0" dirty="0"/>
+              <a:t>Financial measures selected</a:t>
+            </a:r>
+          </a:p>
+          <a:p>
+            <a:pPr marL="285750" marR="0" lvl="0" indent="-285750" algn="l" defTabSz="914400" rtl="0" eaLnBrk="1" fontAlgn="auto" latinLnBrk="0" hangingPunct="1">
+              <a:lnSpc>
+                <a:spcPct val="100000"/>
+              </a:lnSpc>
+              <a:spcBef>
+                <a:spcPts val="0"/>
+              </a:spcBef>
+              <a:spcAft>
+                <a:spcPts val="0"/>
+              </a:spcAft>
+              <a:buClrTx/>
+              <a:buSzTx/>
+              <a:buFont typeface="Arial" panose="020B0604020202020204" pitchFamily="34" charset="0"/>
+              <a:buChar char="•"/>
+              <a:tabLst/>
+              <a:defRPr/>
+            </a:pPr>
+            <a:r>
+              <a:rPr lang="en-US" dirty="0"/>
+              <a:t>D</a:t>
+            </a:r>
+            <a:r>
+              <a:rPr lang="en-US" b="0" dirty="0"/>
+              <a:t>ata cleaning</a:t>
+            </a:r>
+          </a:p>
+          <a:p>
+            <a:pPr marL="285750" marR="0" lvl="0" indent="-285750" algn="l" defTabSz="914400" rtl="0" eaLnBrk="1" fontAlgn="auto" latinLnBrk="0" hangingPunct="1">
+              <a:lnSpc>
+                <a:spcPct val="100000"/>
+              </a:lnSpc>
+              <a:spcBef>
+                <a:spcPts val="0"/>
+              </a:spcBef>
+              <a:spcAft>
+                <a:spcPts val="0"/>
+              </a:spcAft>
+              <a:buClrTx/>
+              <a:buSzTx/>
+              <a:buFont typeface="Arial" panose="020B0604020202020204" pitchFamily="34" charset="0"/>
+              <a:buChar char="•"/>
+              <a:tabLst/>
+              <a:defRPr/>
+            </a:pPr>
+            <a:r>
+              <a:rPr lang="en-US" dirty="0"/>
+              <a:t>R</a:t>
+            </a:r>
+            <a:r>
+              <a:rPr lang="en-US" b="0" dirty="0"/>
+              <a:t>esults</a:t>
+            </a:r>
+          </a:p>
+          <a:p>
+            <a:pPr marR="0" lvl="0" algn="l" defTabSz="914400" rtl="0" eaLnBrk="1" fontAlgn="auto" latinLnBrk="0" hangingPunct="1">
+              <a:lnSpc>
+                <a:spcPct val="100000"/>
+              </a:lnSpc>
+              <a:spcBef>
+                <a:spcPts val="0"/>
+              </a:spcBef>
+              <a:spcAft>
+                <a:spcPts val="0"/>
+              </a:spcAft>
+              <a:buClrTx/>
+              <a:buSzTx/>
+              <a:tabLst/>
+              <a:defRPr/>
+            </a:pPr>
+            <a:endParaRPr lang="en-US" dirty="0"/>
+          </a:p>
+          <a:p>
+            <a:pPr marR="0" lvl="0" algn="l" defTabSz="914400" rtl="0" eaLnBrk="1" fontAlgn="auto" latinLnBrk="0" hangingPunct="1">
+              <a:lnSpc>
+                <a:spcPct val="100000"/>
+              </a:lnSpc>
+              <a:spcBef>
+                <a:spcPts val="0"/>
+              </a:spcBef>
+              <a:spcAft>
+                <a:spcPts val="0"/>
+              </a:spcAft>
+              <a:buClrTx/>
+              <a:buSzTx/>
+              <a:tabLst/>
+              <a:defRPr/>
+            </a:pPr>
+            <a:r>
+              <a:rPr lang="en-US" b="0" dirty="0"/>
+              <a:t>Conclusions</a:t>
+            </a:r>
+          </a:p>
+          <a:p>
+            <a:pPr marL="285750" marR="0" lvl="0" indent="-285750" algn="l" defTabSz="914400" rtl="0" eaLnBrk="1" fontAlgn="auto" latinLnBrk="0" hangingPunct="1">
+              <a:lnSpc>
+                <a:spcPct val="100000"/>
+              </a:lnSpc>
+              <a:spcBef>
+                <a:spcPts val="0"/>
+              </a:spcBef>
+              <a:spcAft>
+                <a:spcPts val="0"/>
+              </a:spcAft>
+              <a:buClrTx/>
+              <a:buSzTx/>
+              <a:buFont typeface="Arial" panose="020B0604020202020204" pitchFamily="34" charset="0"/>
+              <a:buChar char="•"/>
+              <a:tabLst/>
+              <a:defRPr/>
+            </a:pPr>
+            <a:endParaRPr lang="en-US" b="0" dirty="0"/>
+          </a:p>
+          <a:p>
+            <a:pPr marL="285750" marR="0" lvl="0" indent="-285750" algn="l" defTabSz="914400" rtl="0" eaLnBrk="1" fontAlgn="auto" latinLnBrk="0" hangingPunct="1">
+              <a:lnSpc>
+                <a:spcPct val="100000"/>
+              </a:lnSpc>
+              <a:spcBef>
+                <a:spcPts val="0"/>
+              </a:spcBef>
+              <a:spcAft>
+                <a:spcPts val="0"/>
+              </a:spcAft>
+              <a:buClrTx/>
+              <a:buSzTx/>
+              <a:buFont typeface="Arial" panose="020B0604020202020204" pitchFamily="34" charset="0"/>
+              <a:buChar char="•"/>
+              <a:tabLst/>
+              <a:defRPr/>
+            </a:pPr>
+            <a:endParaRPr lang="en-US" b="0" dirty="0"/>
+          </a:p>
+        </p:txBody>
+      </p:sp>
+      <p:sp>
+        <p:nvSpPr>
+          <p:cNvPr id="4" name="Slide Number Placeholder 3">
+            <a:extLst>
+              <a:ext uri="{FF2B5EF4-FFF2-40B4-BE49-F238E27FC236}">
+                <a16:creationId xmlns:a16="http://schemas.microsoft.com/office/drawing/2014/main" id="{8A6E1B47-09E8-4494-59A8-65DB94E69513}"/>
+              </a:ext>
+            </a:extLst>
+          </p:cNvPr>
+          <p:cNvSpPr>
+            <a:spLocks noGrp="1"/>
+          </p:cNvSpPr>
+          <p:nvPr>
+            <p:ph type="sldNum" sz="quarter" idx="4"/>
+          </p:nvPr>
+        </p:nvSpPr>
+        <p:spPr>
+          <a:xfrm>
+            <a:off x="8153400" y="4797425"/>
+            <a:ext cx="787504" cy="288925"/>
+          </a:xfrm>
+        </p:spPr>
+        <p:txBody>
+          <a:bodyPr/>
+          <a:lstStyle/>
+          <a:p>
+            <a:fld id="{454586D2-FC10-4911-B5CA-CBCADE2DC1FC}" type="slidenum">
+              <a:rPr lang="en-AU" smtClean="0"/>
+              <a:pPr/>
+              <a:t>14</a:t>
+            </a:fld>
+            <a:endParaRPr lang="en-AU" dirty="0"/>
+          </a:p>
+        </p:txBody>
+      </p:sp>
+    </p:spTree>
+    <p:extLst>
+      <p:ext uri="{BB962C8B-B14F-4D97-AF65-F5344CB8AC3E}">
+        <p14:creationId xmlns:p14="http://schemas.microsoft.com/office/powerpoint/2010/main" val="1011321571"/>
+      </p:ext>
+    </p:extLst>
+  </p:cSld>
+  <p:clrMapOvr>
+    <a:masterClrMapping/>
+  </p:clrMapOvr>
+</p:sld>
+</file>
+
+<file path=ppt/slides/slide15.xml><?xml version="1.0" encoding="utf-8"?>
+<p:sld xmlns:a="http://schemas.openxmlformats.org/drawingml/2006/main" xmlns:r="http://schemas.openxmlformats.org/officeDocument/2006/relationships" xmlns:p="http://schemas.openxmlformats.org/presentationml/2006/main">
+  <p:cSld>
+    <p:spTree>
+      <p:nvGrpSpPr>
+        <p:cNvPr id="1" name=""/>
+        <p:cNvGrpSpPr/>
+        <p:nvPr/>
+      </p:nvGrpSpPr>
+      <p:grpSpPr>
+        <a:xfrm>
+          <a:off x="0" y="0"/>
+          <a:ext cx="0" cy="0"/>
+          <a:chOff x="0" y="0"/>
+          <a:chExt cx="0" cy="0"/>
+        </a:xfrm>
+      </p:grpSpPr>
+      <p:sp>
+        <p:nvSpPr>
+          <p:cNvPr id="2" name="Title 1">
+            <a:extLst>
+              <a:ext uri="{FF2B5EF4-FFF2-40B4-BE49-F238E27FC236}">
+                <a16:creationId xmlns:a16="http://schemas.microsoft.com/office/drawing/2014/main" id="{701B6E93-FFD4-862D-8372-D965E3154947}"/>
+              </a:ext>
+            </a:extLst>
+          </p:cNvPr>
+          <p:cNvSpPr>
+            <a:spLocks noGrp="1"/>
+          </p:cNvSpPr>
+          <p:nvPr>
+            <p:ph type="title"/>
+          </p:nvPr>
+        </p:nvSpPr>
+        <p:spPr/>
+        <p:txBody>
+          <a:bodyPr/>
+          <a:lstStyle/>
+          <a:p>
+            <a:r>
+              <a:rPr lang="en-AU" dirty="0"/>
+              <a:t>Other factor contributing to being good employer</a:t>
+            </a:r>
+          </a:p>
+        </p:txBody>
+      </p:sp>
+      <p:sp>
+        <p:nvSpPr>
+          <p:cNvPr id="3" name="Content Placeholder 2">
+            <a:extLst>
+              <a:ext uri="{FF2B5EF4-FFF2-40B4-BE49-F238E27FC236}">
+                <a16:creationId xmlns:a16="http://schemas.microsoft.com/office/drawing/2014/main" id="{3DEF607B-8E14-862E-0DFE-14BF68696A13}"/>
+              </a:ext>
+            </a:extLst>
+          </p:cNvPr>
+          <p:cNvSpPr>
+            <a:spLocks noGrp="1"/>
+          </p:cNvSpPr>
+          <p:nvPr>
+            <p:ph sz="quarter" idx="15"/>
+          </p:nvPr>
+        </p:nvSpPr>
+        <p:spPr/>
+        <p:txBody>
+          <a:bodyPr/>
+          <a:lstStyle/>
+          <a:p>
+            <a:r>
+              <a:rPr lang="en-AU" dirty="0"/>
+              <a:t>Analyse demographics for country of HQ</a:t>
+            </a:r>
+          </a:p>
+          <a:p>
+            <a:endParaRPr lang="en-AU" dirty="0"/>
+          </a:p>
+          <a:p>
+            <a:endParaRPr lang="en-AU" dirty="0"/>
+          </a:p>
+          <a:p>
+            <a:pPr algn="l" rtl="0">
+              <a:lnSpc>
+                <a:spcPct val="100000"/>
+              </a:lnSpc>
+              <a:spcBef>
+                <a:spcPts val="0"/>
+              </a:spcBef>
+              <a:spcAft>
+                <a:spcPts val="0"/>
+              </a:spcAft>
+              <a:defRPr/>
+            </a:pPr>
+            <a:r>
+              <a:rPr lang="en-AU" dirty="0"/>
+              <a:t>[Rohan’s  graphs here]</a:t>
+            </a:r>
+          </a:p>
+          <a:p>
+            <a:pPr marL="0" marR="0" lvl="0" indent="0" algn="l" defTabSz="914400" rtl="0" eaLnBrk="1" fontAlgn="auto" latinLnBrk="0" hangingPunct="1">
+              <a:lnSpc>
+                <a:spcPct val="100000"/>
+              </a:lnSpc>
+              <a:spcBef>
+                <a:spcPts val="0"/>
+              </a:spcBef>
+              <a:spcAft>
+                <a:spcPts val="0"/>
+              </a:spcAft>
+              <a:buClrTx/>
+              <a:buSzTx/>
+              <a:buFontTx/>
+              <a:buNone/>
+              <a:tabLst/>
+              <a:defRPr/>
+            </a:pPr>
+            <a:endParaRPr lang="en-US" b="0" dirty="0"/>
+          </a:p>
+          <a:p>
+            <a:pPr marL="0" marR="0" lvl="0" indent="0" algn="l" defTabSz="914400" rtl="0" eaLnBrk="1" fontAlgn="auto" latinLnBrk="0" hangingPunct="1">
+              <a:lnSpc>
+                <a:spcPct val="100000"/>
+              </a:lnSpc>
+              <a:spcBef>
+                <a:spcPts val="0"/>
+              </a:spcBef>
+              <a:spcAft>
+                <a:spcPts val="0"/>
+              </a:spcAft>
+              <a:buClrTx/>
+              <a:buSzTx/>
+              <a:buFontTx/>
+              <a:buNone/>
+              <a:tabLst/>
+              <a:defRPr/>
+            </a:pPr>
+            <a:r>
+              <a:rPr lang="en-US" b="0" dirty="0"/>
+              <a:t>Discussion</a:t>
+            </a:r>
+          </a:p>
+          <a:p>
+            <a:pPr marL="0" marR="0" lvl="0" indent="0" algn="l" defTabSz="914400" rtl="0" eaLnBrk="1" fontAlgn="auto" latinLnBrk="0" hangingPunct="1">
+              <a:lnSpc>
+                <a:spcPct val="100000"/>
+              </a:lnSpc>
+              <a:spcBef>
+                <a:spcPts val="0"/>
+              </a:spcBef>
+              <a:spcAft>
+                <a:spcPts val="0"/>
+              </a:spcAft>
+              <a:buClrTx/>
+              <a:buSzTx/>
+              <a:buFontTx/>
+              <a:buNone/>
+              <a:tabLst/>
+              <a:defRPr/>
+            </a:pPr>
+            <a:endParaRPr lang="en-US" dirty="0"/>
+          </a:p>
+          <a:p>
+            <a:pPr marL="0" marR="0" lvl="0" indent="0" algn="l" defTabSz="914400" rtl="0" eaLnBrk="1" fontAlgn="auto" latinLnBrk="0" hangingPunct="1">
+              <a:lnSpc>
+                <a:spcPct val="100000"/>
+              </a:lnSpc>
+              <a:spcBef>
+                <a:spcPts val="0"/>
+              </a:spcBef>
+              <a:spcAft>
+                <a:spcPts val="0"/>
+              </a:spcAft>
+              <a:buClrTx/>
+              <a:buSzTx/>
+              <a:buFontTx/>
+              <a:buNone/>
+              <a:tabLst/>
+              <a:defRPr/>
+            </a:pPr>
+            <a:r>
+              <a:rPr lang="en-US" b="0" dirty="0"/>
+              <a:t>Country Analysis</a:t>
+            </a:r>
+          </a:p>
+          <a:p>
+            <a:pPr marL="285750" marR="0" lvl="0" indent="-285750" algn="l" defTabSz="914400" rtl="0" eaLnBrk="1" fontAlgn="auto" latinLnBrk="0" hangingPunct="1">
+              <a:lnSpc>
+                <a:spcPct val="100000"/>
+              </a:lnSpc>
+              <a:spcBef>
+                <a:spcPts val="0"/>
+              </a:spcBef>
+              <a:spcAft>
+                <a:spcPts val="0"/>
+              </a:spcAft>
+              <a:buClrTx/>
+              <a:buSzTx/>
+              <a:buFont typeface="Arial" panose="020B0604020202020204" pitchFamily="34" charset="0"/>
+              <a:buChar char="•"/>
+              <a:tabLst/>
+              <a:defRPr/>
+            </a:pPr>
+            <a:r>
+              <a:rPr lang="en-US" b="0" dirty="0"/>
+              <a:t>Any country-specific qualities affecting company performance in Forbes ranking or Glassdoor scores</a:t>
+            </a:r>
+          </a:p>
+          <a:p>
+            <a:pPr marR="0" lvl="0" algn="l" defTabSz="914400" rtl="0" eaLnBrk="1" fontAlgn="auto" latinLnBrk="0" hangingPunct="1">
+              <a:lnSpc>
+                <a:spcPct val="100000"/>
+              </a:lnSpc>
+              <a:spcBef>
+                <a:spcPts val="0"/>
+              </a:spcBef>
+              <a:spcAft>
+                <a:spcPts val="0"/>
+              </a:spcAft>
+              <a:buClrTx/>
+              <a:buSzTx/>
+              <a:tabLst/>
+              <a:defRPr/>
+            </a:pPr>
+            <a:endParaRPr lang="en-US" dirty="0"/>
+          </a:p>
+          <a:p>
+            <a:pPr marR="0" lvl="0" algn="l" defTabSz="914400" rtl="0" eaLnBrk="1" fontAlgn="auto" latinLnBrk="0" hangingPunct="1">
+              <a:lnSpc>
+                <a:spcPct val="100000"/>
+              </a:lnSpc>
+              <a:spcBef>
+                <a:spcPts val="0"/>
+              </a:spcBef>
+              <a:spcAft>
+                <a:spcPts val="0"/>
+              </a:spcAft>
+              <a:buClrTx/>
+              <a:buSzTx/>
+              <a:tabLst/>
+              <a:defRPr/>
+            </a:pPr>
+            <a:r>
+              <a:rPr lang="en-US" b="0" dirty="0"/>
+              <a:t>Conclusions</a:t>
+            </a:r>
+          </a:p>
+          <a:p>
+            <a:endParaRPr lang="en-AU" dirty="0"/>
+          </a:p>
+        </p:txBody>
+      </p:sp>
+      <p:sp>
+        <p:nvSpPr>
+          <p:cNvPr id="4" name="Slide Number Placeholder 3">
+            <a:extLst>
+              <a:ext uri="{FF2B5EF4-FFF2-40B4-BE49-F238E27FC236}">
+                <a16:creationId xmlns:a16="http://schemas.microsoft.com/office/drawing/2014/main" id="{1FE8C455-97BF-6B95-5335-911BD4DB4D59}"/>
+              </a:ext>
+            </a:extLst>
+          </p:cNvPr>
+          <p:cNvSpPr>
+            <a:spLocks noGrp="1"/>
+          </p:cNvSpPr>
+          <p:nvPr>
+            <p:ph type="sldNum" sz="quarter" idx="4"/>
+          </p:nvPr>
+        </p:nvSpPr>
+        <p:spPr>
+          <a:xfrm>
+            <a:off x="8153400" y="4797425"/>
+            <a:ext cx="787504" cy="288925"/>
+          </a:xfrm>
+        </p:spPr>
+        <p:txBody>
+          <a:bodyPr/>
+          <a:lstStyle/>
+          <a:p>
+            <a:fld id="{454586D2-FC10-4911-B5CA-CBCADE2DC1FC}" type="slidenum">
+              <a:rPr lang="en-AU" smtClean="0"/>
+              <a:pPr/>
+              <a:t>15</a:t>
+            </a:fld>
+            <a:endParaRPr lang="en-AU" dirty="0"/>
+          </a:p>
+        </p:txBody>
+      </p:sp>
+    </p:spTree>
+    <p:extLst>
+      <p:ext uri="{BB962C8B-B14F-4D97-AF65-F5344CB8AC3E}">
+        <p14:creationId xmlns:p14="http://schemas.microsoft.com/office/powerpoint/2010/main" val="684092711"/>
+      </p:ext>
+    </p:extLst>
+  </p:cSld>
+  <p:clrMapOvr>
+    <a:masterClrMapping/>
+  </p:clrMapOvr>
+</p:sld>
+</file>
+
+<file path=ppt/slides/slide16.xml><?xml version="1.0" encoding="utf-8"?>
+<p:sld xmlns:a="http://schemas.openxmlformats.org/drawingml/2006/main" xmlns:r="http://schemas.openxmlformats.org/officeDocument/2006/relationships" xmlns:p="http://schemas.openxmlformats.org/presentationml/2006/main">
+  <p:cSld>
+    <p:spTree>
+      <p:nvGrpSpPr>
+        <p:cNvPr id="1" name=""/>
+        <p:cNvGrpSpPr/>
+        <p:nvPr/>
+      </p:nvGrpSpPr>
+      <p:grpSpPr>
+        <a:xfrm>
+          <a:off x="0" y="0"/>
+          <a:ext cx="0" cy="0"/>
+          <a:chOff x="0" y="0"/>
+          <a:chExt cx="0" cy="0"/>
+        </a:xfrm>
+      </p:grpSpPr>
+      <p:sp>
+        <p:nvSpPr>
+          <p:cNvPr id="2" name="Title 1">
+            <a:extLst>
+              <a:ext uri="{FF2B5EF4-FFF2-40B4-BE49-F238E27FC236}">
+                <a16:creationId xmlns:a16="http://schemas.microsoft.com/office/drawing/2014/main" id="{05FE03FE-07FA-7C03-D6E5-555C2B2EE4E7}"/>
+              </a:ext>
+            </a:extLst>
+          </p:cNvPr>
+          <p:cNvSpPr>
+            <a:spLocks noGrp="1"/>
+          </p:cNvSpPr>
+          <p:nvPr>
+            <p:ph type="title"/>
+          </p:nvPr>
+        </p:nvSpPr>
+        <p:spPr/>
+        <p:txBody>
+          <a:bodyPr/>
+          <a:lstStyle/>
+          <a:p>
+            <a:r>
+              <a:rPr lang="en-AU" dirty="0"/>
+              <a:t>Conclusions</a:t>
+            </a:r>
+          </a:p>
+        </p:txBody>
+      </p:sp>
+      <p:sp>
+        <p:nvSpPr>
+          <p:cNvPr id="3" name="Slide Number Placeholder 2">
+            <a:extLst>
+              <a:ext uri="{FF2B5EF4-FFF2-40B4-BE49-F238E27FC236}">
+                <a16:creationId xmlns:a16="http://schemas.microsoft.com/office/drawing/2014/main" id="{85EAAE81-F38C-3A23-CAF5-7C71EE9F84CA}"/>
+              </a:ext>
+            </a:extLst>
+          </p:cNvPr>
+          <p:cNvSpPr>
+            <a:spLocks noGrp="1"/>
+          </p:cNvSpPr>
+          <p:nvPr>
+            <p:ph type="sldNum" sz="quarter" idx="4"/>
+          </p:nvPr>
+        </p:nvSpPr>
+        <p:spPr/>
+        <p:txBody>
+          <a:bodyPr/>
+          <a:lstStyle/>
+          <a:p>
+            <a:fld id="{454586D2-FC10-4911-B5CA-CBCADE2DC1FC}" type="slidenum">
+              <a:rPr lang="en-AU" smtClean="0"/>
+              <a:pPr/>
+              <a:t>16</a:t>
+            </a:fld>
+            <a:endParaRPr lang="en-AU" dirty="0"/>
+          </a:p>
+        </p:txBody>
+      </p:sp>
+      <p:sp>
+        <p:nvSpPr>
+          <p:cNvPr id="4" name="Content Placeholder 3">
+            <a:extLst>
+              <a:ext uri="{FF2B5EF4-FFF2-40B4-BE49-F238E27FC236}">
+                <a16:creationId xmlns:a16="http://schemas.microsoft.com/office/drawing/2014/main" id="{270D31DA-01D2-223C-A945-57B5F8B5C09D}"/>
+              </a:ext>
+            </a:extLst>
+          </p:cNvPr>
+          <p:cNvSpPr>
+            <a:spLocks noGrp="1"/>
+          </p:cNvSpPr>
+          <p:nvPr>
+            <p:ph sz="quarter" idx="15"/>
+          </p:nvPr>
+        </p:nvSpPr>
+        <p:spPr/>
+        <p:txBody>
+          <a:bodyPr/>
+          <a:lstStyle/>
+          <a:p>
+            <a:r>
+              <a:rPr lang="en-AU" dirty="0"/>
+              <a:t>Overall we conclude:</a:t>
+            </a:r>
+          </a:p>
+          <a:p>
+            <a:pPr marL="285750" indent="-285750">
+              <a:buFont typeface="Arial" panose="020B0604020202020204" pitchFamily="34" charset="0"/>
+              <a:buChar char="•"/>
+            </a:pPr>
+            <a:r>
+              <a:rPr lang="en-AU" dirty="0"/>
+              <a:t>Established, longstanding companies</a:t>
+            </a:r>
+          </a:p>
+          <a:p>
+            <a:pPr marL="285750" indent="-285750">
+              <a:buFont typeface="Arial" panose="020B0604020202020204" pitchFamily="34" charset="0"/>
+              <a:buChar char="•"/>
+            </a:pPr>
+            <a:r>
+              <a:rPr lang="en-AU" dirty="0"/>
+              <a:t>High brand recognition/value</a:t>
+            </a:r>
+          </a:p>
+          <a:p>
+            <a:pPr marL="285750" indent="-285750">
+              <a:buFont typeface="Arial" panose="020B0604020202020204" pitchFamily="34" charset="0"/>
+              <a:buChar char="•"/>
+            </a:pPr>
+            <a:r>
+              <a:rPr lang="en-AU" dirty="0"/>
+              <a:t>Would investigate this further</a:t>
+            </a:r>
+          </a:p>
+          <a:p>
+            <a:pPr marL="285750" indent="-285750">
+              <a:buFont typeface="Arial" panose="020B0604020202020204" pitchFamily="34" charset="0"/>
+              <a:buChar char="•"/>
+            </a:pPr>
+            <a:endParaRPr lang="en-AU" dirty="0"/>
+          </a:p>
+          <a:p>
+            <a:r>
+              <a:rPr lang="en-US" dirty="0"/>
+              <a:t>Difficulties and limitations</a:t>
+            </a:r>
+          </a:p>
+          <a:p>
+            <a:endParaRPr lang="en-AU" dirty="0"/>
+          </a:p>
+          <a:p>
+            <a:r>
+              <a:rPr lang="en-US" dirty="0"/>
+              <a:t>Did the data uncover any answers to our initial research questions?</a:t>
+            </a:r>
+          </a:p>
+          <a:p>
+            <a:endParaRPr lang="en-AU" dirty="0"/>
+          </a:p>
+          <a:p>
+            <a:pPr marL="285750" indent="-285750">
+              <a:buFont typeface="Arial" panose="020B0604020202020204" pitchFamily="34" charset="0"/>
+              <a:buChar char="•"/>
+            </a:pPr>
+            <a:endParaRPr lang="en-AU" dirty="0"/>
+          </a:p>
+          <a:p>
+            <a:pPr marL="285750" indent="-285750">
+              <a:buFont typeface="Arial" panose="020B0604020202020204" pitchFamily="34" charset="0"/>
+              <a:buChar char="•"/>
+            </a:pPr>
+            <a:endParaRPr lang="en-AU" dirty="0"/>
+          </a:p>
+        </p:txBody>
+      </p:sp>
+    </p:spTree>
+    <p:extLst>
+      <p:ext uri="{BB962C8B-B14F-4D97-AF65-F5344CB8AC3E}">
+        <p14:creationId xmlns:p14="http://schemas.microsoft.com/office/powerpoint/2010/main" val="3549187172"/>
+      </p:ext>
+    </p:extLst>
+  </p:cSld>
+  <p:clrMapOvr>
+    <a:masterClrMapping/>
+  </p:clrMapOvr>
+</p:sld>
+</file>
+
 <file path=ppt/slides/slide2.xml><?xml version="1.0" encoding="utf-8"?>
 <p:sld xmlns:a="http://schemas.openxmlformats.org/drawingml/2006/main" xmlns:r="http://schemas.openxmlformats.org/officeDocument/2006/relationships" xmlns:p="http://schemas.openxmlformats.org/presentationml/2006/main">
   <p:cSld>
@@ -3386,8 +5576,12 @@
           <a:lstStyle/>
           <a:p>
             <a:r>
+              <a:rPr lang="en-AU" dirty="0" err="1"/>
+              <a:t>Pleminary</a:t>
+            </a:r>
+            <a:r>
               <a:rPr lang="en-AU" dirty="0"/>
-              <a:t>Attributes of good employers – Look into Forbes / Glassdoor</a:t>
+              <a:t> Analysis – Look into Forbes / Glassdoor</a:t>
             </a:r>
           </a:p>
         </p:txBody>
@@ -3415,19 +5609,51 @@
           <a:p>
             <a:r>
               <a:rPr lang="en-AU" dirty="0"/>
+              <a:t>Source: </a:t>
+            </a:r>
+          </a:p>
+          <a:p>
+            <a:pPr marL="838200" lvl="3"/>
+            <a:r>
+              <a:rPr lang="en-AU" dirty="0"/>
+              <a:t>Kaggle dataset (</a:t>
+            </a:r>
+            <a:r>
+              <a:rPr lang="en-AU" dirty="0">
+                <a:hlinkClick r:id="rId3"/>
+              </a:rPr>
+              <a:t>https://www.kaggle.com/datasets/devrimtuner/worlds-best-employers-top-100</a:t>
+            </a:r>
+            <a:r>
+              <a:rPr lang="en-AU" dirty="0"/>
+              <a:t>)</a:t>
+            </a:r>
+          </a:p>
+          <a:p>
+            <a:pPr marL="838200" lvl="3"/>
+            <a:r>
+              <a:rPr lang="en-AU" dirty="0"/>
+              <a:t>Glassdoor Rating site</a:t>
+            </a:r>
+          </a:p>
+          <a:p>
+            <a:pPr marL="838200" lvl="3"/>
+            <a:r>
+              <a:rPr lang="en-AU" dirty="0" err="1"/>
+              <a:t>Geoapify</a:t>
+            </a:r>
+            <a:endParaRPr lang="en-AU" dirty="0"/>
+          </a:p>
+          <a:p>
+            <a:r>
+              <a:rPr lang="en-AU" dirty="0"/>
+              <a:t>Note  - Approach: Combine Dataset from Kaggle and Glassdoor ratings to see what sector made it to top 100, which area most of the company came from, also to see if there’s a correlation between top 100 companies and their Company Ratings </a:t>
+            </a:r>
+          </a:p>
+          <a:p>
+            <a:r>
+              <a:rPr lang="en-AU" dirty="0"/>
               <a:t>[Timo’s graph here]</a:t>
-            </a:r>
-          </a:p>
-          <a:p>
-            <a:endParaRPr lang="en-AU" dirty="0"/>
-          </a:p>
-          <a:p>
-            <a:endParaRPr lang="en-AU" dirty="0"/>
-          </a:p>
-          <a:p>
-            <a:r>
-              <a:rPr lang="en-US" sz="1400" dirty="0"/>
-              <a:t>Initial Analysis of Data</a:t>
             </a:r>
           </a:p>
           <a:p>
@@ -3437,8 +5663,13 @@
             </a:pPr>
             <a:r>
               <a:rPr lang="en-US" sz="1400" dirty="0"/>
-              <a:t>Sector analysis</a:t>
-            </a:r>
+              <a:t>Employee size – (Small (&lt; 50000) ,Medium (50000 – 200000), and Large (&gt;200000 Enterprise</a:t>
+            </a:r>
+            <a:r>
+              <a:rPr lang="en-US" dirty="0"/>
+              <a:t>)</a:t>
+            </a:r>
+            <a:endParaRPr lang="en-US" sz="1400" dirty="0"/>
           </a:p>
           <a:p>
             <a:pPr marL="285750" indent="-285750">
@@ -3447,7 +5678,7 @@
             </a:pPr>
             <a:r>
               <a:rPr lang="en-US" sz="1400" dirty="0"/>
-              <a:t>Employee size</a:t>
+              <a:t>Country -</a:t>
             </a:r>
           </a:p>
           <a:p>
@@ -3457,7 +5688,7 @@
             </a:pPr>
             <a:r>
               <a:rPr lang="en-US" sz="1400" dirty="0"/>
-              <a:t>Country </a:t>
+              <a:t>Glassdoor </a:t>
             </a:r>
           </a:p>
           <a:p>
@@ -3466,32 +5697,12 @@
               <a:buChar char="•"/>
             </a:pPr>
             <a:r>
-              <a:rPr lang="en-US" sz="1400" dirty="0"/>
-              <a:t>Glassdoor </a:t>
-            </a:r>
-          </a:p>
-          <a:p>
-            <a:pPr marL="285750" indent="-285750">
-              <a:buFont typeface="Arial" panose="020B0604020202020204" pitchFamily="34" charset="0"/>
-              <a:buChar char="•"/>
-            </a:pPr>
-            <a:r>
               <a:rPr lang="en-US" dirty="0"/>
               <a:t>Anything else?</a:t>
             </a:r>
           </a:p>
           <a:p>
             <a:endParaRPr lang="en-US" dirty="0"/>
-          </a:p>
-          <a:p>
-            <a:r>
-              <a:rPr lang="en-US" dirty="0"/>
-              <a:t>Conclusions</a:t>
-            </a:r>
-            <a:r>
-              <a:rPr lang="en-AU" dirty="0"/>
-              <a:t>	</a:t>
-            </a:r>
           </a:p>
         </p:txBody>
       </p:sp>
@@ -3565,7 +5776,7 @@
           <p:cNvPr id="2" name="Title 1">
             <a:extLst>
               <a:ext uri="{FF2B5EF4-FFF2-40B4-BE49-F238E27FC236}">
-                <a16:creationId xmlns:a16="http://schemas.microsoft.com/office/drawing/2014/main" id="{34FB3A1B-C244-4590-DA7E-2448C607EAA4}"/>
+                <a16:creationId xmlns:a16="http://schemas.microsoft.com/office/drawing/2014/main" id="{D7914F4B-639C-A99A-D3A2-308261FE90B9}"/>
               </a:ext>
             </a:extLst>
           </p:cNvPr>
@@ -3576,29 +5787,32 @@
             <p:ph type="title"/>
           </p:nvPr>
         </p:nvSpPr>
-        <p:spPr>
-          <a:xfrm>
-            <a:off x="304800" y="224261"/>
-            <a:ext cx="8636104" cy="351056"/>
-          </a:xfrm>
-        </p:spPr>
+        <p:spPr/>
         <p:txBody>
           <a:bodyPr/>
           <a:lstStyle/>
           <a:p>
             <a:r>
+              <a:rPr lang="en-AU" dirty="0" err="1"/>
+              <a:t>Pleminary</a:t>
+            </a:r>
+            <a:r>
               <a:rPr lang="en-AU" dirty="0"/>
-              <a:t>Are good employers good companies? – Look within Top 100</a:t>
-            </a:r>
+              <a:t> Analysis – Sector Analysis</a:t>
+            </a:r>
+            <a:br>
+              <a:rPr lang="en-US" sz="2400" dirty="0"/>
+            </a:br>
+            <a:endParaRPr lang="en-AU" dirty="0"/>
           </a:p>
         </p:txBody>
       </p:sp>
       <p:sp>
         <p:nvSpPr>
-          <p:cNvPr id="3" name="Content Placeholder 2">
+          <p:cNvPr id="3" name="Slide Number Placeholder 2">
             <a:extLst>
               <a:ext uri="{FF2B5EF4-FFF2-40B4-BE49-F238E27FC236}">
-                <a16:creationId xmlns:a16="http://schemas.microsoft.com/office/drawing/2014/main" id="{7011FF0D-23C9-C092-C6FB-006D5A703A81}"/>
+                <a16:creationId xmlns:a16="http://schemas.microsoft.com/office/drawing/2014/main" id="{60E7B092-0133-759F-6A5F-69F96600EBA0}"/>
               </a:ext>
             </a:extLst>
           </p:cNvPr>
@@ -3606,7 +5820,7 @@
             <a:spLocks noGrp="1"/>
           </p:cNvSpPr>
           <p:nvPr>
-            <p:ph sz="quarter" idx="15"/>
+            <p:ph type="sldNum" sz="quarter" idx="4"/>
           </p:nvPr>
         </p:nvSpPr>
         <p:spPr/>
@@ -3614,139 +5828,21 @@
           <a:bodyPr/>
           <a:lstStyle/>
           <a:p>
-            <a:pPr marL="0" marR="0" lvl="0" indent="0" algn="l" defTabSz="914400" rtl="0" eaLnBrk="1" fontAlgn="auto" latinLnBrk="0" hangingPunct="1">
-              <a:lnSpc>
-                <a:spcPct val="100000"/>
-              </a:lnSpc>
-              <a:spcBef>
-                <a:spcPts val="0"/>
-              </a:spcBef>
-              <a:spcAft>
-                <a:spcPts val="0"/>
-              </a:spcAft>
-              <a:buClrTx/>
-              <a:buSzTx/>
-              <a:buFontTx/>
-              <a:buNone/>
-              <a:tabLst/>
-              <a:defRPr/>
-            </a:pPr>
-            <a:r>
-              <a:rPr lang="en-US" b="0" dirty="0"/>
-              <a:t>Source : Yahoo Finance data feed</a:t>
-            </a:r>
-          </a:p>
-          <a:p>
-            <a:pPr marL="0" marR="0" lvl="0" indent="0" algn="l" defTabSz="914400" rtl="0" eaLnBrk="1" fontAlgn="auto" latinLnBrk="0" hangingPunct="1">
-              <a:lnSpc>
-                <a:spcPct val="100000"/>
-              </a:lnSpc>
-              <a:spcBef>
-                <a:spcPts val="0"/>
-              </a:spcBef>
-              <a:spcAft>
-                <a:spcPts val="0"/>
-              </a:spcAft>
-              <a:buClrTx/>
-              <a:buSzTx/>
-              <a:buFontTx/>
-              <a:buNone/>
-              <a:tabLst/>
-              <a:defRPr/>
-            </a:pPr>
-            <a:endParaRPr lang="en-US" dirty="0"/>
-          </a:p>
-          <a:p>
-            <a:pPr marL="0" marR="0" lvl="0" indent="0" algn="l" defTabSz="914400" rtl="0" eaLnBrk="1" fontAlgn="auto" latinLnBrk="0" hangingPunct="1">
-              <a:lnSpc>
-                <a:spcPct val="100000"/>
-              </a:lnSpc>
-              <a:spcBef>
-                <a:spcPts val="0"/>
-              </a:spcBef>
-              <a:spcAft>
-                <a:spcPts val="0"/>
-              </a:spcAft>
-              <a:buClrTx/>
-              <a:buSzTx/>
-              <a:buFontTx/>
-              <a:buNone/>
-              <a:tabLst/>
-              <a:defRPr/>
-            </a:pPr>
-            <a:r>
-              <a:rPr lang="en-US" b="0" dirty="0"/>
-              <a:t>Approach: Bring in finance data via the ticker code to see whether success as an acclaimed employer converts to financial performance.</a:t>
-            </a:r>
-          </a:p>
-          <a:p>
-            <a:pPr marL="0" marR="0" lvl="0" indent="0" algn="l" defTabSz="914400" rtl="0" eaLnBrk="1" fontAlgn="auto" latinLnBrk="0" hangingPunct="1">
-              <a:lnSpc>
-                <a:spcPct val="100000"/>
-              </a:lnSpc>
-              <a:spcBef>
-                <a:spcPts val="0"/>
-              </a:spcBef>
-              <a:spcAft>
-                <a:spcPts val="0"/>
-              </a:spcAft>
-              <a:buClrTx/>
-              <a:buSzTx/>
-              <a:buFontTx/>
-              <a:buNone/>
-              <a:tabLst/>
-              <a:defRPr/>
-            </a:pPr>
-            <a:endParaRPr lang="en-US" dirty="0"/>
-          </a:p>
-          <a:p>
-            <a:pPr marL="285750" marR="0" lvl="0" indent="-285750" algn="l" defTabSz="914400" rtl="0" eaLnBrk="1" fontAlgn="auto" latinLnBrk="0" hangingPunct="1">
-              <a:lnSpc>
-                <a:spcPct val="100000"/>
-              </a:lnSpc>
-              <a:spcBef>
-                <a:spcPts val="0"/>
-              </a:spcBef>
-              <a:spcAft>
-                <a:spcPts val="0"/>
-              </a:spcAft>
-              <a:buClrTx/>
-              <a:buSzTx/>
-              <a:buFont typeface="Arial" panose="020B0604020202020204" pitchFamily="34" charset="0"/>
-              <a:buChar char="•"/>
-              <a:tabLst/>
-              <a:defRPr/>
-            </a:pPr>
-            <a:endParaRPr lang="en-US" b="0" dirty="0"/>
-          </a:p>
-          <a:p>
-            <a:pPr marL="285750" marR="0" lvl="0" indent="-285750" algn="l" defTabSz="914400" rtl="0" eaLnBrk="1" fontAlgn="auto" latinLnBrk="0" hangingPunct="1">
-              <a:lnSpc>
-                <a:spcPct val="100000"/>
-              </a:lnSpc>
-              <a:spcBef>
-                <a:spcPts val="0"/>
-              </a:spcBef>
-              <a:spcAft>
-                <a:spcPts val="0"/>
-              </a:spcAft>
-              <a:buClrTx/>
-              <a:buSzTx/>
-              <a:buFont typeface="Arial" panose="020B0604020202020204" pitchFamily="34" charset="0"/>
-              <a:buChar char="•"/>
-              <a:tabLst/>
-              <a:defRPr/>
-            </a:pPr>
-            <a:endParaRPr lang="en-US" b="0" dirty="0"/>
+            <a:fld id="{454586D2-FC10-4911-B5CA-CBCADE2DC1FC}" type="slidenum">
+              <a:rPr lang="en-AU" smtClean="0"/>
+              <a:pPr/>
+              <a:t>4</a:t>
+            </a:fld>
+            <a:endParaRPr lang="en-AU" dirty="0"/>
           </a:p>
         </p:txBody>
       </p:sp>
       <p:sp>
         <p:nvSpPr>
-          <p:cNvPr id="4" name="Slide Number Placeholder 3">
+          <p:cNvPr id="4" name="Content Placeholder 3">
             <a:extLst>
               <a:ext uri="{FF2B5EF4-FFF2-40B4-BE49-F238E27FC236}">
-                <a16:creationId xmlns:a16="http://schemas.microsoft.com/office/drawing/2014/main" id="{8A6E1B47-09E8-4494-59A8-65DB94E69513}"/>
+                <a16:creationId xmlns:a16="http://schemas.microsoft.com/office/drawing/2014/main" id="{9BCB96DB-9115-2958-A83B-6AC4F9D538FC}"/>
               </a:ext>
             </a:extLst>
           </p:cNvPr>
@@ -3754,34 +5850,43 @@
             <a:spLocks noGrp="1"/>
           </p:cNvSpPr>
           <p:nvPr>
-            <p:ph type="sldNum" sz="quarter" idx="4"/>
-          </p:nvPr>
-        </p:nvSpPr>
-        <p:spPr>
-          <a:xfrm>
-            <a:off x="8153400" y="4797425"/>
-            <a:ext cx="787504" cy="288925"/>
-          </a:xfrm>
-        </p:spPr>
+            <p:ph sz="quarter" idx="15"/>
+          </p:nvPr>
+        </p:nvSpPr>
+        <p:spPr/>
         <p:txBody>
           <a:bodyPr/>
           <a:lstStyle/>
           <a:p>
-            <a:fld id="{454586D2-FC10-4911-B5CA-CBCADE2DC1FC}" type="slidenum">
-              <a:rPr lang="en-AU" smtClean="0"/>
-              <a:pPr/>
-              <a:t>4</a:t>
-            </a:fld>
+            <a:r>
+              <a:rPr lang="en-US" dirty="0"/>
+              <a:t>T</a:t>
+            </a:r>
+            <a:r>
+              <a:rPr lang="en-US" sz="1400" dirty="0"/>
+              <a:t>here are 20 sectors that made it into top 100 employers in 2022</a:t>
+            </a:r>
+          </a:p>
+          <a:p>
+            <a:r>
+              <a:rPr lang="en-AU" dirty="0"/>
+              <a:t>[Timo’s graph here]</a:t>
+            </a:r>
+          </a:p>
+          <a:p>
+            <a:endParaRPr lang="en-AU" dirty="0"/>
+          </a:p>
+          <a:p>
             <a:endParaRPr lang="en-AU" dirty="0"/>
           </a:p>
         </p:txBody>
       </p:sp>
       <p:pic>
         <p:nvPicPr>
-          <p:cNvPr id="8" name="Picture 7">
+          <p:cNvPr id="6" name="Picture 5">
             <a:extLst>
               <a:ext uri="{FF2B5EF4-FFF2-40B4-BE49-F238E27FC236}">
-                <a16:creationId xmlns:a16="http://schemas.microsoft.com/office/drawing/2014/main" id="{9BB8733A-1BCF-EC68-9D30-E5F88D1DC345}"/>
+                <a16:creationId xmlns:a16="http://schemas.microsoft.com/office/drawing/2014/main" id="{7457AB27-E475-1601-5BA5-206516BD02D8}"/>
               </a:ext>
             </a:extLst>
           </p:cNvPr>
@@ -3791,21 +5896,45 @@
           <p:nvPr/>
         </p:nvPicPr>
         <p:blipFill>
-          <a:blip r:embed="rId3">
-            <a:extLst>
-              <a:ext uri="{28A0092B-C50C-407E-A947-70E740481C1C}">
-                <a14:useLocalDpi xmlns:a14="http://schemas.microsoft.com/office/drawing/2010/main" val="0"/>
-              </a:ext>
-            </a:extLst>
-          </a:blip>
+          <a:blip r:embed="rId2"/>
           <a:stretch>
             <a:fillRect/>
           </a:stretch>
         </p:blipFill>
         <p:spPr>
           <a:xfrm>
-            <a:off x="1638300" y="1788225"/>
-            <a:ext cx="5867400" cy="3009200"/>
+            <a:off x="304800" y="1086294"/>
+            <a:ext cx="3754221" cy="3711131"/>
+          </a:xfrm>
+          <a:prstGeom prst="rect">
+            <a:avLst/>
+          </a:prstGeom>
+        </p:spPr>
+      </p:pic>
+      <p:pic>
+        <p:nvPicPr>
+          <p:cNvPr id="8" name="Picture 7">
+            <a:extLst>
+              <a:ext uri="{FF2B5EF4-FFF2-40B4-BE49-F238E27FC236}">
+                <a16:creationId xmlns:a16="http://schemas.microsoft.com/office/drawing/2014/main" id="{55D8A3E7-7B9C-FC67-70F6-19EA7225A500}"/>
+              </a:ext>
+            </a:extLst>
+          </p:cNvPr>
+          <p:cNvPicPr>
+            <a:picLocks noChangeAspect="1"/>
+          </p:cNvPicPr>
+          <p:nvPr/>
+        </p:nvPicPr>
+        <p:blipFill>
+          <a:blip r:embed="rId3"/>
+          <a:stretch>
+            <a:fillRect/>
+          </a:stretch>
+        </p:blipFill>
+        <p:spPr>
+          <a:xfrm>
+            <a:off x="4159054" y="1066927"/>
+            <a:ext cx="4527746" cy="3730497"/>
           </a:xfrm>
           <a:prstGeom prst="rect">
             <a:avLst/>
@@ -3815,7 +5944,7 @@
     </p:spTree>
     <p:extLst>
       <p:ext uri="{BB962C8B-B14F-4D97-AF65-F5344CB8AC3E}">
-        <p14:creationId xmlns:p14="http://schemas.microsoft.com/office/powerpoint/2010/main" val="3959464855"/>
+        <p14:creationId xmlns:p14="http://schemas.microsoft.com/office/powerpoint/2010/main" val="1166823927"/>
       </p:ext>
     </p:extLst>
   </p:cSld>
@@ -3847,7 +5976,7 @@
           <p:cNvPr id="2" name="Title 1">
             <a:extLst>
               <a:ext uri="{FF2B5EF4-FFF2-40B4-BE49-F238E27FC236}">
-                <a16:creationId xmlns:a16="http://schemas.microsoft.com/office/drawing/2014/main" id="{34FB3A1B-C244-4590-DA7E-2448C607EAA4}"/>
+                <a16:creationId xmlns:a16="http://schemas.microsoft.com/office/drawing/2014/main" id="{0D9D6DCA-36F2-785D-34D5-BBF651A84B0E}"/>
               </a:ext>
             </a:extLst>
           </p:cNvPr>
@@ -3858,29 +5987,47 @@
             <p:ph type="title"/>
           </p:nvPr>
         </p:nvSpPr>
-        <p:spPr>
-          <a:xfrm>
-            <a:off x="304800" y="224261"/>
-            <a:ext cx="8636104" cy="351056"/>
-          </a:xfrm>
-        </p:spPr>
+        <p:spPr/>
         <p:txBody>
           <a:bodyPr/>
           <a:lstStyle/>
           <a:p>
             <a:r>
+              <a:rPr lang="en-AU" dirty="0" err="1"/>
+              <a:t>Pleminary</a:t>
+            </a:r>
+            <a:r>
               <a:rPr lang="en-AU" dirty="0"/>
-              <a:t>Are good employers good companies? – Look within Top 100</a:t>
-            </a:r>
+              <a:t> Analysis – Company Analysis</a:t>
+            </a:r>
+            <a:br>
+              <a:rPr lang="en-US" sz="2400" dirty="0"/>
+            </a:br>
+            <a:br>
+              <a:rPr lang="en-US" sz="2400" dirty="0"/>
+            </a:br>
+            <a:r>
+              <a:rPr lang="en-US" sz="1400" dirty="0">
+                <a:latin typeface="Calibri" panose="020F0502020204030204" pitchFamily="34" charset="0"/>
+                <a:ea typeface="+mn-ea"/>
+                <a:cs typeface="Calibri" panose="020F0502020204030204" pitchFamily="34" charset="0"/>
+              </a:rPr>
+              <a:t>Number of companies in each country in top 100 </a:t>
+            </a:r>
+            <a:endParaRPr lang="en-AU" sz="1400" dirty="0">
+              <a:latin typeface="Calibri" panose="020F0502020204030204" pitchFamily="34" charset="0"/>
+              <a:ea typeface="+mn-ea"/>
+              <a:cs typeface="Calibri" panose="020F0502020204030204" pitchFamily="34" charset="0"/>
+            </a:endParaRPr>
           </a:p>
         </p:txBody>
       </p:sp>
       <p:sp>
         <p:nvSpPr>
-          <p:cNvPr id="3" name="Content Placeholder 2">
+          <p:cNvPr id="3" name="Slide Number Placeholder 2">
             <a:extLst>
               <a:ext uri="{FF2B5EF4-FFF2-40B4-BE49-F238E27FC236}">
-                <a16:creationId xmlns:a16="http://schemas.microsoft.com/office/drawing/2014/main" id="{7011FF0D-23C9-C092-C6FB-006D5A703A81}"/>
+                <a16:creationId xmlns:a16="http://schemas.microsoft.com/office/drawing/2014/main" id="{F32566F6-F4A6-07BF-4CD7-07FE768C4F7B}"/>
               </a:ext>
             </a:extLst>
           </p:cNvPr>
@@ -3888,125 +6035,10 @@
             <a:spLocks noGrp="1"/>
           </p:cNvSpPr>
           <p:nvPr>
-            <p:ph sz="quarter" idx="15"/>
-          </p:nvPr>
-        </p:nvSpPr>
-        <p:spPr>
-          <a:xfrm>
-            <a:off x="235753" y="674803"/>
-            <a:ext cx="8260080" cy="351056"/>
-          </a:xfrm>
-        </p:spPr>
-        <p:txBody>
-          <a:bodyPr/>
-          <a:lstStyle/>
-          <a:p>
-            <a:pPr marL="0" marR="0" lvl="0" indent="0" algn="l" defTabSz="914400" rtl="0" eaLnBrk="1" fontAlgn="auto" latinLnBrk="0" hangingPunct="1">
-              <a:lnSpc>
-                <a:spcPct val="100000"/>
-              </a:lnSpc>
-              <a:spcBef>
-                <a:spcPts val="0"/>
-              </a:spcBef>
-              <a:spcAft>
-                <a:spcPts val="0"/>
-              </a:spcAft>
-              <a:buClrTx/>
-              <a:buSzTx/>
-              <a:buFontTx/>
-              <a:buNone/>
-              <a:tabLst/>
-              <a:defRPr/>
-            </a:pPr>
-            <a:r>
-              <a:rPr lang="en-US" b="0" dirty="0"/>
-              <a:t>Approach: Plot the employer rankings/ratings against chosen financial metrics</a:t>
-            </a:r>
-          </a:p>
-          <a:p>
-            <a:pPr marL="0" marR="0" lvl="0" indent="0" algn="l" defTabSz="914400" rtl="0" eaLnBrk="1" fontAlgn="auto" latinLnBrk="0" hangingPunct="1">
-              <a:lnSpc>
-                <a:spcPct val="100000"/>
-              </a:lnSpc>
-              <a:spcBef>
-                <a:spcPts val="0"/>
-              </a:spcBef>
-              <a:spcAft>
-                <a:spcPts val="0"/>
-              </a:spcAft>
-              <a:buClrTx/>
-              <a:buSzTx/>
-              <a:buFontTx/>
-              <a:buNone/>
-              <a:tabLst/>
-              <a:defRPr/>
-            </a:pPr>
-            <a:endParaRPr lang="en-US" dirty="0"/>
-          </a:p>
-          <a:p>
-            <a:pPr marL="285750" marR="0" lvl="0" indent="-285750" algn="l" defTabSz="914400" rtl="0" eaLnBrk="1" fontAlgn="auto" latinLnBrk="0" hangingPunct="1">
-              <a:lnSpc>
-                <a:spcPct val="100000"/>
-              </a:lnSpc>
-              <a:spcBef>
-                <a:spcPts val="0"/>
-              </a:spcBef>
-              <a:spcAft>
-                <a:spcPts val="0"/>
-              </a:spcAft>
-              <a:buClrTx/>
-              <a:buSzTx/>
-              <a:buFont typeface="Arial" panose="020B0604020202020204" pitchFamily="34" charset="0"/>
-              <a:buChar char="•"/>
-              <a:tabLst/>
-              <a:defRPr/>
-            </a:pPr>
-            <a:endParaRPr lang="en-US" b="0" dirty="0"/>
-          </a:p>
-          <a:p>
-            <a:pPr marL="285750" marR="0" lvl="0" indent="-285750" algn="l" defTabSz="914400" rtl="0" eaLnBrk="1" fontAlgn="auto" latinLnBrk="0" hangingPunct="1">
-              <a:lnSpc>
-                <a:spcPct val="100000"/>
-              </a:lnSpc>
-              <a:spcBef>
-                <a:spcPts val="0"/>
-              </a:spcBef>
-              <a:spcAft>
-                <a:spcPts val="0"/>
-              </a:spcAft>
-              <a:buClrTx/>
-              <a:buSzTx/>
-              <a:buFont typeface="Arial" panose="020B0604020202020204" pitchFamily="34" charset="0"/>
-              <a:buChar char="•"/>
-              <a:tabLst/>
-              <a:defRPr/>
-            </a:pPr>
-            <a:endParaRPr lang="en-US" b="0" dirty="0"/>
-          </a:p>
-        </p:txBody>
-      </p:sp>
-      <p:sp>
-        <p:nvSpPr>
-          <p:cNvPr id="4" name="Slide Number Placeholder 3">
-            <a:extLst>
-              <a:ext uri="{FF2B5EF4-FFF2-40B4-BE49-F238E27FC236}">
-                <a16:creationId xmlns:a16="http://schemas.microsoft.com/office/drawing/2014/main" id="{8A6E1B47-09E8-4494-59A8-65DB94E69513}"/>
-              </a:ext>
-            </a:extLst>
-          </p:cNvPr>
-          <p:cNvSpPr>
-            <a:spLocks noGrp="1"/>
-          </p:cNvSpPr>
-          <p:nvPr>
             <p:ph type="sldNum" sz="quarter" idx="4"/>
           </p:nvPr>
         </p:nvSpPr>
-        <p:spPr>
-          <a:xfrm>
-            <a:off x="8153400" y="4797425"/>
-            <a:ext cx="787504" cy="288925"/>
-          </a:xfrm>
-        </p:spPr>
+        <p:spPr/>
         <p:txBody>
           <a:bodyPr/>
           <a:lstStyle/>
@@ -4022,10 +6054,39 @@
       </p:sp>
       <p:pic>
         <p:nvPicPr>
+          <p:cNvPr id="6" name="Content Placeholder 5">
+            <a:extLst>
+              <a:ext uri="{FF2B5EF4-FFF2-40B4-BE49-F238E27FC236}">
+                <a16:creationId xmlns:a16="http://schemas.microsoft.com/office/drawing/2014/main" id="{7825BB0D-E2E7-97F7-F1CB-113320BC2C1F}"/>
+              </a:ext>
+            </a:extLst>
+          </p:cNvPr>
+          <p:cNvPicPr>
+            <a:picLocks noGrp="1" noChangeAspect="1"/>
+          </p:cNvPicPr>
+          <p:nvPr>
+            <p:ph sz="quarter" idx="15"/>
+          </p:nvPr>
+        </p:nvPicPr>
+        <p:blipFill>
+          <a:blip r:embed="rId2"/>
+          <a:stretch>
+            <a:fillRect/>
+          </a:stretch>
+        </p:blipFill>
+        <p:spPr>
+          <a:xfrm>
+            <a:off x="304800" y="1200150"/>
+            <a:ext cx="3379237" cy="3124200"/>
+          </a:xfrm>
+        </p:spPr>
+      </p:pic>
+      <p:pic>
+        <p:nvPicPr>
           <p:cNvPr id="11" name="Picture 10">
             <a:extLst>
               <a:ext uri="{FF2B5EF4-FFF2-40B4-BE49-F238E27FC236}">
-                <a16:creationId xmlns:a16="http://schemas.microsoft.com/office/drawing/2014/main" id="{329C1BBD-F345-7D41-C7DC-F9312132CB71}"/>
+                <a16:creationId xmlns:a16="http://schemas.microsoft.com/office/drawing/2014/main" id="{81D6B378-9483-330C-6320-086B2E293EBF}"/>
               </a:ext>
             </a:extLst>
           </p:cNvPr>
@@ -4035,57 +6096,15 @@
           <p:nvPr/>
         </p:nvPicPr>
         <p:blipFill>
-          <a:blip r:embed="rId3">
-            <a:extLst>
-              <a:ext uri="{28A0092B-C50C-407E-A947-70E740481C1C}">
-                <a14:useLocalDpi xmlns:a14="http://schemas.microsoft.com/office/drawing/2010/main" val="0"/>
-              </a:ext>
-            </a:extLst>
-          </a:blip>
+          <a:blip r:embed="rId3"/>
           <a:stretch>
             <a:fillRect/>
           </a:stretch>
         </p:blipFill>
         <p:spPr>
           <a:xfrm>
-            <a:off x="260658" y="997313"/>
-            <a:ext cx="4768542" cy="4000838"/>
-          </a:xfrm>
-          <a:prstGeom prst="rect">
-            <a:avLst/>
-          </a:prstGeom>
-        </p:spPr>
-      </p:pic>
-      <p:pic>
-        <p:nvPicPr>
-          <p:cNvPr id="13" name="Picture 12">
-            <a:extLst>
-              <a:ext uri="{FF2B5EF4-FFF2-40B4-BE49-F238E27FC236}">
-                <a16:creationId xmlns:a16="http://schemas.microsoft.com/office/drawing/2014/main" id="{5E342BA6-E8E7-1478-31F1-48BE62104971}"/>
-              </a:ext>
-            </a:extLst>
-          </p:cNvPr>
-          <p:cNvPicPr>
-            <a:picLocks noChangeAspect="1"/>
-          </p:cNvPicPr>
-          <p:nvPr/>
-        </p:nvPicPr>
-        <p:blipFill>
-          <a:blip r:embed="rId4">
-            <a:extLst>
-              <a:ext uri="{28A0092B-C50C-407E-A947-70E740481C1C}">
-                <a14:useLocalDpi xmlns:a14="http://schemas.microsoft.com/office/drawing/2010/main" val="0"/>
-              </a:ext>
-            </a:extLst>
-          </a:blip>
-          <a:stretch>
-            <a:fillRect/>
-          </a:stretch>
-        </p:blipFill>
-        <p:spPr>
-          <a:xfrm>
-            <a:off x="5410200" y="1829657"/>
-            <a:ext cx="3237301" cy="2364695"/>
+            <a:off x="4191000" y="986402"/>
+            <a:ext cx="4208221" cy="3465118"/>
           </a:xfrm>
           <a:prstGeom prst="rect">
             <a:avLst/>
@@ -4095,7 +6114,7 @@
     </p:spTree>
     <p:extLst>
       <p:ext uri="{BB962C8B-B14F-4D97-AF65-F5344CB8AC3E}">
-        <p14:creationId xmlns:p14="http://schemas.microsoft.com/office/powerpoint/2010/main" val="2498522498"/>
+        <p14:creationId xmlns:p14="http://schemas.microsoft.com/office/powerpoint/2010/main" val="182249374"/>
       </p:ext>
     </p:extLst>
   </p:cSld>
@@ -4127,7 +6146,7 @@
           <p:cNvPr id="2" name="Title 1">
             <a:extLst>
               <a:ext uri="{FF2B5EF4-FFF2-40B4-BE49-F238E27FC236}">
-                <a16:creationId xmlns:a16="http://schemas.microsoft.com/office/drawing/2014/main" id="{34FB3A1B-C244-4590-DA7E-2448C607EAA4}"/>
+                <a16:creationId xmlns:a16="http://schemas.microsoft.com/office/drawing/2014/main" id="{3AAB2082-0872-3D1C-CD4B-943120946F03}"/>
               </a:ext>
             </a:extLst>
           </p:cNvPr>
@@ -4138,29 +6157,21 @@
             <p:ph type="title"/>
           </p:nvPr>
         </p:nvSpPr>
-        <p:spPr>
-          <a:xfrm>
-            <a:off x="304800" y="224261"/>
-            <a:ext cx="8636104" cy="351056"/>
-          </a:xfrm>
-        </p:spPr>
+        <p:spPr/>
         <p:txBody>
           <a:bodyPr/>
           <a:lstStyle/>
           <a:p>
-            <a:r>
-              <a:rPr lang="en-AU" dirty="0"/>
-              <a:t>Are good employers good companies – Look at sector peers</a:t>
-            </a:r>
+            <a:endParaRPr lang="en-AU"/>
           </a:p>
         </p:txBody>
       </p:sp>
       <p:sp>
         <p:nvSpPr>
-          <p:cNvPr id="3" name="Content Placeholder 2">
+          <p:cNvPr id="3" name="Slide Number Placeholder 2">
             <a:extLst>
               <a:ext uri="{FF2B5EF4-FFF2-40B4-BE49-F238E27FC236}">
-                <a16:creationId xmlns:a16="http://schemas.microsoft.com/office/drawing/2014/main" id="{7011FF0D-23C9-C092-C6FB-006D5A703A81}"/>
+                <a16:creationId xmlns:a16="http://schemas.microsoft.com/office/drawing/2014/main" id="{D8D1AD60-6AFE-BCFA-9963-C1289861DB75}"/>
               </a:ext>
             </a:extLst>
           </p:cNvPr>
@@ -4168,414 +6179,10 @@
             <a:spLocks noGrp="1"/>
           </p:cNvSpPr>
           <p:nvPr>
-            <p:ph sz="quarter" idx="15"/>
+            <p:ph type="sldNum" sz="quarter" idx="4"/>
           </p:nvPr>
         </p:nvSpPr>
         <p:spPr/>
-        <p:txBody>
-          <a:bodyPr/>
-          <a:lstStyle/>
-          <a:p>
-            <a:pPr marL="0" marR="0" lvl="0" indent="0" algn="l" defTabSz="914400" rtl="0" eaLnBrk="1" fontAlgn="auto" latinLnBrk="0" hangingPunct="1">
-              <a:lnSpc>
-                <a:spcPct val="100000"/>
-              </a:lnSpc>
-              <a:spcBef>
-                <a:spcPts val="0"/>
-              </a:spcBef>
-              <a:spcAft>
-                <a:spcPts val="0"/>
-              </a:spcAft>
-              <a:buClrTx/>
-              <a:buSzTx/>
-              <a:buFontTx/>
-              <a:buNone/>
-              <a:tabLst/>
-              <a:defRPr/>
-            </a:pPr>
-            <a:r>
-              <a:rPr lang="en-US" b="0" dirty="0"/>
-              <a:t>Source : Nasdaq API data feed</a:t>
-            </a:r>
-          </a:p>
-          <a:p>
-            <a:pPr marL="0" marR="0" lvl="0" indent="0" algn="l" defTabSz="914400" rtl="0" eaLnBrk="1" fontAlgn="auto" latinLnBrk="0" hangingPunct="1">
-              <a:lnSpc>
-                <a:spcPct val="100000"/>
-              </a:lnSpc>
-              <a:spcBef>
-                <a:spcPts val="0"/>
-              </a:spcBef>
-              <a:spcAft>
-                <a:spcPts val="0"/>
-              </a:spcAft>
-              <a:buClrTx/>
-              <a:buSzTx/>
-              <a:buFontTx/>
-              <a:buNone/>
-              <a:tabLst/>
-              <a:defRPr/>
-            </a:pPr>
-            <a:endParaRPr lang="en-US" dirty="0"/>
-          </a:p>
-          <a:p>
-            <a:pPr marL="0" marR="0" lvl="0" indent="0" algn="l" defTabSz="914400" rtl="0" eaLnBrk="1" fontAlgn="auto" latinLnBrk="0" hangingPunct="1">
-              <a:lnSpc>
-                <a:spcPct val="100000"/>
-              </a:lnSpc>
-              <a:spcBef>
-                <a:spcPts val="0"/>
-              </a:spcBef>
-              <a:spcAft>
-                <a:spcPts val="0"/>
-              </a:spcAft>
-              <a:buClrTx/>
-              <a:buSzTx/>
-              <a:buFontTx/>
-              <a:buNone/>
-              <a:tabLst/>
-              <a:defRPr/>
-            </a:pPr>
-            <a:r>
-              <a:rPr lang="en-US" b="0" dirty="0"/>
-              <a:t>Bring in finance data via the ticker code to see whether success as an acclaimed employer converts to financial performance.</a:t>
-            </a:r>
-          </a:p>
-          <a:p>
-            <a:pPr marL="0" marR="0" lvl="0" indent="0" algn="l" defTabSz="914400" rtl="0" eaLnBrk="1" fontAlgn="auto" latinLnBrk="0" hangingPunct="1">
-              <a:lnSpc>
-                <a:spcPct val="100000"/>
-              </a:lnSpc>
-              <a:spcBef>
-                <a:spcPts val="0"/>
-              </a:spcBef>
-              <a:spcAft>
-                <a:spcPts val="0"/>
-              </a:spcAft>
-              <a:buClrTx/>
-              <a:buSzTx/>
-              <a:buFontTx/>
-              <a:buNone/>
-              <a:tabLst/>
-              <a:defRPr/>
-            </a:pPr>
-            <a:endParaRPr lang="en-US" dirty="0"/>
-          </a:p>
-          <a:p>
-            <a:pPr algn="l" rtl="0">
-              <a:lnSpc>
-                <a:spcPct val="100000"/>
-              </a:lnSpc>
-              <a:spcBef>
-                <a:spcPts val="0"/>
-              </a:spcBef>
-              <a:spcAft>
-                <a:spcPts val="0"/>
-              </a:spcAft>
-              <a:defRPr/>
-            </a:pPr>
-            <a:r>
-              <a:rPr lang="en-AU" dirty="0"/>
-              <a:t>[Javier’s  graph here]</a:t>
-            </a:r>
-          </a:p>
-          <a:p>
-            <a:pPr marL="0" marR="0" lvl="0" indent="0" algn="l" defTabSz="914400" rtl="0" eaLnBrk="1" fontAlgn="auto" latinLnBrk="0" hangingPunct="1">
-              <a:lnSpc>
-                <a:spcPct val="100000"/>
-              </a:lnSpc>
-              <a:spcBef>
-                <a:spcPts val="0"/>
-              </a:spcBef>
-              <a:spcAft>
-                <a:spcPts val="0"/>
-              </a:spcAft>
-              <a:buClrTx/>
-              <a:buSzTx/>
-              <a:buFontTx/>
-              <a:buNone/>
-              <a:tabLst/>
-              <a:defRPr/>
-            </a:pPr>
-            <a:endParaRPr lang="en-US" b="0" dirty="0"/>
-          </a:p>
-          <a:p>
-            <a:pPr marL="0" marR="0" lvl="0" indent="0" algn="l" defTabSz="914400" rtl="0" eaLnBrk="1" fontAlgn="auto" latinLnBrk="0" hangingPunct="1">
-              <a:lnSpc>
-                <a:spcPct val="100000"/>
-              </a:lnSpc>
-              <a:spcBef>
-                <a:spcPts val="0"/>
-              </a:spcBef>
-              <a:spcAft>
-                <a:spcPts val="0"/>
-              </a:spcAft>
-              <a:buClrTx/>
-              <a:buSzTx/>
-              <a:buFontTx/>
-              <a:buNone/>
-              <a:tabLst/>
-              <a:defRPr/>
-            </a:pPr>
-            <a:r>
-              <a:rPr lang="en-US" b="0" dirty="0"/>
-              <a:t>Discussion</a:t>
-            </a:r>
-          </a:p>
-          <a:p>
-            <a:pPr marL="0" marR="0" lvl="0" indent="0" algn="l" defTabSz="914400" rtl="0" eaLnBrk="1" fontAlgn="auto" latinLnBrk="0" hangingPunct="1">
-              <a:lnSpc>
-                <a:spcPct val="100000"/>
-              </a:lnSpc>
-              <a:spcBef>
-                <a:spcPts val="0"/>
-              </a:spcBef>
-              <a:spcAft>
-                <a:spcPts val="0"/>
-              </a:spcAft>
-              <a:buClrTx/>
-              <a:buSzTx/>
-              <a:buFontTx/>
-              <a:buNone/>
-              <a:tabLst/>
-              <a:defRPr/>
-            </a:pPr>
-            <a:endParaRPr lang="en-US" dirty="0"/>
-          </a:p>
-          <a:p>
-            <a:pPr marL="0" marR="0" lvl="0" indent="0" algn="l" defTabSz="914400" rtl="0" eaLnBrk="1" fontAlgn="auto" latinLnBrk="0" hangingPunct="1">
-              <a:lnSpc>
-                <a:spcPct val="100000"/>
-              </a:lnSpc>
-              <a:spcBef>
-                <a:spcPts val="0"/>
-              </a:spcBef>
-              <a:spcAft>
-                <a:spcPts val="0"/>
-              </a:spcAft>
-              <a:buClrTx/>
-              <a:buSzTx/>
-              <a:buFontTx/>
-              <a:buNone/>
-              <a:tabLst/>
-              <a:defRPr/>
-            </a:pPr>
-            <a:r>
-              <a:rPr lang="en-US" b="0" dirty="0"/>
-              <a:t>Financial Analysis</a:t>
-            </a:r>
-          </a:p>
-          <a:p>
-            <a:pPr marL="285750" marR="0" lvl="0" indent="-285750" algn="l" defTabSz="914400" rtl="0" eaLnBrk="1" fontAlgn="auto" latinLnBrk="0" hangingPunct="1">
-              <a:lnSpc>
-                <a:spcPct val="100000"/>
-              </a:lnSpc>
-              <a:spcBef>
-                <a:spcPts val="0"/>
-              </a:spcBef>
-              <a:spcAft>
-                <a:spcPts val="0"/>
-              </a:spcAft>
-              <a:buClrTx/>
-              <a:buSzTx/>
-              <a:buFont typeface="Arial" panose="020B0604020202020204" pitchFamily="34" charset="0"/>
-              <a:buChar char="•"/>
-              <a:tabLst/>
-              <a:defRPr/>
-            </a:pPr>
-            <a:r>
-              <a:rPr lang="en-US" b="0" dirty="0"/>
-              <a:t>‘Nasdaq API’ and ’</a:t>
-            </a:r>
-            <a:r>
-              <a:rPr lang="en-US" b="0" dirty="0" err="1"/>
-              <a:t>Mergent</a:t>
-            </a:r>
-            <a:r>
-              <a:rPr lang="en-US" b="0" dirty="0"/>
-              <a:t> Global Finance’ data feed</a:t>
-            </a:r>
-          </a:p>
-          <a:p>
-            <a:pPr marL="285750" marR="0" lvl="0" indent="-285750" algn="l" defTabSz="914400" rtl="0" eaLnBrk="1" fontAlgn="auto" latinLnBrk="0" hangingPunct="1">
-              <a:lnSpc>
-                <a:spcPct val="100000"/>
-              </a:lnSpc>
-              <a:spcBef>
-                <a:spcPts val="0"/>
-              </a:spcBef>
-              <a:spcAft>
-                <a:spcPts val="0"/>
-              </a:spcAft>
-              <a:buClrTx/>
-              <a:buSzTx/>
-              <a:buFont typeface="Arial" panose="020B0604020202020204" pitchFamily="34" charset="0"/>
-              <a:buChar char="•"/>
-              <a:tabLst/>
-              <a:defRPr/>
-            </a:pPr>
-            <a:r>
-              <a:rPr lang="en-US" b="0" dirty="0"/>
-              <a:t>Financial measures selected</a:t>
-            </a:r>
-          </a:p>
-          <a:p>
-            <a:pPr marL="285750" marR="0" lvl="0" indent="-285750" algn="l" defTabSz="914400" rtl="0" eaLnBrk="1" fontAlgn="auto" latinLnBrk="0" hangingPunct="1">
-              <a:lnSpc>
-                <a:spcPct val="100000"/>
-              </a:lnSpc>
-              <a:spcBef>
-                <a:spcPts val="0"/>
-              </a:spcBef>
-              <a:spcAft>
-                <a:spcPts val="0"/>
-              </a:spcAft>
-              <a:buClrTx/>
-              <a:buSzTx/>
-              <a:buFont typeface="Arial" panose="020B0604020202020204" pitchFamily="34" charset="0"/>
-              <a:buChar char="•"/>
-              <a:tabLst/>
-              <a:defRPr/>
-            </a:pPr>
-            <a:r>
-              <a:rPr lang="en-US" dirty="0"/>
-              <a:t>D</a:t>
-            </a:r>
-            <a:r>
-              <a:rPr lang="en-US" b="0" dirty="0"/>
-              <a:t>ata cleaning</a:t>
-            </a:r>
-          </a:p>
-          <a:p>
-            <a:pPr marL="285750" marR="0" lvl="0" indent="-285750" algn="l" defTabSz="914400" rtl="0" eaLnBrk="1" fontAlgn="auto" latinLnBrk="0" hangingPunct="1">
-              <a:lnSpc>
-                <a:spcPct val="100000"/>
-              </a:lnSpc>
-              <a:spcBef>
-                <a:spcPts val="0"/>
-              </a:spcBef>
-              <a:spcAft>
-                <a:spcPts val="0"/>
-              </a:spcAft>
-              <a:buClrTx/>
-              <a:buSzTx/>
-              <a:buFont typeface="Arial" panose="020B0604020202020204" pitchFamily="34" charset="0"/>
-              <a:buChar char="•"/>
-              <a:tabLst/>
-              <a:defRPr/>
-            </a:pPr>
-            <a:r>
-              <a:rPr lang="en-US" dirty="0"/>
-              <a:t>R</a:t>
-            </a:r>
-            <a:r>
-              <a:rPr lang="en-US" b="0" dirty="0"/>
-              <a:t>esults</a:t>
-            </a:r>
-          </a:p>
-          <a:p>
-            <a:pPr marR="0" lvl="0" algn="l" defTabSz="914400" rtl="0" eaLnBrk="1" fontAlgn="auto" latinLnBrk="0" hangingPunct="1">
-              <a:lnSpc>
-                <a:spcPct val="100000"/>
-              </a:lnSpc>
-              <a:spcBef>
-                <a:spcPts val="0"/>
-              </a:spcBef>
-              <a:spcAft>
-                <a:spcPts val="0"/>
-              </a:spcAft>
-              <a:buClrTx/>
-              <a:buSzTx/>
-              <a:tabLst/>
-              <a:defRPr/>
-            </a:pPr>
-            <a:endParaRPr lang="en-US" dirty="0"/>
-          </a:p>
-          <a:p>
-            <a:pPr marR="0" lvl="0" algn="l" defTabSz="914400" rtl="0" eaLnBrk="1" fontAlgn="auto" latinLnBrk="0" hangingPunct="1">
-              <a:lnSpc>
-                <a:spcPct val="100000"/>
-              </a:lnSpc>
-              <a:spcBef>
-                <a:spcPts val="0"/>
-              </a:spcBef>
-              <a:spcAft>
-                <a:spcPts val="0"/>
-              </a:spcAft>
-              <a:buClrTx/>
-              <a:buSzTx/>
-              <a:tabLst/>
-              <a:defRPr/>
-            </a:pPr>
-            <a:r>
-              <a:rPr lang="en-US" b="0" dirty="0"/>
-              <a:t>Conclusions</a:t>
-            </a:r>
-          </a:p>
-          <a:p>
-            <a:pPr marL="285750" marR="0" lvl="0" indent="-285750" algn="l" defTabSz="914400" rtl="0" eaLnBrk="1" fontAlgn="auto" latinLnBrk="0" hangingPunct="1">
-              <a:lnSpc>
-                <a:spcPct val="100000"/>
-              </a:lnSpc>
-              <a:spcBef>
-                <a:spcPts val="0"/>
-              </a:spcBef>
-              <a:spcAft>
-                <a:spcPts val="0"/>
-              </a:spcAft>
-              <a:buClrTx/>
-              <a:buSzTx/>
-              <a:buFont typeface="Arial" panose="020B0604020202020204" pitchFamily="34" charset="0"/>
-              <a:buChar char="•"/>
-              <a:tabLst/>
-              <a:defRPr/>
-            </a:pPr>
-            <a:endParaRPr lang="en-US" b="0" dirty="0"/>
-          </a:p>
-          <a:p>
-            <a:pPr marL="285750" marR="0" lvl="0" indent="-285750" algn="l" defTabSz="914400" rtl="0" eaLnBrk="1" fontAlgn="auto" latinLnBrk="0" hangingPunct="1">
-              <a:lnSpc>
-                <a:spcPct val="100000"/>
-              </a:lnSpc>
-              <a:spcBef>
-                <a:spcPts val="0"/>
-              </a:spcBef>
-              <a:spcAft>
-                <a:spcPts val="0"/>
-              </a:spcAft>
-              <a:buClrTx/>
-              <a:buSzTx/>
-              <a:buFont typeface="Arial" panose="020B0604020202020204" pitchFamily="34" charset="0"/>
-              <a:buChar char="•"/>
-              <a:tabLst/>
-              <a:defRPr/>
-            </a:pPr>
-            <a:endParaRPr lang="en-US" b="0" dirty="0"/>
-          </a:p>
-        </p:txBody>
-      </p:sp>
-      <p:sp>
-        <p:nvSpPr>
-          <p:cNvPr id="4" name="Slide Number Placeholder 3">
-            <a:extLst>
-              <a:ext uri="{FF2B5EF4-FFF2-40B4-BE49-F238E27FC236}">
-                <a16:creationId xmlns:a16="http://schemas.microsoft.com/office/drawing/2014/main" id="{8A6E1B47-09E8-4494-59A8-65DB94E69513}"/>
-              </a:ext>
-            </a:extLst>
-          </p:cNvPr>
-          <p:cNvSpPr>
-            <a:spLocks noGrp="1"/>
-          </p:cNvSpPr>
-          <p:nvPr>
-            <p:ph type="sldNum" sz="quarter" idx="4"/>
-          </p:nvPr>
-        </p:nvSpPr>
-        <p:spPr>
-          <a:xfrm>
-            <a:off x="8153400" y="4797425"/>
-            <a:ext cx="787504" cy="288925"/>
-          </a:xfrm>
-        </p:spPr>
         <p:txBody>
           <a:bodyPr/>
           <a:lstStyle/>
@@ -4589,10 +6196,39 @@
           </a:p>
         </p:txBody>
       </p:sp>
+      <p:pic>
+        <p:nvPicPr>
+          <p:cNvPr id="6" name="Content Placeholder 5">
+            <a:extLst>
+              <a:ext uri="{FF2B5EF4-FFF2-40B4-BE49-F238E27FC236}">
+                <a16:creationId xmlns:a16="http://schemas.microsoft.com/office/drawing/2014/main" id="{C4A26DE3-D08A-861B-92FC-A02307B969C8}"/>
+              </a:ext>
+            </a:extLst>
+          </p:cNvPr>
+          <p:cNvPicPr>
+            <a:picLocks noGrp="1" noChangeAspect="1"/>
+          </p:cNvPicPr>
+          <p:nvPr>
+            <p:ph sz="quarter" idx="15"/>
+          </p:nvPr>
+        </p:nvPicPr>
+        <p:blipFill>
+          <a:blip r:embed="rId2"/>
+          <a:stretch>
+            <a:fillRect/>
+          </a:stretch>
+        </p:blipFill>
+        <p:spPr>
+          <a:xfrm>
+            <a:off x="381000" y="738679"/>
+            <a:ext cx="5257800" cy="3892550"/>
+          </a:xfrm>
+        </p:spPr>
+      </p:pic>
     </p:spTree>
     <p:extLst>
       <p:ext uri="{BB962C8B-B14F-4D97-AF65-F5344CB8AC3E}">
-        <p14:creationId xmlns:p14="http://schemas.microsoft.com/office/powerpoint/2010/main" val="1011321571"/>
+        <p14:creationId xmlns:p14="http://schemas.microsoft.com/office/powerpoint/2010/main" val="3512528556"/>
       </p:ext>
     </p:extLst>
   </p:cSld>
@@ -4624,7 +6260,7 @@
           <p:cNvPr id="2" name="Title 1">
             <a:extLst>
               <a:ext uri="{FF2B5EF4-FFF2-40B4-BE49-F238E27FC236}">
-                <a16:creationId xmlns:a16="http://schemas.microsoft.com/office/drawing/2014/main" id="{701B6E93-FFD4-862D-8372-D965E3154947}"/>
+                <a16:creationId xmlns:a16="http://schemas.microsoft.com/office/drawing/2014/main" id="{86EC6851-090E-F639-3C13-756323298A23}"/>
               </a:ext>
             </a:extLst>
           </p:cNvPr>
@@ -4641,18 +6277,22 @@
           <a:lstStyle/>
           <a:p>
             <a:r>
+              <a:rPr lang="en-AU" dirty="0" err="1"/>
+              <a:t>Pleminary</a:t>
+            </a:r>
+            <a:r>
               <a:rPr lang="en-AU" dirty="0"/>
-              <a:t>Other factor contributing to being good employer</a:t>
+              <a:t> Analysis – Company Analysis</a:t>
             </a:r>
           </a:p>
         </p:txBody>
       </p:sp>
       <p:sp>
         <p:nvSpPr>
-          <p:cNvPr id="3" name="Content Placeholder 2">
+          <p:cNvPr id="3" name="Slide Number Placeholder 2">
             <a:extLst>
               <a:ext uri="{FF2B5EF4-FFF2-40B4-BE49-F238E27FC236}">
-                <a16:creationId xmlns:a16="http://schemas.microsoft.com/office/drawing/2014/main" id="{3DEF607B-8E14-862E-0DFE-14BF68696A13}"/>
+                <a16:creationId xmlns:a16="http://schemas.microsoft.com/office/drawing/2014/main" id="{83945B83-DD6C-E545-6E71-B392B1B74713}"/>
               </a:ext>
             </a:extLst>
           </p:cNvPr>
@@ -4660,218 +6300,10 @@
             <a:spLocks noGrp="1"/>
           </p:cNvSpPr>
           <p:nvPr>
-            <p:ph sz="quarter" idx="15"/>
+            <p:ph type="sldNum" sz="quarter" idx="4"/>
           </p:nvPr>
         </p:nvSpPr>
         <p:spPr/>
-        <p:txBody>
-          <a:bodyPr/>
-          <a:lstStyle/>
-          <a:p>
-            <a:r>
-              <a:rPr lang="en-AU" dirty="0"/>
-              <a:t>Analyse demographics for country of HQ</a:t>
-            </a:r>
-          </a:p>
-          <a:p>
-            <a:endParaRPr lang="en-AU" dirty="0"/>
-          </a:p>
-          <a:p>
-            <a:endParaRPr lang="en-AU" dirty="0"/>
-          </a:p>
-          <a:p>
-            <a:pPr algn="l" rtl="0">
-              <a:lnSpc>
-                <a:spcPct val="100000"/>
-              </a:lnSpc>
-              <a:spcBef>
-                <a:spcPts val="0"/>
-              </a:spcBef>
-              <a:spcAft>
-                <a:spcPts val="0"/>
-              </a:spcAft>
-              <a:defRPr/>
-            </a:pPr>
-            <a:r>
-              <a:rPr lang="en-AU" dirty="0"/>
-              <a:t>[Rohan’s  graphs here]</a:t>
-            </a:r>
-          </a:p>
-          <a:p>
-            <a:pPr marL="0" marR="0" lvl="0" indent="0" algn="l" defTabSz="914400" rtl="0" eaLnBrk="1" fontAlgn="auto" latinLnBrk="0" hangingPunct="1">
-              <a:lnSpc>
-                <a:spcPct val="100000"/>
-              </a:lnSpc>
-              <a:spcBef>
-                <a:spcPts val="0"/>
-              </a:spcBef>
-              <a:spcAft>
-                <a:spcPts val="0"/>
-              </a:spcAft>
-              <a:buClrTx/>
-              <a:buSzTx/>
-              <a:buFontTx/>
-              <a:buNone/>
-              <a:tabLst/>
-              <a:defRPr/>
-            </a:pPr>
-            <a:endParaRPr lang="en-US" b="0" dirty="0"/>
-          </a:p>
-          <a:p>
-            <a:pPr marL="0" marR="0" lvl="0" indent="0" algn="l" defTabSz="914400" rtl="0" eaLnBrk="1" fontAlgn="auto" latinLnBrk="0" hangingPunct="1">
-              <a:lnSpc>
-                <a:spcPct val="100000"/>
-              </a:lnSpc>
-              <a:spcBef>
-                <a:spcPts val="0"/>
-              </a:spcBef>
-              <a:spcAft>
-                <a:spcPts val="0"/>
-              </a:spcAft>
-              <a:buClrTx/>
-              <a:buSzTx/>
-              <a:buFontTx/>
-              <a:buNone/>
-              <a:tabLst/>
-              <a:defRPr/>
-            </a:pPr>
-            <a:r>
-              <a:rPr lang="en-US" b="0" dirty="0"/>
-              <a:t>Discussion</a:t>
-            </a:r>
-          </a:p>
-          <a:p>
-            <a:pPr marL="0" marR="0" lvl="0" indent="0" algn="l" defTabSz="914400" rtl="0" eaLnBrk="1" fontAlgn="auto" latinLnBrk="0" hangingPunct="1">
-              <a:lnSpc>
-                <a:spcPct val="100000"/>
-              </a:lnSpc>
-              <a:spcBef>
-                <a:spcPts val="0"/>
-              </a:spcBef>
-              <a:spcAft>
-                <a:spcPts val="0"/>
-              </a:spcAft>
-              <a:buClrTx/>
-              <a:buSzTx/>
-              <a:buFontTx/>
-              <a:buNone/>
-              <a:tabLst/>
-              <a:defRPr/>
-            </a:pPr>
-            <a:endParaRPr lang="en-US" dirty="0"/>
-          </a:p>
-          <a:p>
-            <a:pPr marL="0" marR="0" lvl="0" indent="0" algn="l" defTabSz="914400" rtl="0" eaLnBrk="1" fontAlgn="auto" latinLnBrk="0" hangingPunct="1">
-              <a:lnSpc>
-                <a:spcPct val="100000"/>
-              </a:lnSpc>
-              <a:spcBef>
-                <a:spcPts val="0"/>
-              </a:spcBef>
-              <a:spcAft>
-                <a:spcPts val="0"/>
-              </a:spcAft>
-              <a:buClrTx/>
-              <a:buSzTx/>
-              <a:buFontTx/>
-              <a:buNone/>
-              <a:tabLst/>
-              <a:defRPr/>
-            </a:pPr>
-            <a:r>
-              <a:rPr lang="en-US" b="0" dirty="0"/>
-              <a:t>Country Analysis</a:t>
-            </a:r>
-          </a:p>
-          <a:p>
-            <a:pPr marL="285750" marR="0" lvl="0" indent="-285750" algn="l" defTabSz="914400" rtl="0" eaLnBrk="1" fontAlgn="auto" latinLnBrk="0" hangingPunct="1">
-              <a:lnSpc>
-                <a:spcPct val="100000"/>
-              </a:lnSpc>
-              <a:spcBef>
-                <a:spcPts val="0"/>
-              </a:spcBef>
-              <a:spcAft>
-                <a:spcPts val="0"/>
-              </a:spcAft>
-              <a:buClrTx/>
-              <a:buSzTx/>
-              <a:buFont typeface="Arial" panose="020B0604020202020204" pitchFamily="34" charset="0"/>
-              <a:buChar char="•"/>
-              <a:tabLst/>
-              <a:defRPr/>
-            </a:pPr>
-            <a:r>
-              <a:rPr lang="en-US" b="0" dirty="0"/>
-              <a:t>Any country-specific qualities affecting company performance in Forbes ranking or Glassdoor scores</a:t>
-            </a:r>
-          </a:p>
-          <a:p>
-            <a:pPr marR="0" lvl="0" algn="l" defTabSz="914400" rtl="0" eaLnBrk="1" fontAlgn="auto" latinLnBrk="0" hangingPunct="1">
-              <a:lnSpc>
-                <a:spcPct val="100000"/>
-              </a:lnSpc>
-              <a:spcBef>
-                <a:spcPts val="0"/>
-              </a:spcBef>
-              <a:spcAft>
-                <a:spcPts val="0"/>
-              </a:spcAft>
-              <a:buClrTx/>
-              <a:buSzTx/>
-              <a:tabLst/>
-              <a:defRPr/>
-            </a:pPr>
-            <a:endParaRPr lang="en-US" dirty="0"/>
-          </a:p>
-          <a:p>
-            <a:pPr marR="0" lvl="0" algn="l" defTabSz="914400" rtl="0" eaLnBrk="1" fontAlgn="auto" latinLnBrk="0" hangingPunct="1">
-              <a:lnSpc>
-                <a:spcPct val="100000"/>
-              </a:lnSpc>
-              <a:spcBef>
-                <a:spcPts val="0"/>
-              </a:spcBef>
-              <a:spcAft>
-                <a:spcPts val="0"/>
-              </a:spcAft>
-              <a:buClrTx/>
-              <a:buSzTx/>
-              <a:tabLst/>
-              <a:defRPr/>
-            </a:pPr>
-            <a:r>
-              <a:rPr lang="en-US" b="0" dirty="0"/>
-              <a:t>Conclusions</a:t>
-            </a:r>
-          </a:p>
-          <a:p>
-            <a:endParaRPr lang="en-AU" dirty="0"/>
-          </a:p>
-        </p:txBody>
-      </p:sp>
-      <p:sp>
-        <p:nvSpPr>
-          <p:cNvPr id="4" name="Slide Number Placeholder 3">
-            <a:extLst>
-              <a:ext uri="{FF2B5EF4-FFF2-40B4-BE49-F238E27FC236}">
-                <a16:creationId xmlns:a16="http://schemas.microsoft.com/office/drawing/2014/main" id="{1FE8C455-97BF-6B95-5335-911BD4DB4D59}"/>
-              </a:ext>
-            </a:extLst>
-          </p:cNvPr>
-          <p:cNvSpPr>
-            <a:spLocks noGrp="1"/>
-          </p:cNvSpPr>
-          <p:nvPr>
-            <p:ph type="sldNum" sz="quarter" idx="4"/>
-          </p:nvPr>
-        </p:nvSpPr>
-        <p:spPr>
-          <a:xfrm>
-            <a:off x="8153400" y="4797425"/>
-            <a:ext cx="787504" cy="288925"/>
-          </a:xfrm>
-        </p:spPr>
         <p:txBody>
           <a:bodyPr/>
           <a:lstStyle/>
@@ -4885,10 +6317,76 @@
           </a:p>
         </p:txBody>
       </p:sp>
+      <p:sp>
+        <p:nvSpPr>
+          <p:cNvPr id="13" name="Content Placeholder 12">
+            <a:extLst>
+              <a:ext uri="{FF2B5EF4-FFF2-40B4-BE49-F238E27FC236}">
+                <a16:creationId xmlns:a16="http://schemas.microsoft.com/office/drawing/2014/main" id="{4C465C02-5156-6D7F-7ACD-719EA0308090}"/>
+              </a:ext>
+            </a:extLst>
+          </p:cNvPr>
+          <p:cNvSpPr txBox="1">
+            <a:spLocks noGrp="1"/>
+          </p:cNvSpPr>
+          <p:nvPr>
+            <p:ph sz="quarter" idx="15"/>
+          </p:nvPr>
+        </p:nvSpPr>
+        <p:spPr>
+          <a:xfrm>
+            <a:off x="296613" y="666750"/>
+            <a:ext cx="8056563" cy="303481"/>
+          </a:xfrm>
+          <a:prstGeom prst="rect">
+            <a:avLst/>
+          </a:prstGeom>
+          <a:noFill/>
+        </p:spPr>
+        <p:txBody>
+          <a:bodyPr wrap="square" rtlCol="0">
+            <a:spAutoFit/>
+          </a:bodyPr>
+          <a:lstStyle/>
+          <a:p>
+            <a:endParaRPr lang="en-AU" dirty="0"/>
+          </a:p>
+        </p:txBody>
+      </p:sp>
+      <p:pic>
+        <p:nvPicPr>
+          <p:cNvPr id="16" name="Picture 15">
+            <a:extLst>
+              <a:ext uri="{FF2B5EF4-FFF2-40B4-BE49-F238E27FC236}">
+                <a16:creationId xmlns:a16="http://schemas.microsoft.com/office/drawing/2014/main" id="{F881E350-E2A2-5587-5777-137F52755260}"/>
+              </a:ext>
+            </a:extLst>
+          </p:cNvPr>
+          <p:cNvPicPr>
+            <a:picLocks noChangeAspect="1"/>
+          </p:cNvPicPr>
+          <p:nvPr/>
+        </p:nvPicPr>
+        <p:blipFill>
+          <a:blip r:embed="rId2"/>
+          <a:stretch>
+            <a:fillRect/>
+          </a:stretch>
+        </p:blipFill>
+        <p:spPr>
+          <a:xfrm>
+            <a:off x="235432" y="970231"/>
+            <a:ext cx="8673135" cy="3733800"/>
+          </a:xfrm>
+          <a:prstGeom prst="rect">
+            <a:avLst/>
+          </a:prstGeom>
+        </p:spPr>
+      </p:pic>
     </p:spTree>
     <p:extLst>
       <p:ext uri="{BB962C8B-B14F-4D97-AF65-F5344CB8AC3E}">
-        <p14:creationId xmlns:p14="http://schemas.microsoft.com/office/powerpoint/2010/main" val="684092711"/>
+        <p14:creationId xmlns:p14="http://schemas.microsoft.com/office/powerpoint/2010/main" val="2050227451"/>
       </p:ext>
     </p:extLst>
   </p:cSld>
@@ -4920,7 +6418,7 @@
           <p:cNvPr id="2" name="Title 1">
             <a:extLst>
               <a:ext uri="{FF2B5EF4-FFF2-40B4-BE49-F238E27FC236}">
-                <a16:creationId xmlns:a16="http://schemas.microsoft.com/office/drawing/2014/main" id="{05FE03FE-07FA-7C03-D6E5-555C2B2EE4E7}"/>
+                <a16:creationId xmlns:a16="http://schemas.microsoft.com/office/drawing/2014/main" id="{DE82A113-E21F-F8AE-4EBF-5441BE1B152A}"/>
               </a:ext>
             </a:extLst>
           </p:cNvPr>
@@ -4936,10 +6434,7 @@
           <a:bodyPr/>
           <a:lstStyle/>
           <a:p>
-            <a:r>
-              <a:rPr lang="en-AU" dirty="0"/>
-              <a:t>Conclusions</a:t>
-            </a:r>
+            <a:endParaRPr lang="en-AU"/>
           </a:p>
         </p:txBody>
       </p:sp>
@@ -4948,7 +6443,7 @@
           <p:cNvPr id="3" name="Slide Number Placeholder 2">
             <a:extLst>
               <a:ext uri="{FF2B5EF4-FFF2-40B4-BE49-F238E27FC236}">
-                <a16:creationId xmlns:a16="http://schemas.microsoft.com/office/drawing/2014/main" id="{85EAAE81-F38C-3A23-CAF5-7C71EE9F84CA}"/>
+                <a16:creationId xmlns:a16="http://schemas.microsoft.com/office/drawing/2014/main" id="{3F29E578-C8E8-5B16-4DD1-DC17310C05B5}"/>
               </a:ext>
             </a:extLst>
           </p:cNvPr>
@@ -4973,12 +6468,146 @@
           </a:p>
         </p:txBody>
       </p:sp>
-      <p:sp>
-        <p:nvSpPr>
-          <p:cNvPr id="4" name="Content Placeholder 3">
+      <p:pic>
+        <p:nvPicPr>
+          <p:cNvPr id="7" name="Picture 6">
             <a:extLst>
               <a:ext uri="{FF2B5EF4-FFF2-40B4-BE49-F238E27FC236}">
-                <a16:creationId xmlns:a16="http://schemas.microsoft.com/office/drawing/2014/main" id="{270D31DA-01D2-223C-A945-57B5F8B5C09D}"/>
+                <a16:creationId xmlns:a16="http://schemas.microsoft.com/office/drawing/2014/main" id="{9E1EC619-C453-136B-A96C-8DE64A1AF381}"/>
+              </a:ext>
+            </a:extLst>
+          </p:cNvPr>
+          <p:cNvPicPr>
+            <a:picLocks noChangeAspect="1"/>
+          </p:cNvPicPr>
+          <p:nvPr/>
+        </p:nvPicPr>
+        <p:blipFill>
+          <a:blip r:embed="rId2"/>
+          <a:stretch>
+            <a:fillRect/>
+          </a:stretch>
+        </p:blipFill>
+        <p:spPr>
+          <a:xfrm>
+            <a:off x="317975" y="1238250"/>
+            <a:ext cx="3644425" cy="2667000"/>
+          </a:xfrm>
+          <a:prstGeom prst="rect">
+            <a:avLst/>
+          </a:prstGeom>
+        </p:spPr>
+      </p:pic>
+      <p:sp>
+        <p:nvSpPr>
+          <p:cNvPr id="8" name="TextBox 7">
+            <a:extLst>
+              <a:ext uri="{FF2B5EF4-FFF2-40B4-BE49-F238E27FC236}">
+                <a16:creationId xmlns:a16="http://schemas.microsoft.com/office/drawing/2014/main" id="{2EF712AA-899B-E742-E755-0C5F83C9390D}"/>
+              </a:ext>
+            </a:extLst>
+          </p:cNvPr>
+          <p:cNvSpPr txBox="1"/>
+          <p:nvPr/>
+        </p:nvSpPr>
+        <p:spPr>
+          <a:xfrm>
+            <a:off x="256560" y="761885"/>
+            <a:ext cx="4191000" cy="369332"/>
+          </a:xfrm>
+          <a:prstGeom prst="rect">
+            <a:avLst/>
+          </a:prstGeom>
+          <a:noFill/>
+        </p:spPr>
+        <p:txBody>
+          <a:bodyPr wrap="square" rtlCol="0">
+            <a:spAutoFit/>
+          </a:bodyPr>
+          <a:lstStyle/>
+          <a:p>
+            <a:r>
+              <a:rPr lang="en-US" dirty="0"/>
+              <a:t>base on </a:t>
+            </a:r>
+            <a:r>
+              <a:rPr lang="en-US" dirty="0" err="1"/>
+              <a:t>this,we</a:t>
+            </a:r>
+            <a:r>
+              <a:rPr lang="en-US" dirty="0"/>
+              <a:t> going to use USA</a:t>
+            </a:r>
+            <a:endParaRPr lang="en-AU" dirty="0"/>
+          </a:p>
+        </p:txBody>
+      </p:sp>
+      <p:pic>
+        <p:nvPicPr>
+          <p:cNvPr id="10" name="Picture 9">
+            <a:extLst>
+              <a:ext uri="{FF2B5EF4-FFF2-40B4-BE49-F238E27FC236}">
+                <a16:creationId xmlns:a16="http://schemas.microsoft.com/office/drawing/2014/main" id="{A07F6F04-5D76-93F8-C9A2-0617AB05B042}"/>
+              </a:ext>
+            </a:extLst>
+          </p:cNvPr>
+          <p:cNvPicPr>
+            <a:picLocks noChangeAspect="1"/>
+          </p:cNvPicPr>
+          <p:nvPr/>
+        </p:nvPicPr>
+        <p:blipFill>
+          <a:blip r:embed="rId3"/>
+          <a:stretch>
+            <a:fillRect/>
+          </a:stretch>
+        </p:blipFill>
+        <p:spPr>
+          <a:xfrm>
+            <a:off x="5104975" y="1238250"/>
+            <a:ext cx="3048425" cy="1952898"/>
+          </a:xfrm>
+          <a:prstGeom prst="rect">
+            <a:avLst/>
+          </a:prstGeom>
+        </p:spPr>
+      </p:pic>
+    </p:spTree>
+    <p:extLst>
+      <p:ext uri="{BB962C8B-B14F-4D97-AF65-F5344CB8AC3E}">
+        <p14:creationId xmlns:p14="http://schemas.microsoft.com/office/powerpoint/2010/main" val="2854953237"/>
+      </p:ext>
+    </p:extLst>
+  </p:cSld>
+  <p:clrMapOvr>
+    <a:masterClrMapping/>
+  </p:clrMapOvr>
+</p:sld>
+</file>
+
+<file path=ppt/slides/slide9.xml><?xml version="1.0" encoding="utf-8"?>
+<p:sld xmlns:a="http://schemas.openxmlformats.org/drawingml/2006/main" xmlns:r="http://schemas.openxmlformats.org/officeDocument/2006/relationships" xmlns:p="http://schemas.openxmlformats.org/presentationml/2006/main">
+  <p:cSld>
+    <p:spTree>
+      <p:nvGrpSpPr>
+        <p:cNvPr id="1" name=""/>
+        <p:cNvGrpSpPr/>
+        <p:nvPr/>
+      </p:nvGrpSpPr>
+      <p:grpSpPr>
+        <a:xfrm>
+          <a:off x="0" y="0"/>
+          <a:ext cx="0" cy="0"/>
+          <a:chOff x="0" y="0"/>
+          <a:chExt cx="0" cy="0"/>
+        </a:xfrm>
+      </p:grpSpPr>
+      <p:sp>
+        <p:nvSpPr>
+          <p:cNvPr id="2" name="Title 1">
+            <a:extLst>
+              <a:ext uri="{FF2B5EF4-FFF2-40B4-BE49-F238E27FC236}">
+                <a16:creationId xmlns:a16="http://schemas.microsoft.com/office/drawing/2014/main" id="{BC085698-8EC8-6E55-3571-A0A84C3FFF3C}"/>
               </a:ext>
             </a:extLst>
           </p:cNvPr>
@@ -4986,7 +6615,7 @@
             <a:spLocks noGrp="1"/>
           </p:cNvSpPr>
           <p:nvPr>
-            <p:ph sz="quarter" idx="15"/>
+            <p:ph type="title"/>
           </p:nvPr>
         </p:nvSpPr>
         <p:spPr/>
@@ -4994,86 +6623,139 @@
           <a:bodyPr/>
           <a:lstStyle/>
           <a:p>
-            <a:r>
-              <a:rPr lang="en-AU" dirty="0"/>
-              <a:t>Overall we conclude:</a:t>
-            </a:r>
-          </a:p>
-          <a:p>
-            <a:pPr marL="285750" indent="-285750">
-              <a:buFont typeface="Arial" panose="020B0604020202020204" pitchFamily="34" charset="0"/>
-              <a:buChar char="•"/>
-            </a:pPr>
-            <a:r>
-              <a:rPr lang="en-AU" dirty="0"/>
-              <a:t>Established, longstanding companies</a:t>
-            </a:r>
-          </a:p>
-          <a:p>
-            <a:pPr marL="285750" indent="-285750">
-              <a:buFont typeface="Arial" panose="020B0604020202020204" pitchFamily="34" charset="0"/>
-              <a:buChar char="•"/>
-            </a:pPr>
-            <a:r>
-              <a:rPr lang="en-AU" dirty="0"/>
-              <a:t>High brand recognition/value</a:t>
-            </a:r>
-          </a:p>
-          <a:p>
-            <a:pPr marL="285750" indent="-285750">
-              <a:buFont typeface="Arial" panose="020B0604020202020204" pitchFamily="34" charset="0"/>
-              <a:buChar char="•"/>
-            </a:pPr>
-            <a:r>
-              <a:rPr lang="en-AU" dirty="0"/>
-              <a:t>Would investigate this further</a:t>
-            </a:r>
-          </a:p>
-          <a:p>
-            <a:pPr marL="285750" indent="-285750">
-              <a:buFont typeface="Arial" panose="020B0604020202020204" pitchFamily="34" charset="0"/>
-              <a:buChar char="•"/>
-            </a:pPr>
             <a:endParaRPr lang="en-AU" dirty="0"/>
           </a:p>
+        </p:txBody>
+      </p:sp>
+      <p:sp>
+        <p:nvSpPr>
+          <p:cNvPr id="3" name="Slide Number Placeholder 2">
+            <a:extLst>
+              <a:ext uri="{FF2B5EF4-FFF2-40B4-BE49-F238E27FC236}">
+                <a16:creationId xmlns:a16="http://schemas.microsoft.com/office/drawing/2014/main" id="{D4578539-64A4-05A0-7335-33403545113B}"/>
+              </a:ext>
+            </a:extLst>
+          </p:cNvPr>
+          <p:cNvSpPr>
+            <a:spLocks noGrp="1"/>
+          </p:cNvSpPr>
+          <p:nvPr>
+            <p:ph type="sldNum" sz="quarter" idx="4"/>
+          </p:nvPr>
+        </p:nvSpPr>
+        <p:spPr/>
+        <p:txBody>
+          <a:bodyPr/>
+          <a:lstStyle/>
+          <a:p>
+            <a:fld id="{454586D2-FC10-4911-B5CA-CBCADE2DC1FC}" type="slidenum">
+              <a:rPr lang="en-AU" smtClean="0"/>
+              <a:pPr/>
+              <a:t>9</a:t>
+            </a:fld>
+            <a:endParaRPr lang="en-AU" dirty="0"/>
+          </a:p>
+        </p:txBody>
+      </p:sp>
+      <p:pic>
+        <p:nvPicPr>
+          <p:cNvPr id="6" name="Content Placeholder 5">
+            <a:extLst>
+              <a:ext uri="{FF2B5EF4-FFF2-40B4-BE49-F238E27FC236}">
+                <a16:creationId xmlns:a16="http://schemas.microsoft.com/office/drawing/2014/main" id="{597B5DC0-2AC5-3B61-FE8E-E2A679B06963}"/>
+              </a:ext>
+            </a:extLst>
+          </p:cNvPr>
+          <p:cNvPicPr>
+            <a:picLocks noGrp="1" noChangeAspect="1"/>
+          </p:cNvPicPr>
+          <p:nvPr>
+            <p:ph sz="quarter" idx="15"/>
+          </p:nvPr>
+        </p:nvPicPr>
+        <p:blipFill>
+          <a:blip r:embed="rId2"/>
+          <a:stretch>
+            <a:fillRect/>
+          </a:stretch>
+        </p:blipFill>
+        <p:spPr>
+          <a:xfrm>
+            <a:off x="281101" y="1279915"/>
+            <a:ext cx="4300345" cy="2662119"/>
+          </a:xfrm>
+        </p:spPr>
+      </p:pic>
+      <p:sp>
+        <p:nvSpPr>
+          <p:cNvPr id="7" name="TextBox 6">
+            <a:extLst>
+              <a:ext uri="{FF2B5EF4-FFF2-40B4-BE49-F238E27FC236}">
+                <a16:creationId xmlns:a16="http://schemas.microsoft.com/office/drawing/2014/main" id="{B8544F2B-3D5A-4CB2-A598-A70FC830BF24}"/>
+              </a:ext>
+            </a:extLst>
+          </p:cNvPr>
+          <p:cNvSpPr txBox="1"/>
+          <p:nvPr/>
+        </p:nvSpPr>
+        <p:spPr>
+          <a:xfrm>
+            <a:off x="299132" y="742950"/>
+            <a:ext cx="8094421" cy="369332"/>
+          </a:xfrm>
+          <a:prstGeom prst="rect">
+            <a:avLst/>
+          </a:prstGeom>
+          <a:noFill/>
+        </p:spPr>
+        <p:txBody>
+          <a:bodyPr wrap="square" rtlCol="0">
+            <a:spAutoFit/>
+          </a:bodyPr>
+          <a:lstStyle/>
           <a:p>
             <a:r>
               <a:rPr lang="en-US" dirty="0"/>
-              <a:t>Difficulties and limitations</a:t>
-            </a:r>
-          </a:p>
-          <a:p>
+              <a:t> </a:t>
+            </a:r>
             <a:endParaRPr lang="en-AU" dirty="0"/>
           </a:p>
-          <a:p>
-            <a:r>
-              <a:rPr lang="en-US" dirty="0"/>
-              <a:t>Did the data uncover any answers to our initial research questions?</a:t>
-            </a:r>
-          </a:p>
-          <a:p>
-            <a:endParaRPr lang="en-AU" dirty="0"/>
-          </a:p>
-          <a:p>
-            <a:pPr marL="285750" indent="-285750">
-              <a:buFont typeface="Arial" panose="020B0604020202020204" pitchFamily="34" charset="0"/>
-              <a:buChar char="•"/>
-            </a:pPr>
-            <a:endParaRPr lang="en-AU" dirty="0"/>
-          </a:p>
-          <a:p>
-            <a:pPr marL="285750" indent="-285750">
-              <a:buFont typeface="Arial" panose="020B0604020202020204" pitchFamily="34" charset="0"/>
-              <a:buChar char="•"/>
-            </a:pPr>
-            <a:endParaRPr lang="en-AU" dirty="0"/>
-          </a:p>
         </p:txBody>
       </p:sp>
+      <p:pic>
+        <p:nvPicPr>
+          <p:cNvPr id="9" name="Picture 8">
+            <a:extLst>
+              <a:ext uri="{FF2B5EF4-FFF2-40B4-BE49-F238E27FC236}">
+                <a16:creationId xmlns:a16="http://schemas.microsoft.com/office/drawing/2014/main" id="{445E89D1-9BCF-318D-1736-BC7389CA0B67}"/>
+              </a:ext>
+            </a:extLst>
+          </p:cNvPr>
+          <p:cNvPicPr>
+            <a:picLocks noChangeAspect="1"/>
+          </p:cNvPicPr>
+          <p:nvPr/>
+        </p:nvPicPr>
+        <p:blipFill>
+          <a:blip r:embed="rId3"/>
+          <a:stretch>
+            <a:fillRect/>
+          </a:stretch>
+        </p:blipFill>
+        <p:spPr>
+          <a:xfrm>
+            <a:off x="4844855" y="758183"/>
+            <a:ext cx="3702297" cy="4046012"/>
+          </a:xfrm>
+          <a:prstGeom prst="rect">
+            <a:avLst/>
+          </a:prstGeom>
+        </p:spPr>
+      </p:pic>
     </p:spTree>
     <p:extLst>
       <p:ext uri="{BB962C8B-B14F-4D97-AF65-F5344CB8AC3E}">
-        <p14:creationId xmlns:p14="http://schemas.microsoft.com/office/powerpoint/2010/main" val="3549187172"/>
+        <p14:creationId xmlns:p14="http://schemas.microsoft.com/office/powerpoint/2010/main" val="4094196653"/>
       </p:ext>
     </p:extLst>
   </p:cSld>

--- a/Presentation3.pptx
+++ b/Presentation3.pptx
@@ -48,7 +48,7 @@
   <pc:docChgLst>
     <pc:chgData name="Gavin Payne" userId="a7059ab5374b9f55" providerId="LiveId" clId="{6115755D-24C6-6E4B-929F-C8742E4B28AC}"/>
     <pc:docChg chg="custSel addSld modSld">
-      <pc:chgData name="Gavin Payne" userId="a7059ab5374b9f55" providerId="LiveId" clId="{6115755D-24C6-6E4B-929F-C8742E4B28AC}" dt="2023-01-16T10:25:16.600" v="1711" actId="20577"/>
+      <pc:chgData name="Gavin Payne" userId="a7059ab5374b9f55" providerId="LiveId" clId="{6115755D-24C6-6E4B-929F-C8742E4B28AC}" dt="2023-01-16T12:27:50.831" v="1719" actId="20577"/>
       <pc:docMkLst>
         <pc:docMk/>
       </pc:docMkLst>
@@ -92,13 +92,13 @@
         </pc:picChg>
       </pc:sldChg>
       <pc:sldChg chg="addSp delSp modSp mod modNotesTx">
-        <pc:chgData name="Gavin Payne" userId="a7059ab5374b9f55" providerId="LiveId" clId="{6115755D-24C6-6E4B-929F-C8742E4B28AC}" dt="2023-01-16T10:25:16.600" v="1711" actId="20577"/>
+        <pc:chgData name="Gavin Payne" userId="a7059ab5374b9f55" providerId="LiveId" clId="{6115755D-24C6-6E4B-929F-C8742E4B28AC}" dt="2023-01-16T12:27:50.831" v="1719" actId="20577"/>
         <pc:sldMkLst>
           <pc:docMk/>
           <pc:sldMk cId="3959464855" sldId="260"/>
         </pc:sldMkLst>
         <pc:spChg chg="mod">
-          <ac:chgData name="Gavin Payne" userId="a7059ab5374b9f55" providerId="LiveId" clId="{6115755D-24C6-6E4B-929F-C8742E4B28AC}" dt="2023-01-16T06:00:13.568" v="9" actId="20577"/>
+          <ac:chgData name="Gavin Payne" userId="a7059ab5374b9f55" providerId="LiveId" clId="{6115755D-24C6-6E4B-929F-C8742E4B28AC}" dt="2023-01-16T12:27:50.831" v="1719" actId="20577"/>
           <ac:spMkLst>
             <pc:docMk/>
             <pc:sldMk cId="3959464855" sldId="260"/>
@@ -131,11 +131,19 @@
         </pc:picChg>
       </pc:sldChg>
       <pc:sldChg chg="addSp delSp modSp add mod modNotesTx">
-        <pc:chgData name="Gavin Payne" userId="a7059ab5374b9f55" providerId="LiveId" clId="{6115755D-24C6-6E4B-929F-C8742E4B28AC}" dt="2023-01-16T10:01:06.505" v="1701" actId="20577"/>
+        <pc:chgData name="Gavin Payne" userId="a7059ab5374b9f55" providerId="LiveId" clId="{6115755D-24C6-6E4B-929F-C8742E4B28AC}" dt="2023-01-16T12:27:37.897" v="1715" actId="20577"/>
         <pc:sldMkLst>
           <pc:docMk/>
           <pc:sldMk cId="2498522498" sldId="266"/>
         </pc:sldMkLst>
+        <pc:spChg chg="mod">
+          <ac:chgData name="Gavin Payne" userId="a7059ab5374b9f55" providerId="LiveId" clId="{6115755D-24C6-6E4B-929F-C8742E4B28AC}" dt="2023-01-16T12:27:37.897" v="1715" actId="20577"/>
+          <ac:spMkLst>
+            <pc:docMk/>
+            <pc:sldMk cId="2498522498" sldId="266"/>
+            <ac:spMk id="2" creationId="{34FB3A1B-C244-4590-DA7E-2448C607EAA4}"/>
+          </ac:spMkLst>
+        </pc:spChg>
         <pc:spChg chg="mod">
           <ac:chgData name="Gavin Payne" userId="a7059ab5374b9f55" providerId="LiveId" clId="{6115755D-24C6-6E4B-929F-C8742E4B28AC}" dt="2023-01-16T10:01:06.505" v="1701" actId="20577"/>
           <ac:spMkLst>
@@ -3556,7 +3564,7 @@
           <a:p>
             <a:r>
               <a:rPr lang="en-AU" dirty="0"/>
-              <a:t>Are good employers good companies? – Look within Top 100</a:t>
+              <a:t>Are good employers good companies? – A look within Top 100</a:t>
             </a:r>
           </a:p>
         </p:txBody>
@@ -3838,7 +3846,7 @@
           <a:p>
             <a:r>
               <a:rPr lang="en-AU" dirty="0"/>
-              <a:t>Are good employers good companies? – Look within Top 100</a:t>
+              <a:t>Are good employers good companies? – A look within Top 100</a:t>
             </a:r>
           </a:p>
         </p:txBody>
